--- a/design_ppt/about.pptx
+++ b/design_ppt/about.pptx
@@ -2,19 +2,19 @@
 <file path=ppt/presentation.xml><?xml version="1.0" encoding="utf-8"?>
 <p:presentation xmlns:a="http://schemas.openxmlformats.org/drawingml/2006/main" xmlns:r="http://schemas.openxmlformats.org/officeDocument/2006/relationships" xmlns:p="http://schemas.openxmlformats.org/presentationml/2006/main" saveSubsetFonts="1" autoCompressPictures="0">
   <p:sldMasterIdLst>
-    <p:sldMasterId id="2147483648" r:id="rId1"/>
+    <p:sldMasterId id="2147483684" r:id="rId1"/>
   </p:sldMasterIdLst>
   <p:sldIdLst>
     <p:sldId id="257" r:id="rId2"/>
     <p:sldId id="258" r:id="rId3"/>
   </p:sldIdLst>
-  <p:sldSz cx="12192000" cy="6858000"/>
+  <p:sldSz cx="44999275" cy="35999738"/>
   <p:notesSz cx="6858000" cy="9144000"/>
   <p:defaultTextStyle>
     <a:defPPr>
-      <a:defRPr lang="en-TH"/>
+      <a:defRPr lang="en-US"/>
     </a:defPPr>
-    <a:lvl1pPr marL="0" algn="l" defTabSz="914400" rtl="0" eaLnBrk="1" latinLnBrk="0" hangingPunct="1">
+    <a:lvl1pPr marL="0" algn="l" defTabSz="457200" rtl="0" eaLnBrk="1" latinLnBrk="0" hangingPunct="1">
       <a:defRPr sz="1800" kern="1200">
         <a:solidFill>
           <a:schemeClr val="tx1"/>
@@ -24,7 +24,7 @@
         <a:cs typeface="+mn-cs"/>
       </a:defRPr>
     </a:lvl1pPr>
-    <a:lvl2pPr marL="457200" algn="l" defTabSz="914400" rtl="0" eaLnBrk="1" latinLnBrk="0" hangingPunct="1">
+    <a:lvl2pPr marL="457200" algn="l" defTabSz="457200" rtl="0" eaLnBrk="1" latinLnBrk="0" hangingPunct="1">
       <a:defRPr sz="1800" kern="1200">
         <a:solidFill>
           <a:schemeClr val="tx1"/>
@@ -34,7 +34,7 @@
         <a:cs typeface="+mn-cs"/>
       </a:defRPr>
     </a:lvl2pPr>
-    <a:lvl3pPr marL="914400" algn="l" defTabSz="914400" rtl="0" eaLnBrk="1" latinLnBrk="0" hangingPunct="1">
+    <a:lvl3pPr marL="914400" algn="l" defTabSz="457200" rtl="0" eaLnBrk="1" latinLnBrk="0" hangingPunct="1">
       <a:defRPr sz="1800" kern="1200">
         <a:solidFill>
           <a:schemeClr val="tx1"/>
@@ -44,7 +44,7 @@
         <a:cs typeface="+mn-cs"/>
       </a:defRPr>
     </a:lvl3pPr>
-    <a:lvl4pPr marL="1371600" algn="l" defTabSz="914400" rtl="0" eaLnBrk="1" latinLnBrk="0" hangingPunct="1">
+    <a:lvl4pPr marL="1371600" algn="l" defTabSz="457200" rtl="0" eaLnBrk="1" latinLnBrk="0" hangingPunct="1">
       <a:defRPr sz="1800" kern="1200">
         <a:solidFill>
           <a:schemeClr val="tx1"/>
@@ -54,7 +54,7 @@
         <a:cs typeface="+mn-cs"/>
       </a:defRPr>
     </a:lvl4pPr>
-    <a:lvl5pPr marL="1828800" algn="l" defTabSz="914400" rtl="0" eaLnBrk="1" latinLnBrk="0" hangingPunct="1">
+    <a:lvl5pPr marL="1828800" algn="l" defTabSz="457200" rtl="0" eaLnBrk="1" latinLnBrk="0" hangingPunct="1">
       <a:defRPr sz="1800" kern="1200">
         <a:solidFill>
           <a:schemeClr val="tx1"/>
@@ -64,7 +64,7 @@
         <a:cs typeface="+mn-cs"/>
       </a:defRPr>
     </a:lvl5pPr>
-    <a:lvl6pPr marL="2286000" algn="l" defTabSz="914400" rtl="0" eaLnBrk="1" latinLnBrk="0" hangingPunct="1">
+    <a:lvl6pPr marL="2286000" algn="l" defTabSz="457200" rtl="0" eaLnBrk="1" latinLnBrk="0" hangingPunct="1">
       <a:defRPr sz="1800" kern="1200">
         <a:solidFill>
           <a:schemeClr val="tx1"/>
@@ -74,7 +74,7 @@
         <a:cs typeface="+mn-cs"/>
       </a:defRPr>
     </a:lvl6pPr>
-    <a:lvl7pPr marL="2743200" algn="l" defTabSz="914400" rtl="0" eaLnBrk="1" latinLnBrk="0" hangingPunct="1">
+    <a:lvl7pPr marL="2743200" algn="l" defTabSz="457200" rtl="0" eaLnBrk="1" latinLnBrk="0" hangingPunct="1">
       <a:defRPr sz="1800" kern="1200">
         <a:solidFill>
           <a:schemeClr val="tx1"/>
@@ -84,7 +84,7 @@
         <a:cs typeface="+mn-cs"/>
       </a:defRPr>
     </a:lvl7pPr>
-    <a:lvl8pPr marL="3200400" algn="l" defTabSz="914400" rtl="0" eaLnBrk="1" latinLnBrk="0" hangingPunct="1">
+    <a:lvl8pPr marL="3200400" algn="l" defTabSz="457200" rtl="0" eaLnBrk="1" latinLnBrk="0" hangingPunct="1">
       <a:defRPr sz="1800" kern="1200">
         <a:solidFill>
           <a:schemeClr val="tx1"/>
@@ -94,7 +94,7 @@
         <a:cs typeface="+mn-cs"/>
       </a:defRPr>
     </a:lvl8pPr>
-    <a:lvl9pPr marL="3657600" algn="l" defTabSz="914400" rtl="0" eaLnBrk="1" latinLnBrk="0" hangingPunct="1">
+    <a:lvl9pPr marL="3657600" algn="l" defTabSz="457200" rtl="0" eaLnBrk="1" latinLnBrk="0" hangingPunct="1">
       <a:defRPr sz="1800" kern="1200">
         <a:solidFill>
           <a:schemeClr val="tx1"/>
@@ -127,13 +127,7 @@
       </p:grpSpPr>
       <p:sp>
         <p:nvSpPr>
-          <p:cNvPr id="2" name="Title 1">
-            <a:extLst>
-              <a:ext uri="{FF2B5EF4-FFF2-40B4-BE49-F238E27FC236}">
-                <a16:creationId xmlns:a16="http://schemas.microsoft.com/office/drawing/2014/main" id="{1F3842D7-97BA-324E-BFB4-73310BC84969}"/>
-              </a:ext>
-            </a:extLst>
-          </p:cNvPr>
+          <p:cNvPr id="2" name="Title 1"/>
           <p:cNvSpPr>
             <a:spLocks noGrp="1"/>
           </p:cNvSpPr>
@@ -143,15 +137,15 @@
         </p:nvSpPr>
         <p:spPr>
           <a:xfrm>
-            <a:off x="1524000" y="1122363"/>
-            <a:ext cx="9144000" cy="2387600"/>
+            <a:off x="3374946" y="5891626"/>
+            <a:ext cx="38249384" cy="12533242"/>
           </a:xfrm>
         </p:spPr>
         <p:txBody>
           <a:bodyPr anchor="b"/>
           <a:lstStyle>
             <a:lvl1pPr algn="ctr">
-              <a:defRPr sz="6000"/>
+              <a:defRPr sz="29527"/>
             </a:lvl1pPr>
           </a:lstStyle>
           <a:p>
@@ -159,19 +153,13 @@
               <a:rPr lang="en-US"/>
               <a:t>Click to edit Master title style</a:t>
             </a:r>
-            <a:endParaRPr lang="en-TH"/>
-          </a:p>
-        </p:txBody>
-      </p:sp>
-      <p:sp>
-        <p:nvSpPr>
-          <p:cNvPr id="3" name="Subtitle 2">
-            <a:extLst>
-              <a:ext uri="{FF2B5EF4-FFF2-40B4-BE49-F238E27FC236}">
-                <a16:creationId xmlns:a16="http://schemas.microsoft.com/office/drawing/2014/main" id="{0AC1E8B3-09CC-D848-96CB-B7CF099C8739}"/>
-              </a:ext>
-            </a:extLst>
-          </p:cNvPr>
+            <a:endParaRPr lang="en-US" dirty="0"/>
+          </a:p>
+        </p:txBody>
+      </p:sp>
+      <p:sp>
+        <p:nvSpPr>
+          <p:cNvPr id="3" name="Subtitle 2"/>
           <p:cNvSpPr>
             <a:spLocks noGrp="1"/>
           </p:cNvSpPr>
@@ -181,8 +169,8 @@
         </p:nvSpPr>
         <p:spPr>
           <a:xfrm>
-            <a:off x="1524000" y="3602038"/>
-            <a:ext cx="9144000" cy="1655762"/>
+            <a:off x="5624910" y="18908198"/>
+            <a:ext cx="33749456" cy="8691601"/>
           </a:xfrm>
         </p:spPr>
         <p:txBody>
@@ -190,39 +178,39 @@
           <a:lstStyle>
             <a:lvl1pPr marL="0" indent="0" algn="ctr">
               <a:buNone/>
-              <a:defRPr sz="2400"/>
+              <a:defRPr sz="11811"/>
             </a:lvl1pPr>
-            <a:lvl2pPr marL="457200" indent="0" algn="ctr">
-              <a:buNone/>
-              <a:defRPr sz="2000"/>
+            <a:lvl2pPr marL="2249973" indent="0" algn="ctr">
+              <a:buNone/>
+              <a:defRPr sz="9842"/>
             </a:lvl2pPr>
-            <a:lvl3pPr marL="914400" indent="0" algn="ctr">
-              <a:buNone/>
-              <a:defRPr sz="1800"/>
+            <a:lvl3pPr marL="4499945" indent="0" algn="ctr">
+              <a:buNone/>
+              <a:defRPr sz="8858"/>
             </a:lvl3pPr>
-            <a:lvl4pPr marL="1371600" indent="0" algn="ctr">
-              <a:buNone/>
-              <a:defRPr sz="1600"/>
+            <a:lvl4pPr marL="6749918" indent="0" algn="ctr">
+              <a:buNone/>
+              <a:defRPr sz="7874"/>
             </a:lvl4pPr>
-            <a:lvl5pPr marL="1828800" indent="0" algn="ctr">
-              <a:buNone/>
-              <a:defRPr sz="1600"/>
+            <a:lvl5pPr marL="8999891" indent="0" algn="ctr">
+              <a:buNone/>
+              <a:defRPr sz="7874"/>
             </a:lvl5pPr>
-            <a:lvl6pPr marL="2286000" indent="0" algn="ctr">
-              <a:buNone/>
-              <a:defRPr sz="1600"/>
+            <a:lvl6pPr marL="11249863" indent="0" algn="ctr">
+              <a:buNone/>
+              <a:defRPr sz="7874"/>
             </a:lvl6pPr>
-            <a:lvl7pPr marL="2743200" indent="0" algn="ctr">
-              <a:buNone/>
-              <a:defRPr sz="1600"/>
+            <a:lvl7pPr marL="13499836" indent="0" algn="ctr">
+              <a:buNone/>
+              <a:defRPr sz="7874"/>
             </a:lvl7pPr>
-            <a:lvl8pPr marL="3200400" indent="0" algn="ctr">
-              <a:buNone/>
-              <a:defRPr sz="1600"/>
+            <a:lvl8pPr marL="15749808" indent="0" algn="ctr">
+              <a:buNone/>
+              <a:defRPr sz="7874"/>
             </a:lvl8pPr>
-            <a:lvl9pPr marL="3657600" indent="0" algn="ctr">
-              <a:buNone/>
-              <a:defRPr sz="1600"/>
+            <a:lvl9pPr marL="17999781" indent="0" algn="ctr">
+              <a:buNone/>
+              <a:defRPr sz="7874"/>
             </a:lvl9pPr>
           </a:lstStyle>
           <a:p>
@@ -230,19 +218,13 @@
               <a:rPr lang="en-US"/>
               <a:t>Click to edit Master subtitle style</a:t>
             </a:r>
-            <a:endParaRPr lang="en-TH"/>
-          </a:p>
-        </p:txBody>
-      </p:sp>
-      <p:sp>
-        <p:nvSpPr>
-          <p:cNvPr id="4" name="Date Placeholder 3">
-            <a:extLst>
-              <a:ext uri="{FF2B5EF4-FFF2-40B4-BE49-F238E27FC236}">
-                <a16:creationId xmlns:a16="http://schemas.microsoft.com/office/drawing/2014/main" id="{A1460B86-22DF-734B-8278-A453FBE81E72}"/>
-              </a:ext>
-            </a:extLst>
-          </p:cNvPr>
+            <a:endParaRPr lang="en-US" dirty="0"/>
+          </a:p>
+        </p:txBody>
+      </p:sp>
+      <p:sp>
+        <p:nvSpPr>
+          <p:cNvPr id="4" name="Date Placeholder 3"/>
           <p:cNvSpPr>
             <a:spLocks noGrp="1"/>
           </p:cNvSpPr>
@@ -265,13 +247,7 @@
       </p:sp>
       <p:sp>
         <p:nvSpPr>
-          <p:cNvPr id="5" name="Footer Placeholder 4">
-            <a:extLst>
-              <a:ext uri="{FF2B5EF4-FFF2-40B4-BE49-F238E27FC236}">
-                <a16:creationId xmlns:a16="http://schemas.microsoft.com/office/drawing/2014/main" id="{C47C2637-11A4-4D4C-9571-B51203E8E7A7}"/>
-              </a:ext>
-            </a:extLst>
-          </p:cNvPr>
+          <p:cNvPr id="5" name="Footer Placeholder 4"/>
           <p:cNvSpPr>
             <a:spLocks noGrp="1"/>
           </p:cNvSpPr>
@@ -290,13 +266,7 @@
       </p:sp>
       <p:sp>
         <p:nvSpPr>
-          <p:cNvPr id="6" name="Slide Number Placeholder 5">
-            <a:extLst>
-              <a:ext uri="{FF2B5EF4-FFF2-40B4-BE49-F238E27FC236}">
-                <a16:creationId xmlns:a16="http://schemas.microsoft.com/office/drawing/2014/main" id="{B9192176-1381-6046-BD34-6B96BF7D6A90}"/>
-              </a:ext>
-            </a:extLst>
-          </p:cNvPr>
+          <p:cNvPr id="6" name="Slide Number Placeholder 5"/>
           <p:cNvSpPr>
             <a:spLocks noGrp="1"/>
           </p:cNvSpPr>
@@ -320,7 +290,7 @@
     </p:spTree>
     <p:extLst>
       <p:ext uri="{BB962C8B-B14F-4D97-AF65-F5344CB8AC3E}">
-        <p14:creationId xmlns:p14="http://schemas.microsoft.com/office/powerpoint/2010/main" val="3091050293"/>
+        <p14:creationId xmlns:p14="http://schemas.microsoft.com/office/powerpoint/2010/main" val="4136482271"/>
       </p:ext>
     </p:extLst>
   </p:cSld>
@@ -349,13 +319,7 @@
       </p:grpSpPr>
       <p:sp>
         <p:nvSpPr>
-          <p:cNvPr id="2" name="Title 1">
-            <a:extLst>
-              <a:ext uri="{FF2B5EF4-FFF2-40B4-BE49-F238E27FC236}">
-                <a16:creationId xmlns:a16="http://schemas.microsoft.com/office/drawing/2014/main" id="{80DB6DA9-9AF4-3641-AE17-FDE0534D21A7}"/>
-              </a:ext>
-            </a:extLst>
-          </p:cNvPr>
+          <p:cNvPr id="2" name="Title 1"/>
           <p:cNvSpPr>
             <a:spLocks noGrp="1"/>
           </p:cNvSpPr>
@@ -372,19 +336,13 @@
               <a:rPr lang="en-US"/>
               <a:t>Click to edit Master title style</a:t>
             </a:r>
-            <a:endParaRPr lang="en-TH"/>
-          </a:p>
-        </p:txBody>
-      </p:sp>
-      <p:sp>
-        <p:nvSpPr>
-          <p:cNvPr id="3" name="Vertical Text Placeholder 2">
-            <a:extLst>
-              <a:ext uri="{FF2B5EF4-FFF2-40B4-BE49-F238E27FC236}">
-                <a16:creationId xmlns:a16="http://schemas.microsoft.com/office/drawing/2014/main" id="{429AA848-DFFE-A54A-918A-1D90F8279789}"/>
-              </a:ext>
-            </a:extLst>
-          </p:cNvPr>
+            <a:endParaRPr lang="en-US" dirty="0"/>
+          </a:p>
+        </p:txBody>
+      </p:sp>
+      <p:sp>
+        <p:nvSpPr>
+          <p:cNvPr id="3" name="Vertical Text Placeholder 2"/>
           <p:cNvSpPr>
             <a:spLocks noGrp="1"/>
           </p:cNvSpPr>
@@ -430,19 +388,13 @@
               <a:rPr lang="en-US"/>
               <a:t>Fifth level</a:t>
             </a:r>
-            <a:endParaRPr lang="en-TH"/>
-          </a:p>
-        </p:txBody>
-      </p:sp>
-      <p:sp>
-        <p:nvSpPr>
-          <p:cNvPr id="4" name="Date Placeholder 3">
-            <a:extLst>
-              <a:ext uri="{FF2B5EF4-FFF2-40B4-BE49-F238E27FC236}">
-                <a16:creationId xmlns:a16="http://schemas.microsoft.com/office/drawing/2014/main" id="{80F10035-1654-7E49-912D-191E29DC66FE}"/>
-              </a:ext>
-            </a:extLst>
-          </p:cNvPr>
+            <a:endParaRPr lang="en-US" dirty="0"/>
+          </a:p>
+        </p:txBody>
+      </p:sp>
+      <p:sp>
+        <p:nvSpPr>
+          <p:cNvPr id="4" name="Date Placeholder 3"/>
           <p:cNvSpPr>
             <a:spLocks noGrp="1"/>
           </p:cNvSpPr>
@@ -465,13 +417,7 @@
       </p:sp>
       <p:sp>
         <p:nvSpPr>
-          <p:cNvPr id="5" name="Footer Placeholder 4">
-            <a:extLst>
-              <a:ext uri="{FF2B5EF4-FFF2-40B4-BE49-F238E27FC236}">
-                <a16:creationId xmlns:a16="http://schemas.microsoft.com/office/drawing/2014/main" id="{2135DCF6-A3E2-FE46-BFD6-22EB10F7CE84}"/>
-              </a:ext>
-            </a:extLst>
-          </p:cNvPr>
+          <p:cNvPr id="5" name="Footer Placeholder 4"/>
           <p:cNvSpPr>
             <a:spLocks noGrp="1"/>
           </p:cNvSpPr>
@@ -490,13 +436,7 @@
       </p:sp>
       <p:sp>
         <p:nvSpPr>
-          <p:cNvPr id="6" name="Slide Number Placeholder 5">
-            <a:extLst>
-              <a:ext uri="{FF2B5EF4-FFF2-40B4-BE49-F238E27FC236}">
-                <a16:creationId xmlns:a16="http://schemas.microsoft.com/office/drawing/2014/main" id="{D424DC56-C196-F645-B16B-241B14B22B58}"/>
-              </a:ext>
-            </a:extLst>
-          </p:cNvPr>
+          <p:cNvPr id="6" name="Slide Number Placeholder 5"/>
           <p:cNvSpPr>
             <a:spLocks noGrp="1"/>
           </p:cNvSpPr>
@@ -520,7 +460,7 @@
     </p:spTree>
     <p:extLst>
       <p:ext uri="{BB962C8B-B14F-4D97-AF65-F5344CB8AC3E}">
-        <p14:creationId xmlns:p14="http://schemas.microsoft.com/office/powerpoint/2010/main" val="262450710"/>
+        <p14:creationId xmlns:p14="http://schemas.microsoft.com/office/powerpoint/2010/main" val="3809132354"/>
       </p:ext>
     </p:extLst>
   </p:cSld>
@@ -549,13 +489,7 @@
       </p:grpSpPr>
       <p:sp>
         <p:nvSpPr>
-          <p:cNvPr id="2" name="Vertical Title 1">
-            <a:extLst>
-              <a:ext uri="{FF2B5EF4-FFF2-40B4-BE49-F238E27FC236}">
-                <a16:creationId xmlns:a16="http://schemas.microsoft.com/office/drawing/2014/main" id="{0C5B0097-EB00-6C4E-A9B1-07B80B7E711D}"/>
-              </a:ext>
-            </a:extLst>
-          </p:cNvPr>
+          <p:cNvPr id="2" name="Vertical Title 1"/>
           <p:cNvSpPr>
             <a:spLocks noGrp="1"/>
           </p:cNvSpPr>
@@ -565,8 +499,8 @@
         </p:nvSpPr>
         <p:spPr>
           <a:xfrm>
-            <a:off x="8724900" y="365125"/>
-            <a:ext cx="2628900" cy="5811838"/>
+            <a:off x="32202608" y="1916653"/>
+            <a:ext cx="9702969" cy="30508114"/>
           </a:xfrm>
         </p:spPr>
         <p:txBody>
@@ -577,19 +511,13 @@
               <a:rPr lang="en-US"/>
               <a:t>Click to edit Master title style</a:t>
             </a:r>
-            <a:endParaRPr lang="en-TH"/>
-          </a:p>
-        </p:txBody>
-      </p:sp>
-      <p:sp>
-        <p:nvSpPr>
-          <p:cNvPr id="3" name="Vertical Text Placeholder 2">
-            <a:extLst>
-              <a:ext uri="{FF2B5EF4-FFF2-40B4-BE49-F238E27FC236}">
-                <a16:creationId xmlns:a16="http://schemas.microsoft.com/office/drawing/2014/main" id="{3CED10F7-B0E0-004C-BA15-6734CB614805}"/>
-              </a:ext>
-            </a:extLst>
-          </p:cNvPr>
+            <a:endParaRPr lang="en-US" dirty="0"/>
+          </a:p>
+        </p:txBody>
+      </p:sp>
+      <p:sp>
+        <p:nvSpPr>
+          <p:cNvPr id="3" name="Vertical Text Placeholder 2"/>
           <p:cNvSpPr>
             <a:spLocks noGrp="1"/>
           </p:cNvSpPr>
@@ -599,8 +527,8 @@
         </p:nvSpPr>
         <p:spPr>
           <a:xfrm>
-            <a:off x="838200" y="365125"/>
-            <a:ext cx="7734300" cy="5811838"/>
+            <a:off x="3093703" y="1916653"/>
+            <a:ext cx="28546415" cy="30508114"/>
           </a:xfrm>
         </p:spPr>
         <p:txBody>
@@ -640,19 +568,13 @@
               <a:rPr lang="en-US"/>
               <a:t>Fifth level</a:t>
             </a:r>
-            <a:endParaRPr lang="en-TH"/>
-          </a:p>
-        </p:txBody>
-      </p:sp>
-      <p:sp>
-        <p:nvSpPr>
-          <p:cNvPr id="4" name="Date Placeholder 3">
-            <a:extLst>
-              <a:ext uri="{FF2B5EF4-FFF2-40B4-BE49-F238E27FC236}">
-                <a16:creationId xmlns:a16="http://schemas.microsoft.com/office/drawing/2014/main" id="{A29D23C2-C948-4B40-8EC4-4BAE1668B441}"/>
-              </a:ext>
-            </a:extLst>
-          </p:cNvPr>
+            <a:endParaRPr lang="en-US" dirty="0"/>
+          </a:p>
+        </p:txBody>
+      </p:sp>
+      <p:sp>
+        <p:nvSpPr>
+          <p:cNvPr id="4" name="Date Placeholder 3"/>
           <p:cNvSpPr>
             <a:spLocks noGrp="1"/>
           </p:cNvSpPr>
@@ -675,13 +597,7 @@
       </p:sp>
       <p:sp>
         <p:nvSpPr>
-          <p:cNvPr id="5" name="Footer Placeholder 4">
-            <a:extLst>
-              <a:ext uri="{FF2B5EF4-FFF2-40B4-BE49-F238E27FC236}">
-                <a16:creationId xmlns:a16="http://schemas.microsoft.com/office/drawing/2014/main" id="{CD7646A8-B876-9749-997B-53AF36E5CC14}"/>
-              </a:ext>
-            </a:extLst>
-          </p:cNvPr>
+          <p:cNvPr id="5" name="Footer Placeholder 4"/>
           <p:cNvSpPr>
             <a:spLocks noGrp="1"/>
           </p:cNvSpPr>
@@ -700,13 +616,7 @@
       </p:sp>
       <p:sp>
         <p:nvSpPr>
-          <p:cNvPr id="6" name="Slide Number Placeholder 5">
-            <a:extLst>
-              <a:ext uri="{FF2B5EF4-FFF2-40B4-BE49-F238E27FC236}">
-                <a16:creationId xmlns:a16="http://schemas.microsoft.com/office/drawing/2014/main" id="{E0FBCF48-80A3-AC47-87C5-8EBD05BF659D}"/>
-              </a:ext>
-            </a:extLst>
-          </p:cNvPr>
+          <p:cNvPr id="6" name="Slide Number Placeholder 5"/>
           <p:cNvSpPr>
             <a:spLocks noGrp="1"/>
           </p:cNvSpPr>
@@ -730,7 +640,7 @@
     </p:spTree>
     <p:extLst>
       <p:ext uri="{BB962C8B-B14F-4D97-AF65-F5344CB8AC3E}">
-        <p14:creationId xmlns:p14="http://schemas.microsoft.com/office/powerpoint/2010/main" val="4139952121"/>
+        <p14:creationId xmlns:p14="http://schemas.microsoft.com/office/powerpoint/2010/main" val="426765423"/>
       </p:ext>
     </p:extLst>
   </p:cSld>
@@ -759,13 +669,7 @@
       </p:grpSpPr>
       <p:sp>
         <p:nvSpPr>
-          <p:cNvPr id="2" name="Title 1">
-            <a:extLst>
-              <a:ext uri="{FF2B5EF4-FFF2-40B4-BE49-F238E27FC236}">
-                <a16:creationId xmlns:a16="http://schemas.microsoft.com/office/drawing/2014/main" id="{837F8998-3574-A445-9478-E411052ACF1A}"/>
-              </a:ext>
-            </a:extLst>
-          </p:cNvPr>
+          <p:cNvPr id="2" name="Title 1"/>
           <p:cNvSpPr>
             <a:spLocks noGrp="1"/>
           </p:cNvSpPr>
@@ -782,19 +686,13 @@
               <a:rPr lang="en-US"/>
               <a:t>Click to edit Master title style</a:t>
             </a:r>
-            <a:endParaRPr lang="en-TH"/>
-          </a:p>
-        </p:txBody>
-      </p:sp>
-      <p:sp>
-        <p:nvSpPr>
-          <p:cNvPr id="3" name="Content Placeholder 2">
-            <a:extLst>
-              <a:ext uri="{FF2B5EF4-FFF2-40B4-BE49-F238E27FC236}">
-                <a16:creationId xmlns:a16="http://schemas.microsoft.com/office/drawing/2014/main" id="{27FD544F-F13B-084D-80DC-A87C00B982FF}"/>
-              </a:ext>
-            </a:extLst>
-          </p:cNvPr>
+            <a:endParaRPr lang="en-US" dirty="0"/>
+          </a:p>
+        </p:txBody>
+      </p:sp>
+      <p:sp>
+        <p:nvSpPr>
+          <p:cNvPr id="3" name="Content Placeholder 2"/>
           <p:cNvSpPr>
             <a:spLocks noGrp="1"/>
           </p:cNvSpPr>
@@ -840,19 +738,13 @@
               <a:rPr lang="en-US"/>
               <a:t>Fifth level</a:t>
             </a:r>
-            <a:endParaRPr lang="en-TH"/>
-          </a:p>
-        </p:txBody>
-      </p:sp>
-      <p:sp>
-        <p:nvSpPr>
-          <p:cNvPr id="4" name="Date Placeholder 3">
-            <a:extLst>
-              <a:ext uri="{FF2B5EF4-FFF2-40B4-BE49-F238E27FC236}">
-                <a16:creationId xmlns:a16="http://schemas.microsoft.com/office/drawing/2014/main" id="{AA77BF4A-7C9C-B741-9A2F-6ACCEC0C3FD4}"/>
-              </a:ext>
-            </a:extLst>
-          </p:cNvPr>
+            <a:endParaRPr lang="en-US" dirty="0"/>
+          </a:p>
+        </p:txBody>
+      </p:sp>
+      <p:sp>
+        <p:nvSpPr>
+          <p:cNvPr id="4" name="Date Placeholder 3"/>
           <p:cNvSpPr>
             <a:spLocks noGrp="1"/>
           </p:cNvSpPr>
@@ -875,13 +767,7 @@
       </p:sp>
       <p:sp>
         <p:nvSpPr>
-          <p:cNvPr id="5" name="Footer Placeholder 4">
-            <a:extLst>
-              <a:ext uri="{FF2B5EF4-FFF2-40B4-BE49-F238E27FC236}">
-                <a16:creationId xmlns:a16="http://schemas.microsoft.com/office/drawing/2014/main" id="{D190E16D-55D4-0F49-8478-20CD961992F4}"/>
-              </a:ext>
-            </a:extLst>
-          </p:cNvPr>
+          <p:cNvPr id="5" name="Footer Placeholder 4"/>
           <p:cNvSpPr>
             <a:spLocks noGrp="1"/>
           </p:cNvSpPr>
@@ -900,13 +786,7 @@
       </p:sp>
       <p:sp>
         <p:nvSpPr>
-          <p:cNvPr id="6" name="Slide Number Placeholder 5">
-            <a:extLst>
-              <a:ext uri="{FF2B5EF4-FFF2-40B4-BE49-F238E27FC236}">
-                <a16:creationId xmlns:a16="http://schemas.microsoft.com/office/drawing/2014/main" id="{2A26EC5F-83CA-744B-8D8F-C2F8B099B2EA}"/>
-              </a:ext>
-            </a:extLst>
-          </p:cNvPr>
+          <p:cNvPr id="6" name="Slide Number Placeholder 5"/>
           <p:cNvSpPr>
             <a:spLocks noGrp="1"/>
           </p:cNvSpPr>
@@ -930,7 +810,7 @@
     </p:spTree>
     <p:extLst>
       <p:ext uri="{BB962C8B-B14F-4D97-AF65-F5344CB8AC3E}">
-        <p14:creationId xmlns:p14="http://schemas.microsoft.com/office/powerpoint/2010/main" val="2849401642"/>
+        <p14:creationId xmlns:p14="http://schemas.microsoft.com/office/powerpoint/2010/main" val="478113472"/>
       </p:ext>
     </p:extLst>
   </p:cSld>
@@ -959,13 +839,7 @@
       </p:grpSpPr>
       <p:sp>
         <p:nvSpPr>
-          <p:cNvPr id="2" name="Title 1">
-            <a:extLst>
-              <a:ext uri="{FF2B5EF4-FFF2-40B4-BE49-F238E27FC236}">
-                <a16:creationId xmlns:a16="http://schemas.microsoft.com/office/drawing/2014/main" id="{1A6FEF50-D7E6-FB45-B51C-06F3C2EBF741}"/>
-              </a:ext>
-            </a:extLst>
-          </p:cNvPr>
+          <p:cNvPr id="2" name="Title 1"/>
           <p:cNvSpPr>
             <a:spLocks noGrp="1"/>
           </p:cNvSpPr>
@@ -975,15 +849,15 @@
         </p:nvSpPr>
         <p:spPr>
           <a:xfrm>
-            <a:off x="831850" y="1709738"/>
-            <a:ext cx="10515600" cy="2852737"/>
+            <a:off x="3070265" y="8974945"/>
+            <a:ext cx="38811875" cy="14974888"/>
           </a:xfrm>
         </p:spPr>
         <p:txBody>
           <a:bodyPr anchor="b"/>
           <a:lstStyle>
             <a:lvl1pPr>
-              <a:defRPr sz="6000"/>
+              <a:defRPr sz="29527"/>
             </a:lvl1pPr>
           </a:lstStyle>
           <a:p>
@@ -991,19 +865,13 @@
               <a:rPr lang="en-US"/>
               <a:t>Click to edit Master title style</a:t>
             </a:r>
-            <a:endParaRPr lang="en-TH"/>
-          </a:p>
-        </p:txBody>
-      </p:sp>
-      <p:sp>
-        <p:nvSpPr>
-          <p:cNvPr id="3" name="Text Placeholder 2">
-            <a:extLst>
-              <a:ext uri="{FF2B5EF4-FFF2-40B4-BE49-F238E27FC236}">
-                <a16:creationId xmlns:a16="http://schemas.microsoft.com/office/drawing/2014/main" id="{9A8E7A9F-A256-9D4C-8777-2B80514370C7}"/>
-              </a:ext>
-            </a:extLst>
-          </p:cNvPr>
+            <a:endParaRPr lang="en-US" dirty="0"/>
+          </a:p>
+        </p:txBody>
+      </p:sp>
+      <p:sp>
+        <p:nvSpPr>
+          <p:cNvPr id="3" name="Text Placeholder 2"/>
           <p:cNvSpPr>
             <a:spLocks noGrp="1"/>
           </p:cNvSpPr>
@@ -1013,8 +881,8 @@
         </p:nvSpPr>
         <p:spPr>
           <a:xfrm>
-            <a:off x="831850" y="4589463"/>
-            <a:ext cx="10515600" cy="1500187"/>
+            <a:off x="3070265" y="24091502"/>
+            <a:ext cx="38811875" cy="7874940"/>
           </a:xfrm>
         </p:spPr>
         <p:txBody>
@@ -1022,17 +890,15 @@
           <a:lstStyle>
             <a:lvl1pPr marL="0" indent="0">
               <a:buNone/>
-              <a:defRPr sz="2400">
+              <a:defRPr sz="11811">
                 <a:solidFill>
-                  <a:schemeClr val="tx1">
-                    <a:tint val="75000"/>
-                  </a:schemeClr>
+                  <a:schemeClr val="tx1"/>
                 </a:solidFill>
               </a:defRPr>
             </a:lvl1pPr>
-            <a:lvl2pPr marL="457200" indent="0">
-              <a:buNone/>
-              <a:defRPr sz="2000">
+            <a:lvl2pPr marL="2249973" indent="0">
+              <a:buNone/>
+              <a:defRPr sz="9842">
                 <a:solidFill>
                   <a:schemeClr val="tx1">
                     <a:tint val="75000"/>
@@ -1040,9 +906,9 @@
                 </a:solidFill>
               </a:defRPr>
             </a:lvl2pPr>
-            <a:lvl3pPr marL="914400" indent="0">
-              <a:buNone/>
-              <a:defRPr sz="1800">
+            <a:lvl3pPr marL="4499945" indent="0">
+              <a:buNone/>
+              <a:defRPr sz="8858">
                 <a:solidFill>
                   <a:schemeClr val="tx1">
                     <a:tint val="75000"/>
@@ -1050,9 +916,9 @@
                 </a:solidFill>
               </a:defRPr>
             </a:lvl3pPr>
-            <a:lvl4pPr marL="1371600" indent="0">
-              <a:buNone/>
-              <a:defRPr sz="1600">
+            <a:lvl4pPr marL="6749918" indent="0">
+              <a:buNone/>
+              <a:defRPr sz="7874">
                 <a:solidFill>
                   <a:schemeClr val="tx1">
                     <a:tint val="75000"/>
@@ -1060,9 +926,9 @@
                 </a:solidFill>
               </a:defRPr>
             </a:lvl4pPr>
-            <a:lvl5pPr marL="1828800" indent="0">
-              <a:buNone/>
-              <a:defRPr sz="1600">
+            <a:lvl5pPr marL="8999891" indent="0">
+              <a:buNone/>
+              <a:defRPr sz="7874">
                 <a:solidFill>
                   <a:schemeClr val="tx1">
                     <a:tint val="75000"/>
@@ -1070,9 +936,9 @@
                 </a:solidFill>
               </a:defRPr>
             </a:lvl5pPr>
-            <a:lvl6pPr marL="2286000" indent="0">
-              <a:buNone/>
-              <a:defRPr sz="1600">
+            <a:lvl6pPr marL="11249863" indent="0">
+              <a:buNone/>
+              <a:defRPr sz="7874">
                 <a:solidFill>
                   <a:schemeClr val="tx1">
                     <a:tint val="75000"/>
@@ -1080,9 +946,9 @@
                 </a:solidFill>
               </a:defRPr>
             </a:lvl6pPr>
-            <a:lvl7pPr marL="2743200" indent="0">
-              <a:buNone/>
-              <a:defRPr sz="1600">
+            <a:lvl7pPr marL="13499836" indent="0">
+              <a:buNone/>
+              <a:defRPr sz="7874">
                 <a:solidFill>
                   <a:schemeClr val="tx1">
                     <a:tint val="75000"/>
@@ -1090,9 +956,9 @@
                 </a:solidFill>
               </a:defRPr>
             </a:lvl7pPr>
-            <a:lvl8pPr marL="3200400" indent="0">
-              <a:buNone/>
-              <a:defRPr sz="1600">
+            <a:lvl8pPr marL="15749808" indent="0">
+              <a:buNone/>
+              <a:defRPr sz="7874">
                 <a:solidFill>
                   <a:schemeClr val="tx1">
                     <a:tint val="75000"/>
@@ -1100,9 +966,9 @@
                 </a:solidFill>
               </a:defRPr>
             </a:lvl8pPr>
-            <a:lvl9pPr marL="3657600" indent="0">
-              <a:buNone/>
-              <a:defRPr sz="1600">
+            <a:lvl9pPr marL="17999781" indent="0">
+              <a:buNone/>
+              <a:defRPr sz="7874">
                 <a:solidFill>
                   <a:schemeClr val="tx1">
                     <a:tint val="75000"/>
@@ -1122,13 +988,7 @@
       </p:sp>
       <p:sp>
         <p:nvSpPr>
-          <p:cNvPr id="4" name="Date Placeholder 3">
-            <a:extLst>
-              <a:ext uri="{FF2B5EF4-FFF2-40B4-BE49-F238E27FC236}">
-                <a16:creationId xmlns:a16="http://schemas.microsoft.com/office/drawing/2014/main" id="{E5A878DE-00FC-4F46-9562-CA9D37C7619D}"/>
-              </a:ext>
-            </a:extLst>
-          </p:cNvPr>
+          <p:cNvPr id="4" name="Date Placeholder 3"/>
           <p:cNvSpPr>
             <a:spLocks noGrp="1"/>
           </p:cNvSpPr>
@@ -1151,13 +1011,7 @@
       </p:sp>
       <p:sp>
         <p:nvSpPr>
-          <p:cNvPr id="5" name="Footer Placeholder 4">
-            <a:extLst>
-              <a:ext uri="{FF2B5EF4-FFF2-40B4-BE49-F238E27FC236}">
-                <a16:creationId xmlns:a16="http://schemas.microsoft.com/office/drawing/2014/main" id="{5DFCF24C-295D-D148-A93E-3295015D2B24}"/>
-              </a:ext>
-            </a:extLst>
-          </p:cNvPr>
+          <p:cNvPr id="5" name="Footer Placeholder 4"/>
           <p:cNvSpPr>
             <a:spLocks noGrp="1"/>
           </p:cNvSpPr>
@@ -1176,13 +1030,7 @@
       </p:sp>
       <p:sp>
         <p:nvSpPr>
-          <p:cNvPr id="6" name="Slide Number Placeholder 5">
-            <a:extLst>
-              <a:ext uri="{FF2B5EF4-FFF2-40B4-BE49-F238E27FC236}">
-                <a16:creationId xmlns:a16="http://schemas.microsoft.com/office/drawing/2014/main" id="{BD211596-FBF4-8441-AE0D-BFDD35AA1372}"/>
-              </a:ext>
-            </a:extLst>
-          </p:cNvPr>
+          <p:cNvPr id="6" name="Slide Number Placeholder 5"/>
           <p:cNvSpPr>
             <a:spLocks noGrp="1"/>
           </p:cNvSpPr>
@@ -1206,7 +1054,7 @@
     </p:spTree>
     <p:extLst>
       <p:ext uri="{BB962C8B-B14F-4D97-AF65-F5344CB8AC3E}">
-        <p14:creationId xmlns:p14="http://schemas.microsoft.com/office/powerpoint/2010/main" val="783023505"/>
+        <p14:creationId xmlns:p14="http://schemas.microsoft.com/office/powerpoint/2010/main" val="1735156893"/>
       </p:ext>
     </p:extLst>
   </p:cSld>
@@ -1235,13 +1083,7 @@
       </p:grpSpPr>
       <p:sp>
         <p:nvSpPr>
-          <p:cNvPr id="2" name="Title 1">
-            <a:extLst>
-              <a:ext uri="{FF2B5EF4-FFF2-40B4-BE49-F238E27FC236}">
-                <a16:creationId xmlns:a16="http://schemas.microsoft.com/office/drawing/2014/main" id="{7FE6DBE0-2364-A24C-AF65-45A9192B5164}"/>
-              </a:ext>
-            </a:extLst>
-          </p:cNvPr>
+          <p:cNvPr id="2" name="Title 1"/>
           <p:cNvSpPr>
             <a:spLocks noGrp="1"/>
           </p:cNvSpPr>
@@ -1258,19 +1100,13 @@
               <a:rPr lang="en-US"/>
               <a:t>Click to edit Master title style</a:t>
             </a:r>
-            <a:endParaRPr lang="en-TH"/>
-          </a:p>
-        </p:txBody>
-      </p:sp>
-      <p:sp>
-        <p:nvSpPr>
-          <p:cNvPr id="3" name="Content Placeholder 2">
-            <a:extLst>
-              <a:ext uri="{FF2B5EF4-FFF2-40B4-BE49-F238E27FC236}">
-                <a16:creationId xmlns:a16="http://schemas.microsoft.com/office/drawing/2014/main" id="{5DA266B8-E0F4-5D4A-8485-701504017CED}"/>
-              </a:ext>
-            </a:extLst>
-          </p:cNvPr>
+            <a:endParaRPr lang="en-US" dirty="0"/>
+          </a:p>
+        </p:txBody>
+      </p:sp>
+      <p:sp>
+        <p:nvSpPr>
+          <p:cNvPr id="3" name="Content Placeholder 2"/>
           <p:cNvSpPr>
             <a:spLocks noGrp="1"/>
           </p:cNvSpPr>
@@ -1280,8 +1116,8 @@
         </p:nvSpPr>
         <p:spPr>
           <a:xfrm>
-            <a:off x="838200" y="1825625"/>
-            <a:ext cx="5181600" cy="4351338"/>
+            <a:off x="3093700" y="9583264"/>
+            <a:ext cx="19124692" cy="22841503"/>
           </a:xfrm>
         </p:spPr>
         <p:txBody>
@@ -1321,19 +1157,13 @@
               <a:rPr lang="en-US"/>
               <a:t>Fifth level</a:t>
             </a:r>
-            <a:endParaRPr lang="en-TH"/>
-          </a:p>
-        </p:txBody>
-      </p:sp>
-      <p:sp>
-        <p:nvSpPr>
-          <p:cNvPr id="4" name="Content Placeholder 3">
-            <a:extLst>
-              <a:ext uri="{FF2B5EF4-FFF2-40B4-BE49-F238E27FC236}">
-                <a16:creationId xmlns:a16="http://schemas.microsoft.com/office/drawing/2014/main" id="{B890708E-FFD0-E248-AEF1-99253E5891C0}"/>
-              </a:ext>
-            </a:extLst>
-          </p:cNvPr>
+            <a:endParaRPr lang="en-US" dirty="0"/>
+          </a:p>
+        </p:txBody>
+      </p:sp>
+      <p:sp>
+        <p:nvSpPr>
+          <p:cNvPr id="4" name="Content Placeholder 3"/>
           <p:cNvSpPr>
             <a:spLocks noGrp="1"/>
           </p:cNvSpPr>
@@ -1343,8 +1173,8 @@
         </p:nvSpPr>
         <p:spPr>
           <a:xfrm>
-            <a:off x="6172200" y="1825625"/>
-            <a:ext cx="5181600" cy="4351338"/>
+            <a:off x="22780883" y="9583264"/>
+            <a:ext cx="19124692" cy="22841503"/>
           </a:xfrm>
         </p:spPr>
         <p:txBody>
@@ -1384,19 +1214,13 @@
               <a:rPr lang="en-US"/>
               <a:t>Fifth level</a:t>
             </a:r>
-            <a:endParaRPr lang="en-TH"/>
-          </a:p>
-        </p:txBody>
-      </p:sp>
-      <p:sp>
-        <p:nvSpPr>
-          <p:cNvPr id="5" name="Date Placeholder 4">
-            <a:extLst>
-              <a:ext uri="{FF2B5EF4-FFF2-40B4-BE49-F238E27FC236}">
-                <a16:creationId xmlns:a16="http://schemas.microsoft.com/office/drawing/2014/main" id="{EE89A086-9814-D146-83B1-832DF3E9B184}"/>
-              </a:ext>
-            </a:extLst>
-          </p:cNvPr>
+            <a:endParaRPr lang="en-US" dirty="0"/>
+          </a:p>
+        </p:txBody>
+      </p:sp>
+      <p:sp>
+        <p:nvSpPr>
+          <p:cNvPr id="5" name="Date Placeholder 4"/>
           <p:cNvSpPr>
             <a:spLocks noGrp="1"/>
           </p:cNvSpPr>
@@ -1419,13 +1243,7 @@
       </p:sp>
       <p:sp>
         <p:nvSpPr>
-          <p:cNvPr id="6" name="Footer Placeholder 5">
-            <a:extLst>
-              <a:ext uri="{FF2B5EF4-FFF2-40B4-BE49-F238E27FC236}">
-                <a16:creationId xmlns:a16="http://schemas.microsoft.com/office/drawing/2014/main" id="{B37FF24D-05A0-0549-A82F-8DA2E1D45BBF}"/>
-              </a:ext>
-            </a:extLst>
-          </p:cNvPr>
+          <p:cNvPr id="6" name="Footer Placeholder 5"/>
           <p:cNvSpPr>
             <a:spLocks noGrp="1"/>
           </p:cNvSpPr>
@@ -1444,13 +1262,7 @@
       </p:sp>
       <p:sp>
         <p:nvSpPr>
-          <p:cNvPr id="7" name="Slide Number Placeholder 6">
-            <a:extLst>
-              <a:ext uri="{FF2B5EF4-FFF2-40B4-BE49-F238E27FC236}">
-                <a16:creationId xmlns:a16="http://schemas.microsoft.com/office/drawing/2014/main" id="{9005B6DF-7F4C-CA4C-B9E6-91AC6BF95844}"/>
-              </a:ext>
-            </a:extLst>
-          </p:cNvPr>
+          <p:cNvPr id="7" name="Slide Number Placeholder 6"/>
           <p:cNvSpPr>
             <a:spLocks noGrp="1"/>
           </p:cNvSpPr>
@@ -1474,7 +1286,7 @@
     </p:spTree>
     <p:extLst>
       <p:ext uri="{BB962C8B-B14F-4D97-AF65-F5344CB8AC3E}">
-        <p14:creationId xmlns:p14="http://schemas.microsoft.com/office/powerpoint/2010/main" val="1805500152"/>
+        <p14:creationId xmlns:p14="http://schemas.microsoft.com/office/powerpoint/2010/main" val="3390746515"/>
       </p:ext>
     </p:extLst>
   </p:cSld>
@@ -1503,13 +1315,7 @@
       </p:grpSpPr>
       <p:sp>
         <p:nvSpPr>
-          <p:cNvPr id="2" name="Title 1">
-            <a:extLst>
-              <a:ext uri="{FF2B5EF4-FFF2-40B4-BE49-F238E27FC236}">
-                <a16:creationId xmlns:a16="http://schemas.microsoft.com/office/drawing/2014/main" id="{0FED47B2-8DAA-D949-8256-BAA99938160E}"/>
-              </a:ext>
-            </a:extLst>
-          </p:cNvPr>
+          <p:cNvPr id="2" name="Title 1"/>
           <p:cNvSpPr>
             <a:spLocks noGrp="1"/>
           </p:cNvSpPr>
@@ -1519,8 +1325,8 @@
         </p:nvSpPr>
         <p:spPr>
           <a:xfrm>
-            <a:off x="839788" y="365125"/>
-            <a:ext cx="10515600" cy="1325563"/>
+            <a:off x="3099561" y="1916661"/>
+            <a:ext cx="38811875" cy="6958285"/>
           </a:xfrm>
         </p:spPr>
         <p:txBody>
@@ -1531,19 +1337,13 @@
               <a:rPr lang="en-US"/>
               <a:t>Click to edit Master title style</a:t>
             </a:r>
-            <a:endParaRPr lang="en-TH"/>
-          </a:p>
-        </p:txBody>
-      </p:sp>
-      <p:sp>
-        <p:nvSpPr>
-          <p:cNvPr id="3" name="Text Placeholder 2">
-            <a:extLst>
-              <a:ext uri="{FF2B5EF4-FFF2-40B4-BE49-F238E27FC236}">
-                <a16:creationId xmlns:a16="http://schemas.microsoft.com/office/drawing/2014/main" id="{70EAB49A-0BD3-2C47-B73B-9573756048F2}"/>
-              </a:ext>
-            </a:extLst>
-          </p:cNvPr>
+            <a:endParaRPr lang="en-US" dirty="0"/>
+          </a:p>
+        </p:txBody>
+      </p:sp>
+      <p:sp>
+        <p:nvSpPr>
+          <p:cNvPr id="3" name="Text Placeholder 2"/>
           <p:cNvSpPr>
             <a:spLocks noGrp="1"/>
           </p:cNvSpPr>
@@ -1553,8 +1353,8 @@
         </p:nvSpPr>
         <p:spPr>
           <a:xfrm>
-            <a:off x="839788" y="1681163"/>
-            <a:ext cx="5157787" cy="823912"/>
+            <a:off x="3099566" y="8824938"/>
+            <a:ext cx="19036800" cy="4324966"/>
           </a:xfrm>
         </p:spPr>
         <p:txBody>
@@ -1562,39 +1362,39 @@
           <a:lstStyle>
             <a:lvl1pPr marL="0" indent="0">
               <a:buNone/>
-              <a:defRPr sz="2400" b="1"/>
+              <a:defRPr sz="11811" b="1"/>
             </a:lvl1pPr>
-            <a:lvl2pPr marL="457200" indent="0">
-              <a:buNone/>
-              <a:defRPr sz="2000" b="1"/>
+            <a:lvl2pPr marL="2249973" indent="0">
+              <a:buNone/>
+              <a:defRPr sz="9842" b="1"/>
             </a:lvl2pPr>
-            <a:lvl3pPr marL="914400" indent="0">
-              <a:buNone/>
-              <a:defRPr sz="1800" b="1"/>
+            <a:lvl3pPr marL="4499945" indent="0">
+              <a:buNone/>
+              <a:defRPr sz="8858" b="1"/>
             </a:lvl3pPr>
-            <a:lvl4pPr marL="1371600" indent="0">
-              <a:buNone/>
-              <a:defRPr sz="1600" b="1"/>
+            <a:lvl4pPr marL="6749918" indent="0">
+              <a:buNone/>
+              <a:defRPr sz="7874" b="1"/>
             </a:lvl4pPr>
-            <a:lvl5pPr marL="1828800" indent="0">
-              <a:buNone/>
-              <a:defRPr sz="1600" b="1"/>
+            <a:lvl5pPr marL="8999891" indent="0">
+              <a:buNone/>
+              <a:defRPr sz="7874" b="1"/>
             </a:lvl5pPr>
-            <a:lvl6pPr marL="2286000" indent="0">
-              <a:buNone/>
-              <a:defRPr sz="1600" b="1"/>
+            <a:lvl6pPr marL="11249863" indent="0">
+              <a:buNone/>
+              <a:defRPr sz="7874" b="1"/>
             </a:lvl6pPr>
-            <a:lvl7pPr marL="2743200" indent="0">
-              <a:buNone/>
-              <a:defRPr sz="1600" b="1"/>
+            <a:lvl7pPr marL="13499836" indent="0">
+              <a:buNone/>
+              <a:defRPr sz="7874" b="1"/>
             </a:lvl7pPr>
-            <a:lvl8pPr marL="3200400" indent="0">
-              <a:buNone/>
-              <a:defRPr sz="1600" b="1"/>
+            <a:lvl8pPr marL="15749808" indent="0">
+              <a:buNone/>
+              <a:defRPr sz="7874" b="1"/>
             </a:lvl8pPr>
-            <a:lvl9pPr marL="3657600" indent="0">
-              <a:buNone/>
-              <a:defRPr sz="1600" b="1"/>
+            <a:lvl9pPr marL="17999781" indent="0">
+              <a:buNone/>
+              <a:defRPr sz="7874" b="1"/>
             </a:lvl9pPr>
           </a:lstStyle>
           <a:p>
@@ -1608,13 +1408,7 @@
       </p:sp>
       <p:sp>
         <p:nvSpPr>
-          <p:cNvPr id="4" name="Content Placeholder 3">
-            <a:extLst>
-              <a:ext uri="{FF2B5EF4-FFF2-40B4-BE49-F238E27FC236}">
-                <a16:creationId xmlns:a16="http://schemas.microsoft.com/office/drawing/2014/main" id="{D3763A96-2A1A-BF4B-971C-F6DCC7C9452B}"/>
-              </a:ext>
-            </a:extLst>
-          </p:cNvPr>
+          <p:cNvPr id="4" name="Content Placeholder 3"/>
           <p:cNvSpPr>
             <a:spLocks noGrp="1"/>
           </p:cNvSpPr>
@@ -1624,8 +1418,8 @@
         </p:nvSpPr>
         <p:spPr>
           <a:xfrm>
-            <a:off x="839788" y="2505075"/>
-            <a:ext cx="5157787" cy="3684588"/>
+            <a:off x="3099566" y="13149904"/>
+            <a:ext cx="19036800" cy="19341529"/>
           </a:xfrm>
         </p:spPr>
         <p:txBody>
@@ -1665,19 +1459,13 @@
               <a:rPr lang="en-US"/>
               <a:t>Fifth level</a:t>
             </a:r>
-            <a:endParaRPr lang="en-TH"/>
-          </a:p>
-        </p:txBody>
-      </p:sp>
-      <p:sp>
-        <p:nvSpPr>
-          <p:cNvPr id="5" name="Text Placeholder 4">
-            <a:extLst>
-              <a:ext uri="{FF2B5EF4-FFF2-40B4-BE49-F238E27FC236}">
-                <a16:creationId xmlns:a16="http://schemas.microsoft.com/office/drawing/2014/main" id="{32ECE63D-F5A6-F84F-9D95-BFE787E520F5}"/>
-              </a:ext>
-            </a:extLst>
-          </p:cNvPr>
+            <a:endParaRPr lang="en-US" dirty="0"/>
+          </a:p>
+        </p:txBody>
+      </p:sp>
+      <p:sp>
+        <p:nvSpPr>
+          <p:cNvPr id="5" name="Text Placeholder 4"/>
           <p:cNvSpPr>
             <a:spLocks noGrp="1"/>
           </p:cNvSpPr>
@@ -1687,8 +1475,8 @@
         </p:nvSpPr>
         <p:spPr>
           <a:xfrm>
-            <a:off x="6172200" y="1681163"/>
-            <a:ext cx="5183188" cy="823912"/>
+            <a:off x="22780885" y="8824938"/>
+            <a:ext cx="19130553" cy="4324966"/>
           </a:xfrm>
         </p:spPr>
         <p:txBody>
@@ -1696,39 +1484,39 @@
           <a:lstStyle>
             <a:lvl1pPr marL="0" indent="0">
               <a:buNone/>
-              <a:defRPr sz="2400" b="1"/>
+              <a:defRPr sz="11811" b="1"/>
             </a:lvl1pPr>
-            <a:lvl2pPr marL="457200" indent="0">
-              <a:buNone/>
-              <a:defRPr sz="2000" b="1"/>
+            <a:lvl2pPr marL="2249973" indent="0">
+              <a:buNone/>
+              <a:defRPr sz="9842" b="1"/>
             </a:lvl2pPr>
-            <a:lvl3pPr marL="914400" indent="0">
-              <a:buNone/>
-              <a:defRPr sz="1800" b="1"/>
+            <a:lvl3pPr marL="4499945" indent="0">
+              <a:buNone/>
+              <a:defRPr sz="8858" b="1"/>
             </a:lvl3pPr>
-            <a:lvl4pPr marL="1371600" indent="0">
-              <a:buNone/>
-              <a:defRPr sz="1600" b="1"/>
+            <a:lvl4pPr marL="6749918" indent="0">
+              <a:buNone/>
+              <a:defRPr sz="7874" b="1"/>
             </a:lvl4pPr>
-            <a:lvl5pPr marL="1828800" indent="0">
-              <a:buNone/>
-              <a:defRPr sz="1600" b="1"/>
+            <a:lvl5pPr marL="8999891" indent="0">
+              <a:buNone/>
+              <a:defRPr sz="7874" b="1"/>
             </a:lvl5pPr>
-            <a:lvl6pPr marL="2286000" indent="0">
-              <a:buNone/>
-              <a:defRPr sz="1600" b="1"/>
+            <a:lvl6pPr marL="11249863" indent="0">
+              <a:buNone/>
+              <a:defRPr sz="7874" b="1"/>
             </a:lvl6pPr>
-            <a:lvl7pPr marL="2743200" indent="0">
-              <a:buNone/>
-              <a:defRPr sz="1600" b="1"/>
+            <a:lvl7pPr marL="13499836" indent="0">
+              <a:buNone/>
+              <a:defRPr sz="7874" b="1"/>
             </a:lvl7pPr>
-            <a:lvl8pPr marL="3200400" indent="0">
-              <a:buNone/>
-              <a:defRPr sz="1600" b="1"/>
+            <a:lvl8pPr marL="15749808" indent="0">
+              <a:buNone/>
+              <a:defRPr sz="7874" b="1"/>
             </a:lvl8pPr>
-            <a:lvl9pPr marL="3657600" indent="0">
-              <a:buNone/>
-              <a:defRPr sz="1600" b="1"/>
+            <a:lvl9pPr marL="17999781" indent="0">
+              <a:buNone/>
+              <a:defRPr sz="7874" b="1"/>
             </a:lvl9pPr>
           </a:lstStyle>
           <a:p>
@@ -1742,13 +1530,7 @@
       </p:sp>
       <p:sp>
         <p:nvSpPr>
-          <p:cNvPr id="6" name="Content Placeholder 5">
-            <a:extLst>
-              <a:ext uri="{FF2B5EF4-FFF2-40B4-BE49-F238E27FC236}">
-                <a16:creationId xmlns:a16="http://schemas.microsoft.com/office/drawing/2014/main" id="{6C87BECB-316A-FD4E-A44A-229BD90D4C28}"/>
-              </a:ext>
-            </a:extLst>
-          </p:cNvPr>
+          <p:cNvPr id="6" name="Content Placeholder 5"/>
           <p:cNvSpPr>
             <a:spLocks noGrp="1"/>
           </p:cNvSpPr>
@@ -1758,8 +1540,8 @@
         </p:nvSpPr>
         <p:spPr>
           <a:xfrm>
-            <a:off x="6172200" y="2505075"/>
-            <a:ext cx="5183188" cy="3684588"/>
+            <a:off x="22780885" y="13149904"/>
+            <a:ext cx="19130553" cy="19341529"/>
           </a:xfrm>
         </p:spPr>
         <p:txBody>
@@ -1799,19 +1581,13 @@
               <a:rPr lang="en-US"/>
               <a:t>Fifth level</a:t>
             </a:r>
-            <a:endParaRPr lang="en-TH"/>
-          </a:p>
-        </p:txBody>
-      </p:sp>
-      <p:sp>
-        <p:nvSpPr>
-          <p:cNvPr id="7" name="Date Placeholder 6">
-            <a:extLst>
-              <a:ext uri="{FF2B5EF4-FFF2-40B4-BE49-F238E27FC236}">
-                <a16:creationId xmlns:a16="http://schemas.microsoft.com/office/drawing/2014/main" id="{EDE34622-15A1-6148-9BCF-EA33AE648C65}"/>
-              </a:ext>
-            </a:extLst>
-          </p:cNvPr>
+            <a:endParaRPr lang="en-US" dirty="0"/>
+          </a:p>
+        </p:txBody>
+      </p:sp>
+      <p:sp>
+        <p:nvSpPr>
+          <p:cNvPr id="7" name="Date Placeholder 6"/>
           <p:cNvSpPr>
             <a:spLocks noGrp="1"/>
           </p:cNvSpPr>
@@ -1834,13 +1610,7 @@
       </p:sp>
       <p:sp>
         <p:nvSpPr>
-          <p:cNvPr id="8" name="Footer Placeholder 7">
-            <a:extLst>
-              <a:ext uri="{FF2B5EF4-FFF2-40B4-BE49-F238E27FC236}">
-                <a16:creationId xmlns:a16="http://schemas.microsoft.com/office/drawing/2014/main" id="{AAC2BD4D-1064-CB4C-8CF1-AD6C9DA90CB0}"/>
-              </a:ext>
-            </a:extLst>
-          </p:cNvPr>
+          <p:cNvPr id="8" name="Footer Placeholder 7"/>
           <p:cNvSpPr>
             <a:spLocks noGrp="1"/>
           </p:cNvSpPr>
@@ -1859,13 +1629,7 @@
       </p:sp>
       <p:sp>
         <p:nvSpPr>
-          <p:cNvPr id="9" name="Slide Number Placeholder 8">
-            <a:extLst>
-              <a:ext uri="{FF2B5EF4-FFF2-40B4-BE49-F238E27FC236}">
-                <a16:creationId xmlns:a16="http://schemas.microsoft.com/office/drawing/2014/main" id="{8CDC214F-C320-B547-A104-F546D3F8062E}"/>
-              </a:ext>
-            </a:extLst>
-          </p:cNvPr>
+          <p:cNvPr id="9" name="Slide Number Placeholder 8"/>
           <p:cNvSpPr>
             <a:spLocks noGrp="1"/>
           </p:cNvSpPr>
@@ -1889,7 +1653,7 @@
     </p:spTree>
     <p:extLst>
       <p:ext uri="{BB962C8B-B14F-4D97-AF65-F5344CB8AC3E}">
-        <p14:creationId xmlns:p14="http://schemas.microsoft.com/office/powerpoint/2010/main" val="2116332911"/>
+        <p14:creationId xmlns:p14="http://schemas.microsoft.com/office/powerpoint/2010/main" val="1384679124"/>
       </p:ext>
     </p:extLst>
   </p:cSld>
@@ -1918,13 +1682,7 @@
       </p:grpSpPr>
       <p:sp>
         <p:nvSpPr>
-          <p:cNvPr id="2" name="Title 1">
-            <a:extLst>
-              <a:ext uri="{FF2B5EF4-FFF2-40B4-BE49-F238E27FC236}">
-                <a16:creationId xmlns:a16="http://schemas.microsoft.com/office/drawing/2014/main" id="{BFB57E6D-ACE9-A944-A09F-B2BBDB4247C0}"/>
-              </a:ext>
-            </a:extLst>
-          </p:cNvPr>
+          <p:cNvPr id="2" name="Title 1"/>
           <p:cNvSpPr>
             <a:spLocks noGrp="1"/>
           </p:cNvSpPr>
@@ -1941,19 +1699,13 @@
               <a:rPr lang="en-US"/>
               <a:t>Click to edit Master title style</a:t>
             </a:r>
-            <a:endParaRPr lang="en-TH"/>
-          </a:p>
-        </p:txBody>
-      </p:sp>
-      <p:sp>
-        <p:nvSpPr>
-          <p:cNvPr id="3" name="Date Placeholder 2">
-            <a:extLst>
-              <a:ext uri="{FF2B5EF4-FFF2-40B4-BE49-F238E27FC236}">
-                <a16:creationId xmlns:a16="http://schemas.microsoft.com/office/drawing/2014/main" id="{C4ABA18F-9C4A-644A-9918-148308407BBA}"/>
-              </a:ext>
-            </a:extLst>
-          </p:cNvPr>
+            <a:endParaRPr lang="en-US" dirty="0"/>
+          </a:p>
+        </p:txBody>
+      </p:sp>
+      <p:sp>
+        <p:nvSpPr>
+          <p:cNvPr id="3" name="Date Placeholder 2"/>
           <p:cNvSpPr>
             <a:spLocks noGrp="1"/>
           </p:cNvSpPr>
@@ -1976,13 +1728,7 @@
       </p:sp>
       <p:sp>
         <p:nvSpPr>
-          <p:cNvPr id="4" name="Footer Placeholder 3">
-            <a:extLst>
-              <a:ext uri="{FF2B5EF4-FFF2-40B4-BE49-F238E27FC236}">
-                <a16:creationId xmlns:a16="http://schemas.microsoft.com/office/drawing/2014/main" id="{A0220FB5-70C9-4143-BFE1-8EC5EB3AA5C7}"/>
-              </a:ext>
-            </a:extLst>
-          </p:cNvPr>
+          <p:cNvPr id="4" name="Footer Placeholder 3"/>
           <p:cNvSpPr>
             <a:spLocks noGrp="1"/>
           </p:cNvSpPr>
@@ -2001,13 +1747,7 @@
       </p:sp>
       <p:sp>
         <p:nvSpPr>
-          <p:cNvPr id="5" name="Slide Number Placeholder 4">
-            <a:extLst>
-              <a:ext uri="{FF2B5EF4-FFF2-40B4-BE49-F238E27FC236}">
-                <a16:creationId xmlns:a16="http://schemas.microsoft.com/office/drawing/2014/main" id="{753E8E16-953E-5942-B766-9D903645328B}"/>
-              </a:ext>
-            </a:extLst>
-          </p:cNvPr>
+          <p:cNvPr id="5" name="Slide Number Placeholder 4"/>
           <p:cNvSpPr>
             <a:spLocks noGrp="1"/>
           </p:cNvSpPr>
@@ -2031,7 +1771,7 @@
     </p:spTree>
     <p:extLst>
       <p:ext uri="{BB962C8B-B14F-4D97-AF65-F5344CB8AC3E}">
-        <p14:creationId xmlns:p14="http://schemas.microsoft.com/office/powerpoint/2010/main" val="1855776071"/>
+        <p14:creationId xmlns:p14="http://schemas.microsoft.com/office/powerpoint/2010/main" val="174380093"/>
       </p:ext>
     </p:extLst>
   </p:cSld>
@@ -2060,13 +1800,7 @@
       </p:grpSpPr>
       <p:sp>
         <p:nvSpPr>
-          <p:cNvPr id="2" name="Date Placeholder 1">
-            <a:extLst>
-              <a:ext uri="{FF2B5EF4-FFF2-40B4-BE49-F238E27FC236}">
-                <a16:creationId xmlns:a16="http://schemas.microsoft.com/office/drawing/2014/main" id="{B672C599-3779-DB46-9CC7-12D4C4AB47B4}"/>
-              </a:ext>
-            </a:extLst>
-          </p:cNvPr>
+          <p:cNvPr id="2" name="Date Placeholder 1"/>
           <p:cNvSpPr>
             <a:spLocks noGrp="1"/>
           </p:cNvSpPr>
@@ -2089,13 +1823,7 @@
       </p:sp>
       <p:sp>
         <p:nvSpPr>
-          <p:cNvPr id="3" name="Footer Placeholder 2">
-            <a:extLst>
-              <a:ext uri="{FF2B5EF4-FFF2-40B4-BE49-F238E27FC236}">
-                <a16:creationId xmlns:a16="http://schemas.microsoft.com/office/drawing/2014/main" id="{0E34BEED-089C-AF4F-AC7E-7C9E51B55085}"/>
-              </a:ext>
-            </a:extLst>
-          </p:cNvPr>
+          <p:cNvPr id="3" name="Footer Placeholder 2"/>
           <p:cNvSpPr>
             <a:spLocks noGrp="1"/>
           </p:cNvSpPr>
@@ -2114,13 +1842,7 @@
       </p:sp>
       <p:sp>
         <p:nvSpPr>
-          <p:cNvPr id="4" name="Slide Number Placeholder 3">
-            <a:extLst>
-              <a:ext uri="{FF2B5EF4-FFF2-40B4-BE49-F238E27FC236}">
-                <a16:creationId xmlns:a16="http://schemas.microsoft.com/office/drawing/2014/main" id="{B453455B-1FCF-004F-968E-C5DE2864680E}"/>
-              </a:ext>
-            </a:extLst>
-          </p:cNvPr>
+          <p:cNvPr id="4" name="Slide Number Placeholder 3"/>
           <p:cNvSpPr>
             <a:spLocks noGrp="1"/>
           </p:cNvSpPr>
@@ -2144,7 +1866,7 @@
     </p:spTree>
     <p:extLst>
       <p:ext uri="{BB962C8B-B14F-4D97-AF65-F5344CB8AC3E}">
-        <p14:creationId xmlns:p14="http://schemas.microsoft.com/office/powerpoint/2010/main" val="2469630785"/>
+        <p14:creationId xmlns:p14="http://schemas.microsoft.com/office/powerpoint/2010/main" val="767928251"/>
       </p:ext>
     </p:extLst>
   </p:cSld>
@@ -2173,13 +1895,7 @@
       </p:grpSpPr>
       <p:sp>
         <p:nvSpPr>
-          <p:cNvPr id="2" name="Title 1">
-            <a:extLst>
-              <a:ext uri="{FF2B5EF4-FFF2-40B4-BE49-F238E27FC236}">
-                <a16:creationId xmlns:a16="http://schemas.microsoft.com/office/drawing/2014/main" id="{475E5370-2AC6-2245-82A2-7429306937A8}"/>
-              </a:ext>
-            </a:extLst>
-          </p:cNvPr>
+          <p:cNvPr id="2" name="Title 1"/>
           <p:cNvSpPr>
             <a:spLocks noGrp="1"/>
           </p:cNvSpPr>
@@ -2189,15 +1905,15 @@
         </p:nvSpPr>
         <p:spPr>
           <a:xfrm>
-            <a:off x="839788" y="457200"/>
-            <a:ext cx="3932237" cy="1600200"/>
+            <a:off x="3099561" y="2399982"/>
+            <a:ext cx="14513437" cy="8399939"/>
           </a:xfrm>
         </p:spPr>
         <p:txBody>
           <a:bodyPr anchor="b"/>
           <a:lstStyle>
             <a:lvl1pPr>
-              <a:defRPr sz="3200"/>
+              <a:defRPr sz="15748"/>
             </a:lvl1pPr>
           </a:lstStyle>
           <a:p>
@@ -2205,19 +1921,13 @@
               <a:rPr lang="en-US"/>
               <a:t>Click to edit Master title style</a:t>
             </a:r>
-            <a:endParaRPr lang="en-TH"/>
-          </a:p>
-        </p:txBody>
-      </p:sp>
-      <p:sp>
-        <p:nvSpPr>
-          <p:cNvPr id="3" name="Content Placeholder 2">
-            <a:extLst>
-              <a:ext uri="{FF2B5EF4-FFF2-40B4-BE49-F238E27FC236}">
-                <a16:creationId xmlns:a16="http://schemas.microsoft.com/office/drawing/2014/main" id="{E753A828-55CB-F745-902A-ED0692BC7DE3}"/>
-              </a:ext>
-            </a:extLst>
-          </p:cNvPr>
+            <a:endParaRPr lang="en-US" dirty="0"/>
+          </a:p>
+        </p:txBody>
+      </p:sp>
+      <p:sp>
+        <p:nvSpPr>
+          <p:cNvPr id="3" name="Content Placeholder 2"/>
           <p:cNvSpPr>
             <a:spLocks noGrp="1"/>
           </p:cNvSpPr>
@@ -2227,39 +1937,39 @@
         </p:nvSpPr>
         <p:spPr>
           <a:xfrm>
-            <a:off x="5183188" y="987425"/>
-            <a:ext cx="6172200" cy="4873625"/>
+            <a:off x="19130553" y="5183304"/>
+            <a:ext cx="22780883" cy="25583147"/>
           </a:xfrm>
         </p:spPr>
         <p:txBody>
           <a:bodyPr/>
           <a:lstStyle>
             <a:lvl1pPr>
-              <a:defRPr sz="3200"/>
+              <a:defRPr sz="15748"/>
             </a:lvl1pPr>
             <a:lvl2pPr>
-              <a:defRPr sz="2800"/>
+              <a:defRPr sz="13779"/>
             </a:lvl2pPr>
             <a:lvl3pPr>
-              <a:defRPr sz="2400"/>
+              <a:defRPr sz="11811"/>
             </a:lvl3pPr>
             <a:lvl4pPr>
-              <a:defRPr sz="2000"/>
+              <a:defRPr sz="9842"/>
             </a:lvl4pPr>
             <a:lvl5pPr>
-              <a:defRPr sz="2000"/>
+              <a:defRPr sz="9842"/>
             </a:lvl5pPr>
             <a:lvl6pPr>
-              <a:defRPr sz="2000"/>
+              <a:defRPr sz="9842"/>
             </a:lvl6pPr>
             <a:lvl7pPr>
-              <a:defRPr sz="2000"/>
+              <a:defRPr sz="9842"/>
             </a:lvl7pPr>
             <a:lvl8pPr>
-              <a:defRPr sz="2000"/>
+              <a:defRPr sz="9842"/>
             </a:lvl8pPr>
             <a:lvl9pPr>
-              <a:defRPr sz="2000"/>
+              <a:defRPr sz="9842"/>
             </a:lvl9pPr>
           </a:lstStyle>
           <a:p>
@@ -2296,19 +2006,13 @@
               <a:rPr lang="en-US"/>
               <a:t>Fifth level</a:t>
             </a:r>
-            <a:endParaRPr lang="en-TH"/>
-          </a:p>
-        </p:txBody>
-      </p:sp>
-      <p:sp>
-        <p:nvSpPr>
-          <p:cNvPr id="4" name="Text Placeholder 3">
-            <a:extLst>
-              <a:ext uri="{FF2B5EF4-FFF2-40B4-BE49-F238E27FC236}">
-                <a16:creationId xmlns:a16="http://schemas.microsoft.com/office/drawing/2014/main" id="{CA759250-5302-494F-903F-20935E1EA839}"/>
-              </a:ext>
-            </a:extLst>
-          </p:cNvPr>
+            <a:endParaRPr lang="en-US" dirty="0"/>
+          </a:p>
+        </p:txBody>
+      </p:sp>
+      <p:sp>
+        <p:nvSpPr>
+          <p:cNvPr id="4" name="Text Placeholder 3"/>
           <p:cNvSpPr>
             <a:spLocks noGrp="1"/>
           </p:cNvSpPr>
@@ -2318,8 +2022,8 @@
         </p:nvSpPr>
         <p:spPr>
           <a:xfrm>
-            <a:off x="839788" y="2057400"/>
-            <a:ext cx="3932237" cy="3811588"/>
+            <a:off x="3099561" y="10799922"/>
+            <a:ext cx="14513437" cy="20008190"/>
           </a:xfrm>
         </p:spPr>
         <p:txBody>
@@ -2327,39 +2031,39 @@
           <a:lstStyle>
             <a:lvl1pPr marL="0" indent="0">
               <a:buNone/>
-              <a:defRPr sz="1600"/>
+              <a:defRPr sz="7874"/>
             </a:lvl1pPr>
-            <a:lvl2pPr marL="457200" indent="0">
-              <a:buNone/>
-              <a:defRPr sz="1400"/>
+            <a:lvl2pPr marL="2249973" indent="0">
+              <a:buNone/>
+              <a:defRPr sz="6890"/>
             </a:lvl2pPr>
-            <a:lvl3pPr marL="914400" indent="0">
-              <a:buNone/>
-              <a:defRPr sz="1200"/>
+            <a:lvl3pPr marL="4499945" indent="0">
+              <a:buNone/>
+              <a:defRPr sz="5905"/>
             </a:lvl3pPr>
-            <a:lvl4pPr marL="1371600" indent="0">
-              <a:buNone/>
-              <a:defRPr sz="1000"/>
+            <a:lvl4pPr marL="6749918" indent="0">
+              <a:buNone/>
+              <a:defRPr sz="4921"/>
             </a:lvl4pPr>
-            <a:lvl5pPr marL="1828800" indent="0">
-              <a:buNone/>
-              <a:defRPr sz="1000"/>
+            <a:lvl5pPr marL="8999891" indent="0">
+              <a:buNone/>
+              <a:defRPr sz="4921"/>
             </a:lvl5pPr>
-            <a:lvl6pPr marL="2286000" indent="0">
-              <a:buNone/>
-              <a:defRPr sz="1000"/>
+            <a:lvl6pPr marL="11249863" indent="0">
+              <a:buNone/>
+              <a:defRPr sz="4921"/>
             </a:lvl6pPr>
-            <a:lvl7pPr marL="2743200" indent="0">
-              <a:buNone/>
-              <a:defRPr sz="1000"/>
+            <a:lvl7pPr marL="13499836" indent="0">
+              <a:buNone/>
+              <a:defRPr sz="4921"/>
             </a:lvl7pPr>
-            <a:lvl8pPr marL="3200400" indent="0">
-              <a:buNone/>
-              <a:defRPr sz="1000"/>
+            <a:lvl8pPr marL="15749808" indent="0">
+              <a:buNone/>
+              <a:defRPr sz="4921"/>
             </a:lvl8pPr>
-            <a:lvl9pPr marL="3657600" indent="0">
-              <a:buNone/>
-              <a:defRPr sz="1000"/>
+            <a:lvl9pPr marL="17999781" indent="0">
+              <a:buNone/>
+              <a:defRPr sz="4921"/>
             </a:lvl9pPr>
           </a:lstStyle>
           <a:p>
@@ -2373,13 +2077,7 @@
       </p:sp>
       <p:sp>
         <p:nvSpPr>
-          <p:cNvPr id="5" name="Date Placeholder 4">
-            <a:extLst>
-              <a:ext uri="{FF2B5EF4-FFF2-40B4-BE49-F238E27FC236}">
-                <a16:creationId xmlns:a16="http://schemas.microsoft.com/office/drawing/2014/main" id="{F74C4BC1-E9EF-F34E-8CB8-2D1511A8E537}"/>
-              </a:ext>
-            </a:extLst>
-          </p:cNvPr>
+          <p:cNvPr id="5" name="Date Placeholder 4"/>
           <p:cNvSpPr>
             <a:spLocks noGrp="1"/>
           </p:cNvSpPr>
@@ -2402,13 +2100,7 @@
       </p:sp>
       <p:sp>
         <p:nvSpPr>
-          <p:cNvPr id="6" name="Footer Placeholder 5">
-            <a:extLst>
-              <a:ext uri="{FF2B5EF4-FFF2-40B4-BE49-F238E27FC236}">
-                <a16:creationId xmlns:a16="http://schemas.microsoft.com/office/drawing/2014/main" id="{DF7913EA-1E91-0449-99AA-23F784C50772}"/>
-              </a:ext>
-            </a:extLst>
-          </p:cNvPr>
+          <p:cNvPr id="6" name="Footer Placeholder 5"/>
           <p:cNvSpPr>
             <a:spLocks noGrp="1"/>
           </p:cNvSpPr>
@@ -2427,13 +2119,7 @@
       </p:sp>
       <p:sp>
         <p:nvSpPr>
-          <p:cNvPr id="7" name="Slide Number Placeholder 6">
-            <a:extLst>
-              <a:ext uri="{FF2B5EF4-FFF2-40B4-BE49-F238E27FC236}">
-                <a16:creationId xmlns:a16="http://schemas.microsoft.com/office/drawing/2014/main" id="{6D43A12F-1445-914A-B2CE-59BD8B885F78}"/>
-              </a:ext>
-            </a:extLst>
-          </p:cNvPr>
+          <p:cNvPr id="7" name="Slide Number Placeholder 6"/>
           <p:cNvSpPr>
             <a:spLocks noGrp="1"/>
           </p:cNvSpPr>
@@ -2457,7 +2143,7 @@
     </p:spTree>
     <p:extLst>
       <p:ext uri="{BB962C8B-B14F-4D97-AF65-F5344CB8AC3E}">
-        <p14:creationId xmlns:p14="http://schemas.microsoft.com/office/powerpoint/2010/main" val="2262735167"/>
+        <p14:creationId xmlns:p14="http://schemas.microsoft.com/office/powerpoint/2010/main" val="3019327964"/>
       </p:ext>
     </p:extLst>
   </p:cSld>
@@ -2486,13 +2172,7 @@
       </p:grpSpPr>
       <p:sp>
         <p:nvSpPr>
-          <p:cNvPr id="2" name="Title 1">
-            <a:extLst>
-              <a:ext uri="{FF2B5EF4-FFF2-40B4-BE49-F238E27FC236}">
-                <a16:creationId xmlns:a16="http://schemas.microsoft.com/office/drawing/2014/main" id="{82AD25B7-0EDA-AA4A-AE3C-B7583CC71162}"/>
-              </a:ext>
-            </a:extLst>
-          </p:cNvPr>
+          <p:cNvPr id="2" name="Title 1"/>
           <p:cNvSpPr>
             <a:spLocks noGrp="1"/>
           </p:cNvSpPr>
@@ -2502,15 +2182,15 @@
         </p:nvSpPr>
         <p:spPr>
           <a:xfrm>
-            <a:off x="839788" y="457200"/>
-            <a:ext cx="3932237" cy="1600200"/>
+            <a:off x="3099561" y="2399982"/>
+            <a:ext cx="14513437" cy="8399939"/>
           </a:xfrm>
         </p:spPr>
         <p:txBody>
           <a:bodyPr anchor="b"/>
           <a:lstStyle>
             <a:lvl1pPr>
-              <a:defRPr sz="3200"/>
+              <a:defRPr sz="15748"/>
             </a:lvl1pPr>
           </a:lstStyle>
           <a:p>
@@ -2518,21 +2198,15 @@
               <a:rPr lang="en-US"/>
               <a:t>Click to edit Master title style</a:t>
             </a:r>
-            <a:endParaRPr lang="en-TH"/>
-          </a:p>
-        </p:txBody>
-      </p:sp>
-      <p:sp>
-        <p:nvSpPr>
-          <p:cNvPr id="3" name="Picture Placeholder 2">
-            <a:extLst>
-              <a:ext uri="{FF2B5EF4-FFF2-40B4-BE49-F238E27FC236}">
-                <a16:creationId xmlns:a16="http://schemas.microsoft.com/office/drawing/2014/main" id="{BD955ABF-D5C3-5C48-BDFE-EEB1C2DFA6F9}"/>
-              </a:ext>
-            </a:extLst>
-          </p:cNvPr>
-          <p:cNvSpPr>
-            <a:spLocks noGrp="1"/>
+            <a:endParaRPr lang="en-US" dirty="0"/>
+          </a:p>
+        </p:txBody>
+      </p:sp>
+      <p:sp>
+        <p:nvSpPr>
+          <p:cNvPr id="3" name="Picture Placeholder 2"/>
+          <p:cNvSpPr>
+            <a:spLocks noGrp="1" noChangeAspect="1"/>
           </p:cNvSpPr>
           <p:nvPr>
             <p:ph type="pic" idx="1"/>
@@ -2540,64 +2214,62 @@
         </p:nvSpPr>
         <p:spPr>
           <a:xfrm>
-            <a:off x="5183188" y="987425"/>
-            <a:ext cx="6172200" cy="4873625"/>
+            <a:off x="19130553" y="5183304"/>
+            <a:ext cx="22780883" cy="25583147"/>
           </a:xfrm>
         </p:spPr>
         <p:txBody>
-          <a:bodyPr/>
+          <a:bodyPr anchor="t"/>
           <a:lstStyle>
             <a:lvl1pPr marL="0" indent="0">
               <a:buNone/>
-              <a:defRPr sz="3200"/>
+              <a:defRPr sz="15748"/>
             </a:lvl1pPr>
-            <a:lvl2pPr marL="457200" indent="0">
-              <a:buNone/>
-              <a:defRPr sz="2800"/>
+            <a:lvl2pPr marL="2249973" indent="0">
+              <a:buNone/>
+              <a:defRPr sz="13779"/>
             </a:lvl2pPr>
-            <a:lvl3pPr marL="914400" indent="0">
-              <a:buNone/>
-              <a:defRPr sz="2400"/>
+            <a:lvl3pPr marL="4499945" indent="0">
+              <a:buNone/>
+              <a:defRPr sz="11811"/>
             </a:lvl3pPr>
-            <a:lvl4pPr marL="1371600" indent="0">
-              <a:buNone/>
-              <a:defRPr sz="2000"/>
+            <a:lvl4pPr marL="6749918" indent="0">
+              <a:buNone/>
+              <a:defRPr sz="9842"/>
             </a:lvl4pPr>
-            <a:lvl5pPr marL="1828800" indent="0">
-              <a:buNone/>
-              <a:defRPr sz="2000"/>
+            <a:lvl5pPr marL="8999891" indent="0">
+              <a:buNone/>
+              <a:defRPr sz="9842"/>
             </a:lvl5pPr>
-            <a:lvl6pPr marL="2286000" indent="0">
-              <a:buNone/>
-              <a:defRPr sz="2000"/>
+            <a:lvl6pPr marL="11249863" indent="0">
+              <a:buNone/>
+              <a:defRPr sz="9842"/>
             </a:lvl6pPr>
-            <a:lvl7pPr marL="2743200" indent="0">
-              <a:buNone/>
-              <a:defRPr sz="2000"/>
+            <a:lvl7pPr marL="13499836" indent="0">
+              <a:buNone/>
+              <a:defRPr sz="9842"/>
             </a:lvl7pPr>
-            <a:lvl8pPr marL="3200400" indent="0">
-              <a:buNone/>
-              <a:defRPr sz="2000"/>
+            <a:lvl8pPr marL="15749808" indent="0">
+              <a:buNone/>
+              <a:defRPr sz="9842"/>
             </a:lvl8pPr>
-            <a:lvl9pPr marL="3657600" indent="0">
-              <a:buNone/>
-              <a:defRPr sz="2000"/>
+            <a:lvl9pPr marL="17999781" indent="0">
+              <a:buNone/>
+              <a:defRPr sz="9842"/>
             </a:lvl9pPr>
           </a:lstStyle>
           <a:p>
-            <a:endParaRPr lang="en-TH"/>
-          </a:p>
-        </p:txBody>
-      </p:sp>
-      <p:sp>
-        <p:nvSpPr>
-          <p:cNvPr id="4" name="Text Placeholder 3">
-            <a:extLst>
-              <a:ext uri="{FF2B5EF4-FFF2-40B4-BE49-F238E27FC236}">
-                <a16:creationId xmlns:a16="http://schemas.microsoft.com/office/drawing/2014/main" id="{FD5A9470-1CE3-C240-94EE-A831337D603E}"/>
-              </a:ext>
-            </a:extLst>
-          </p:cNvPr>
+            <a:r>
+              <a:rPr lang="en-US"/>
+              <a:t>Click icon to add picture</a:t>
+            </a:r>
+            <a:endParaRPr lang="en-US" dirty="0"/>
+          </a:p>
+        </p:txBody>
+      </p:sp>
+      <p:sp>
+        <p:nvSpPr>
+          <p:cNvPr id="4" name="Text Placeholder 3"/>
           <p:cNvSpPr>
             <a:spLocks noGrp="1"/>
           </p:cNvSpPr>
@@ -2607,8 +2279,8 @@
         </p:nvSpPr>
         <p:spPr>
           <a:xfrm>
-            <a:off x="839788" y="2057400"/>
-            <a:ext cx="3932237" cy="3811588"/>
+            <a:off x="3099561" y="10799922"/>
+            <a:ext cx="14513437" cy="20008190"/>
           </a:xfrm>
         </p:spPr>
         <p:txBody>
@@ -2616,39 +2288,39 @@
           <a:lstStyle>
             <a:lvl1pPr marL="0" indent="0">
               <a:buNone/>
-              <a:defRPr sz="1600"/>
+              <a:defRPr sz="7874"/>
             </a:lvl1pPr>
-            <a:lvl2pPr marL="457200" indent="0">
-              <a:buNone/>
-              <a:defRPr sz="1400"/>
+            <a:lvl2pPr marL="2249973" indent="0">
+              <a:buNone/>
+              <a:defRPr sz="6890"/>
             </a:lvl2pPr>
-            <a:lvl3pPr marL="914400" indent="0">
-              <a:buNone/>
-              <a:defRPr sz="1200"/>
+            <a:lvl3pPr marL="4499945" indent="0">
+              <a:buNone/>
+              <a:defRPr sz="5905"/>
             </a:lvl3pPr>
-            <a:lvl4pPr marL="1371600" indent="0">
-              <a:buNone/>
-              <a:defRPr sz="1000"/>
+            <a:lvl4pPr marL="6749918" indent="0">
+              <a:buNone/>
+              <a:defRPr sz="4921"/>
             </a:lvl4pPr>
-            <a:lvl5pPr marL="1828800" indent="0">
-              <a:buNone/>
-              <a:defRPr sz="1000"/>
+            <a:lvl5pPr marL="8999891" indent="0">
+              <a:buNone/>
+              <a:defRPr sz="4921"/>
             </a:lvl5pPr>
-            <a:lvl6pPr marL="2286000" indent="0">
-              <a:buNone/>
-              <a:defRPr sz="1000"/>
+            <a:lvl6pPr marL="11249863" indent="0">
+              <a:buNone/>
+              <a:defRPr sz="4921"/>
             </a:lvl6pPr>
-            <a:lvl7pPr marL="2743200" indent="0">
-              <a:buNone/>
-              <a:defRPr sz="1000"/>
+            <a:lvl7pPr marL="13499836" indent="0">
+              <a:buNone/>
+              <a:defRPr sz="4921"/>
             </a:lvl7pPr>
-            <a:lvl8pPr marL="3200400" indent="0">
-              <a:buNone/>
-              <a:defRPr sz="1000"/>
+            <a:lvl8pPr marL="15749808" indent="0">
+              <a:buNone/>
+              <a:defRPr sz="4921"/>
             </a:lvl8pPr>
-            <a:lvl9pPr marL="3657600" indent="0">
-              <a:buNone/>
-              <a:defRPr sz="1000"/>
+            <a:lvl9pPr marL="17999781" indent="0">
+              <a:buNone/>
+              <a:defRPr sz="4921"/>
             </a:lvl9pPr>
           </a:lstStyle>
           <a:p>
@@ -2662,13 +2334,7 @@
       </p:sp>
       <p:sp>
         <p:nvSpPr>
-          <p:cNvPr id="5" name="Date Placeholder 4">
-            <a:extLst>
-              <a:ext uri="{FF2B5EF4-FFF2-40B4-BE49-F238E27FC236}">
-                <a16:creationId xmlns:a16="http://schemas.microsoft.com/office/drawing/2014/main" id="{C79EC423-3E06-7342-8134-542474F58494}"/>
-              </a:ext>
-            </a:extLst>
-          </p:cNvPr>
+          <p:cNvPr id="5" name="Date Placeholder 4"/>
           <p:cNvSpPr>
             <a:spLocks noGrp="1"/>
           </p:cNvSpPr>
@@ -2691,13 +2357,7 @@
       </p:sp>
       <p:sp>
         <p:nvSpPr>
-          <p:cNvPr id="6" name="Footer Placeholder 5">
-            <a:extLst>
-              <a:ext uri="{FF2B5EF4-FFF2-40B4-BE49-F238E27FC236}">
-                <a16:creationId xmlns:a16="http://schemas.microsoft.com/office/drawing/2014/main" id="{C42E3F69-4960-5B49-8A7C-B9CA648FA262}"/>
-              </a:ext>
-            </a:extLst>
-          </p:cNvPr>
+          <p:cNvPr id="6" name="Footer Placeholder 5"/>
           <p:cNvSpPr>
             <a:spLocks noGrp="1"/>
           </p:cNvSpPr>
@@ -2716,13 +2376,7 @@
       </p:sp>
       <p:sp>
         <p:nvSpPr>
-          <p:cNvPr id="7" name="Slide Number Placeholder 6">
-            <a:extLst>
-              <a:ext uri="{FF2B5EF4-FFF2-40B4-BE49-F238E27FC236}">
-                <a16:creationId xmlns:a16="http://schemas.microsoft.com/office/drawing/2014/main" id="{317038C7-4F36-3647-9ABC-FD2B58FEBA24}"/>
-              </a:ext>
-            </a:extLst>
-          </p:cNvPr>
+          <p:cNvPr id="7" name="Slide Number Placeholder 6"/>
           <p:cNvSpPr>
             <a:spLocks noGrp="1"/>
           </p:cNvSpPr>
@@ -2746,7 +2400,7 @@
     </p:spTree>
     <p:extLst>
       <p:ext uri="{BB962C8B-B14F-4D97-AF65-F5344CB8AC3E}">
-        <p14:creationId xmlns:p14="http://schemas.microsoft.com/office/powerpoint/2010/main" val="3578720865"/>
+        <p14:creationId xmlns:p14="http://schemas.microsoft.com/office/powerpoint/2010/main" val="3090828159"/>
       </p:ext>
     </p:extLst>
   </p:cSld>
@@ -2780,13 +2434,7 @@
       </p:grpSpPr>
       <p:sp>
         <p:nvSpPr>
-          <p:cNvPr id="2" name="Title Placeholder 1">
-            <a:extLst>
-              <a:ext uri="{FF2B5EF4-FFF2-40B4-BE49-F238E27FC236}">
-                <a16:creationId xmlns:a16="http://schemas.microsoft.com/office/drawing/2014/main" id="{A71440FA-56C6-BD46-8A57-2405AC82F763}"/>
-              </a:ext>
-            </a:extLst>
-          </p:cNvPr>
+          <p:cNvPr id="2" name="Title Placeholder 1"/>
           <p:cNvSpPr>
             <a:spLocks noGrp="1"/>
           </p:cNvSpPr>
@@ -2796,8 +2444,8 @@
         </p:nvSpPr>
         <p:spPr>
           <a:xfrm>
-            <a:off x="838200" y="365125"/>
-            <a:ext cx="10515600" cy="1325563"/>
+            <a:off x="3093700" y="1916661"/>
+            <a:ext cx="38811875" cy="6958285"/>
           </a:xfrm>
           <a:prstGeom prst="rect">
             <a:avLst/>
@@ -2813,19 +2461,13 @@
               <a:rPr lang="en-US"/>
               <a:t>Click to edit Master title style</a:t>
             </a:r>
-            <a:endParaRPr lang="en-TH"/>
-          </a:p>
-        </p:txBody>
-      </p:sp>
-      <p:sp>
-        <p:nvSpPr>
-          <p:cNvPr id="3" name="Text Placeholder 2">
-            <a:extLst>
-              <a:ext uri="{FF2B5EF4-FFF2-40B4-BE49-F238E27FC236}">
-                <a16:creationId xmlns:a16="http://schemas.microsoft.com/office/drawing/2014/main" id="{2ACDB2A4-823D-6A42-B67F-C9A17F8457A0}"/>
-              </a:ext>
-            </a:extLst>
-          </p:cNvPr>
+            <a:endParaRPr lang="en-US" dirty="0"/>
+          </a:p>
+        </p:txBody>
+      </p:sp>
+      <p:sp>
+        <p:nvSpPr>
+          <p:cNvPr id="3" name="Text Placeholder 2"/>
           <p:cNvSpPr>
             <a:spLocks noGrp="1"/>
           </p:cNvSpPr>
@@ -2835,8 +2477,8 @@
         </p:nvSpPr>
         <p:spPr>
           <a:xfrm>
-            <a:off x="838200" y="1825625"/>
-            <a:ext cx="10515600" cy="4351338"/>
+            <a:off x="3093700" y="9583264"/>
+            <a:ext cx="38811875" cy="22841503"/>
           </a:xfrm>
           <a:prstGeom prst="rect">
             <a:avLst/>
@@ -2881,19 +2523,13 @@
               <a:rPr lang="en-US"/>
               <a:t>Fifth level</a:t>
             </a:r>
-            <a:endParaRPr lang="en-TH"/>
-          </a:p>
-        </p:txBody>
-      </p:sp>
-      <p:sp>
-        <p:nvSpPr>
-          <p:cNvPr id="4" name="Date Placeholder 3">
-            <a:extLst>
-              <a:ext uri="{FF2B5EF4-FFF2-40B4-BE49-F238E27FC236}">
-                <a16:creationId xmlns:a16="http://schemas.microsoft.com/office/drawing/2014/main" id="{418A23A6-9F36-224D-BA69-F1EDDE13E8A7}"/>
-              </a:ext>
-            </a:extLst>
-          </p:cNvPr>
+            <a:endParaRPr lang="en-US" dirty="0"/>
+          </a:p>
+        </p:txBody>
+      </p:sp>
+      <p:sp>
+        <p:nvSpPr>
+          <p:cNvPr id="4" name="Date Placeholder 3"/>
           <p:cNvSpPr>
             <a:spLocks noGrp="1"/>
           </p:cNvSpPr>
@@ -2903,8 +2539,8 @@
         </p:nvSpPr>
         <p:spPr>
           <a:xfrm>
-            <a:off x="838200" y="6356350"/>
-            <a:ext cx="2743200" cy="365125"/>
+            <a:off x="3093700" y="33366432"/>
+            <a:ext cx="10124837" cy="1916653"/>
           </a:xfrm>
           <a:prstGeom prst="rect">
             <a:avLst/>
@@ -2914,7 +2550,7 @@
           <a:bodyPr vert="horz" lIns="91440" tIns="45720" rIns="91440" bIns="45720" rtlCol="0" anchor="ctr"/>
           <a:lstStyle>
             <a:lvl1pPr algn="l">
-              <a:defRPr sz="1200">
+              <a:defRPr sz="5905">
                 <a:solidFill>
                   <a:schemeClr val="tx1">
                     <a:tint val="75000"/>
@@ -2934,13 +2570,7 @@
       </p:sp>
       <p:sp>
         <p:nvSpPr>
-          <p:cNvPr id="5" name="Footer Placeholder 4">
-            <a:extLst>
-              <a:ext uri="{FF2B5EF4-FFF2-40B4-BE49-F238E27FC236}">
-                <a16:creationId xmlns:a16="http://schemas.microsoft.com/office/drawing/2014/main" id="{FE46D2A9-61FC-CD48-94BD-69309B5B756B}"/>
-              </a:ext>
-            </a:extLst>
-          </p:cNvPr>
+          <p:cNvPr id="5" name="Footer Placeholder 4"/>
           <p:cNvSpPr>
             <a:spLocks noGrp="1"/>
           </p:cNvSpPr>
@@ -2950,8 +2580,8 @@
         </p:nvSpPr>
         <p:spPr>
           <a:xfrm>
-            <a:off x="4038600" y="6356350"/>
-            <a:ext cx="4114800" cy="365125"/>
+            <a:off x="14906010" y="33366432"/>
+            <a:ext cx="15187255" cy="1916653"/>
           </a:xfrm>
           <a:prstGeom prst="rect">
             <a:avLst/>
@@ -2961,7 +2591,7 @@
           <a:bodyPr vert="horz" lIns="91440" tIns="45720" rIns="91440" bIns="45720" rtlCol="0" anchor="ctr"/>
           <a:lstStyle>
             <a:lvl1pPr algn="ctr">
-              <a:defRPr sz="1200">
+              <a:defRPr sz="5905">
                 <a:solidFill>
                   <a:schemeClr val="tx1">
                     <a:tint val="75000"/>
@@ -2977,13 +2607,7 @@
       </p:sp>
       <p:sp>
         <p:nvSpPr>
-          <p:cNvPr id="6" name="Slide Number Placeholder 5">
-            <a:extLst>
-              <a:ext uri="{FF2B5EF4-FFF2-40B4-BE49-F238E27FC236}">
-                <a16:creationId xmlns:a16="http://schemas.microsoft.com/office/drawing/2014/main" id="{0A9492C6-7FA3-D847-916E-120B54BE3A56}"/>
-              </a:ext>
-            </a:extLst>
-          </p:cNvPr>
+          <p:cNvPr id="6" name="Slide Number Placeholder 5"/>
           <p:cNvSpPr>
             <a:spLocks noGrp="1"/>
           </p:cNvSpPr>
@@ -2993,8 +2617,8 @@
         </p:nvSpPr>
         <p:spPr>
           <a:xfrm>
-            <a:off x="8610600" y="6356350"/>
-            <a:ext cx="2743200" cy="365125"/>
+            <a:off x="31780738" y="33366432"/>
+            <a:ext cx="10124837" cy="1916653"/>
           </a:xfrm>
           <a:prstGeom prst="rect">
             <a:avLst/>
@@ -3004,7 +2628,7 @@
           <a:bodyPr vert="horz" lIns="91440" tIns="45720" rIns="91440" bIns="45720" rtlCol="0" anchor="ctr"/>
           <a:lstStyle>
             <a:lvl1pPr algn="r">
-              <a:defRPr sz="1200">
+              <a:defRPr sz="5905">
                 <a:solidFill>
                   <a:schemeClr val="tx1">
                     <a:tint val="75000"/>
@@ -3025,27 +2649,27 @@
     </p:spTree>
     <p:extLst>
       <p:ext uri="{BB962C8B-B14F-4D97-AF65-F5344CB8AC3E}">
-        <p14:creationId xmlns:p14="http://schemas.microsoft.com/office/powerpoint/2010/main" val="3912387967"/>
+        <p14:creationId xmlns:p14="http://schemas.microsoft.com/office/powerpoint/2010/main" val="4097572671"/>
       </p:ext>
     </p:extLst>
   </p:cSld>
   <p:clrMap bg1="lt1" tx1="dk1" bg2="lt2" tx2="dk2" accent1="accent1" accent2="accent2" accent3="accent3" accent4="accent4" accent5="accent5" accent6="accent6" hlink="hlink" folHlink="folHlink"/>
   <p:sldLayoutIdLst>
-    <p:sldLayoutId id="2147483649" r:id="rId1"/>
-    <p:sldLayoutId id="2147483650" r:id="rId2"/>
-    <p:sldLayoutId id="2147483651" r:id="rId3"/>
-    <p:sldLayoutId id="2147483652" r:id="rId4"/>
-    <p:sldLayoutId id="2147483653" r:id="rId5"/>
-    <p:sldLayoutId id="2147483654" r:id="rId6"/>
-    <p:sldLayoutId id="2147483655" r:id="rId7"/>
-    <p:sldLayoutId id="2147483656" r:id="rId8"/>
-    <p:sldLayoutId id="2147483657" r:id="rId9"/>
-    <p:sldLayoutId id="2147483658" r:id="rId10"/>
-    <p:sldLayoutId id="2147483659" r:id="rId11"/>
+    <p:sldLayoutId id="2147483685" r:id="rId1"/>
+    <p:sldLayoutId id="2147483686" r:id="rId2"/>
+    <p:sldLayoutId id="2147483687" r:id="rId3"/>
+    <p:sldLayoutId id="2147483688" r:id="rId4"/>
+    <p:sldLayoutId id="2147483689" r:id="rId5"/>
+    <p:sldLayoutId id="2147483690" r:id="rId6"/>
+    <p:sldLayoutId id="2147483691" r:id="rId7"/>
+    <p:sldLayoutId id="2147483692" r:id="rId8"/>
+    <p:sldLayoutId id="2147483693" r:id="rId9"/>
+    <p:sldLayoutId id="2147483694" r:id="rId10"/>
+    <p:sldLayoutId id="2147483695" r:id="rId11"/>
   </p:sldLayoutIdLst>
   <p:txStyles>
     <p:titleStyle>
-      <a:lvl1pPr algn="l" defTabSz="914400" rtl="0" eaLnBrk="1" latinLnBrk="0" hangingPunct="1">
+      <a:lvl1pPr algn="l" defTabSz="4499945" rtl="0" eaLnBrk="1" latinLnBrk="0" hangingPunct="1">
         <a:lnSpc>
           <a:spcPct val="90000"/>
         </a:lnSpc>
@@ -3053,7 +2677,7 @@
           <a:spcPct val="0"/>
         </a:spcBef>
         <a:buNone/>
-        <a:defRPr sz="4400" kern="1200">
+        <a:defRPr sz="21653" kern="1200">
           <a:solidFill>
             <a:schemeClr val="tx1"/>
           </a:solidFill>
@@ -3064,16 +2688,16 @@
       </a:lvl1pPr>
     </p:titleStyle>
     <p:bodyStyle>
-      <a:lvl1pPr marL="228600" indent="-228600" algn="l" defTabSz="914400" rtl="0" eaLnBrk="1" latinLnBrk="0" hangingPunct="1">
+      <a:lvl1pPr marL="1124986" indent="-1124986" algn="l" defTabSz="4499945" rtl="0" eaLnBrk="1" latinLnBrk="0" hangingPunct="1">
         <a:lnSpc>
           <a:spcPct val="90000"/>
         </a:lnSpc>
         <a:spcBef>
-          <a:spcPts val="1000"/>
+          <a:spcPts val="4921"/>
         </a:spcBef>
         <a:buFont typeface="Arial" panose="020B0604020202020204" pitchFamily="34" charset="0"/>
         <a:buChar char="•"/>
-        <a:defRPr sz="2800" kern="1200">
+        <a:defRPr sz="13779" kern="1200">
           <a:solidFill>
             <a:schemeClr val="tx1"/>
           </a:solidFill>
@@ -3082,16 +2706,16 @@
           <a:cs typeface="+mn-cs"/>
         </a:defRPr>
       </a:lvl1pPr>
-      <a:lvl2pPr marL="685800" indent="-228600" algn="l" defTabSz="914400" rtl="0" eaLnBrk="1" latinLnBrk="0" hangingPunct="1">
+      <a:lvl2pPr marL="3374959" indent="-1124986" algn="l" defTabSz="4499945" rtl="0" eaLnBrk="1" latinLnBrk="0" hangingPunct="1">
         <a:lnSpc>
           <a:spcPct val="90000"/>
         </a:lnSpc>
         <a:spcBef>
-          <a:spcPts val="500"/>
+          <a:spcPts val="2461"/>
         </a:spcBef>
         <a:buFont typeface="Arial" panose="020B0604020202020204" pitchFamily="34" charset="0"/>
         <a:buChar char="•"/>
-        <a:defRPr sz="2400" kern="1200">
+        <a:defRPr sz="11811" kern="1200">
           <a:solidFill>
             <a:schemeClr val="tx1"/>
           </a:solidFill>
@@ -3100,16 +2724,16 @@
           <a:cs typeface="+mn-cs"/>
         </a:defRPr>
       </a:lvl2pPr>
-      <a:lvl3pPr marL="1143000" indent="-228600" algn="l" defTabSz="914400" rtl="0" eaLnBrk="1" latinLnBrk="0" hangingPunct="1">
+      <a:lvl3pPr marL="5624932" indent="-1124986" algn="l" defTabSz="4499945" rtl="0" eaLnBrk="1" latinLnBrk="0" hangingPunct="1">
         <a:lnSpc>
           <a:spcPct val="90000"/>
         </a:lnSpc>
         <a:spcBef>
-          <a:spcPts val="500"/>
+          <a:spcPts val="2461"/>
         </a:spcBef>
         <a:buFont typeface="Arial" panose="020B0604020202020204" pitchFamily="34" charset="0"/>
         <a:buChar char="•"/>
-        <a:defRPr sz="2000" kern="1200">
+        <a:defRPr sz="9842" kern="1200">
           <a:solidFill>
             <a:schemeClr val="tx1"/>
           </a:solidFill>
@@ -3118,16 +2742,16 @@
           <a:cs typeface="+mn-cs"/>
         </a:defRPr>
       </a:lvl3pPr>
-      <a:lvl4pPr marL="1600200" indent="-228600" algn="l" defTabSz="914400" rtl="0" eaLnBrk="1" latinLnBrk="0" hangingPunct="1">
+      <a:lvl4pPr marL="7874904" indent="-1124986" algn="l" defTabSz="4499945" rtl="0" eaLnBrk="1" latinLnBrk="0" hangingPunct="1">
         <a:lnSpc>
           <a:spcPct val="90000"/>
         </a:lnSpc>
         <a:spcBef>
-          <a:spcPts val="500"/>
+          <a:spcPts val="2461"/>
         </a:spcBef>
         <a:buFont typeface="Arial" panose="020B0604020202020204" pitchFamily="34" charset="0"/>
         <a:buChar char="•"/>
-        <a:defRPr sz="1800" kern="1200">
+        <a:defRPr sz="8858" kern="1200">
           <a:solidFill>
             <a:schemeClr val="tx1"/>
           </a:solidFill>
@@ -3136,16 +2760,16 @@
           <a:cs typeface="+mn-cs"/>
         </a:defRPr>
       </a:lvl4pPr>
-      <a:lvl5pPr marL="2057400" indent="-228600" algn="l" defTabSz="914400" rtl="0" eaLnBrk="1" latinLnBrk="0" hangingPunct="1">
+      <a:lvl5pPr marL="10124877" indent="-1124986" algn="l" defTabSz="4499945" rtl="0" eaLnBrk="1" latinLnBrk="0" hangingPunct="1">
         <a:lnSpc>
           <a:spcPct val="90000"/>
         </a:lnSpc>
         <a:spcBef>
-          <a:spcPts val="500"/>
+          <a:spcPts val="2461"/>
         </a:spcBef>
         <a:buFont typeface="Arial" panose="020B0604020202020204" pitchFamily="34" charset="0"/>
         <a:buChar char="•"/>
-        <a:defRPr sz="1800" kern="1200">
+        <a:defRPr sz="8858" kern="1200">
           <a:solidFill>
             <a:schemeClr val="tx1"/>
           </a:solidFill>
@@ -3154,16 +2778,16 @@
           <a:cs typeface="+mn-cs"/>
         </a:defRPr>
       </a:lvl5pPr>
-      <a:lvl6pPr marL="2514600" indent="-228600" algn="l" defTabSz="914400" rtl="0" eaLnBrk="1" latinLnBrk="0" hangingPunct="1">
+      <a:lvl6pPr marL="12374850" indent="-1124986" algn="l" defTabSz="4499945" rtl="0" eaLnBrk="1" latinLnBrk="0" hangingPunct="1">
         <a:lnSpc>
           <a:spcPct val="90000"/>
         </a:lnSpc>
         <a:spcBef>
-          <a:spcPts val="500"/>
+          <a:spcPts val="2461"/>
         </a:spcBef>
         <a:buFont typeface="Arial" panose="020B0604020202020204" pitchFamily="34" charset="0"/>
         <a:buChar char="•"/>
-        <a:defRPr sz="1800" kern="1200">
+        <a:defRPr sz="8858" kern="1200">
           <a:solidFill>
             <a:schemeClr val="tx1"/>
           </a:solidFill>
@@ -3172,16 +2796,16 @@
           <a:cs typeface="+mn-cs"/>
         </a:defRPr>
       </a:lvl6pPr>
-      <a:lvl7pPr marL="2971800" indent="-228600" algn="l" defTabSz="914400" rtl="0" eaLnBrk="1" latinLnBrk="0" hangingPunct="1">
+      <a:lvl7pPr marL="14624822" indent="-1124986" algn="l" defTabSz="4499945" rtl="0" eaLnBrk="1" latinLnBrk="0" hangingPunct="1">
         <a:lnSpc>
           <a:spcPct val="90000"/>
         </a:lnSpc>
         <a:spcBef>
-          <a:spcPts val="500"/>
+          <a:spcPts val="2461"/>
         </a:spcBef>
         <a:buFont typeface="Arial" panose="020B0604020202020204" pitchFamily="34" charset="0"/>
         <a:buChar char="•"/>
-        <a:defRPr sz="1800" kern="1200">
+        <a:defRPr sz="8858" kern="1200">
           <a:solidFill>
             <a:schemeClr val="tx1"/>
           </a:solidFill>
@@ -3190,16 +2814,16 @@
           <a:cs typeface="+mn-cs"/>
         </a:defRPr>
       </a:lvl7pPr>
-      <a:lvl8pPr marL="3429000" indent="-228600" algn="l" defTabSz="914400" rtl="0" eaLnBrk="1" latinLnBrk="0" hangingPunct="1">
+      <a:lvl8pPr marL="16874795" indent="-1124986" algn="l" defTabSz="4499945" rtl="0" eaLnBrk="1" latinLnBrk="0" hangingPunct="1">
         <a:lnSpc>
           <a:spcPct val="90000"/>
         </a:lnSpc>
         <a:spcBef>
-          <a:spcPts val="500"/>
+          <a:spcPts val="2461"/>
         </a:spcBef>
         <a:buFont typeface="Arial" panose="020B0604020202020204" pitchFamily="34" charset="0"/>
         <a:buChar char="•"/>
-        <a:defRPr sz="1800" kern="1200">
+        <a:defRPr sz="8858" kern="1200">
           <a:solidFill>
             <a:schemeClr val="tx1"/>
           </a:solidFill>
@@ -3208,16 +2832,16 @@
           <a:cs typeface="+mn-cs"/>
         </a:defRPr>
       </a:lvl8pPr>
-      <a:lvl9pPr marL="3886200" indent="-228600" algn="l" defTabSz="914400" rtl="0" eaLnBrk="1" latinLnBrk="0" hangingPunct="1">
+      <a:lvl9pPr marL="19124767" indent="-1124986" algn="l" defTabSz="4499945" rtl="0" eaLnBrk="1" latinLnBrk="0" hangingPunct="1">
         <a:lnSpc>
           <a:spcPct val="90000"/>
         </a:lnSpc>
         <a:spcBef>
-          <a:spcPts val="500"/>
+          <a:spcPts val="2461"/>
         </a:spcBef>
         <a:buFont typeface="Arial" panose="020B0604020202020204" pitchFamily="34" charset="0"/>
         <a:buChar char="•"/>
-        <a:defRPr sz="1800" kern="1200">
+        <a:defRPr sz="8858" kern="1200">
           <a:solidFill>
             <a:schemeClr val="tx1"/>
           </a:solidFill>
@@ -3229,10 +2853,10 @@
     </p:bodyStyle>
     <p:otherStyle>
       <a:defPPr>
-        <a:defRPr lang="en-TH"/>
+        <a:defRPr lang="en-US"/>
       </a:defPPr>
-      <a:lvl1pPr marL="0" algn="l" defTabSz="914400" rtl="0" eaLnBrk="1" latinLnBrk="0" hangingPunct="1">
-        <a:defRPr sz="1800" kern="1200">
+      <a:lvl1pPr marL="0" algn="l" defTabSz="4499945" rtl="0" eaLnBrk="1" latinLnBrk="0" hangingPunct="1">
+        <a:defRPr sz="8858" kern="1200">
           <a:solidFill>
             <a:schemeClr val="tx1"/>
           </a:solidFill>
@@ -3241,8 +2865,8 @@
           <a:cs typeface="+mn-cs"/>
         </a:defRPr>
       </a:lvl1pPr>
-      <a:lvl2pPr marL="457200" algn="l" defTabSz="914400" rtl="0" eaLnBrk="1" latinLnBrk="0" hangingPunct="1">
-        <a:defRPr sz="1800" kern="1200">
+      <a:lvl2pPr marL="2249973" algn="l" defTabSz="4499945" rtl="0" eaLnBrk="1" latinLnBrk="0" hangingPunct="1">
+        <a:defRPr sz="8858" kern="1200">
           <a:solidFill>
             <a:schemeClr val="tx1"/>
           </a:solidFill>
@@ -3251,8 +2875,8 @@
           <a:cs typeface="+mn-cs"/>
         </a:defRPr>
       </a:lvl2pPr>
-      <a:lvl3pPr marL="914400" algn="l" defTabSz="914400" rtl="0" eaLnBrk="1" latinLnBrk="0" hangingPunct="1">
-        <a:defRPr sz="1800" kern="1200">
+      <a:lvl3pPr marL="4499945" algn="l" defTabSz="4499945" rtl="0" eaLnBrk="1" latinLnBrk="0" hangingPunct="1">
+        <a:defRPr sz="8858" kern="1200">
           <a:solidFill>
             <a:schemeClr val="tx1"/>
           </a:solidFill>
@@ -3261,8 +2885,8 @@
           <a:cs typeface="+mn-cs"/>
         </a:defRPr>
       </a:lvl3pPr>
-      <a:lvl4pPr marL="1371600" algn="l" defTabSz="914400" rtl="0" eaLnBrk="1" latinLnBrk="0" hangingPunct="1">
-        <a:defRPr sz="1800" kern="1200">
+      <a:lvl4pPr marL="6749918" algn="l" defTabSz="4499945" rtl="0" eaLnBrk="1" latinLnBrk="0" hangingPunct="1">
+        <a:defRPr sz="8858" kern="1200">
           <a:solidFill>
             <a:schemeClr val="tx1"/>
           </a:solidFill>
@@ -3271,8 +2895,8 @@
           <a:cs typeface="+mn-cs"/>
         </a:defRPr>
       </a:lvl4pPr>
-      <a:lvl5pPr marL="1828800" algn="l" defTabSz="914400" rtl="0" eaLnBrk="1" latinLnBrk="0" hangingPunct="1">
-        <a:defRPr sz="1800" kern="1200">
+      <a:lvl5pPr marL="8999891" algn="l" defTabSz="4499945" rtl="0" eaLnBrk="1" latinLnBrk="0" hangingPunct="1">
+        <a:defRPr sz="8858" kern="1200">
           <a:solidFill>
             <a:schemeClr val="tx1"/>
           </a:solidFill>
@@ -3281,8 +2905,8 @@
           <a:cs typeface="+mn-cs"/>
         </a:defRPr>
       </a:lvl5pPr>
-      <a:lvl6pPr marL="2286000" algn="l" defTabSz="914400" rtl="0" eaLnBrk="1" latinLnBrk="0" hangingPunct="1">
-        <a:defRPr sz="1800" kern="1200">
+      <a:lvl6pPr marL="11249863" algn="l" defTabSz="4499945" rtl="0" eaLnBrk="1" latinLnBrk="0" hangingPunct="1">
+        <a:defRPr sz="8858" kern="1200">
           <a:solidFill>
             <a:schemeClr val="tx1"/>
           </a:solidFill>
@@ -3291,8 +2915,8 @@
           <a:cs typeface="+mn-cs"/>
         </a:defRPr>
       </a:lvl6pPr>
-      <a:lvl7pPr marL="2743200" algn="l" defTabSz="914400" rtl="0" eaLnBrk="1" latinLnBrk="0" hangingPunct="1">
-        <a:defRPr sz="1800" kern="1200">
+      <a:lvl7pPr marL="13499836" algn="l" defTabSz="4499945" rtl="0" eaLnBrk="1" latinLnBrk="0" hangingPunct="1">
+        <a:defRPr sz="8858" kern="1200">
           <a:solidFill>
             <a:schemeClr val="tx1"/>
           </a:solidFill>
@@ -3301,8 +2925,8 @@
           <a:cs typeface="+mn-cs"/>
         </a:defRPr>
       </a:lvl7pPr>
-      <a:lvl8pPr marL="3200400" algn="l" defTabSz="914400" rtl="0" eaLnBrk="1" latinLnBrk="0" hangingPunct="1">
-        <a:defRPr sz="1800" kern="1200">
+      <a:lvl8pPr marL="15749808" algn="l" defTabSz="4499945" rtl="0" eaLnBrk="1" latinLnBrk="0" hangingPunct="1">
+        <a:defRPr sz="8858" kern="1200">
           <a:solidFill>
             <a:schemeClr val="tx1"/>
           </a:solidFill>
@@ -3311,8 +2935,8 @@
           <a:cs typeface="+mn-cs"/>
         </a:defRPr>
       </a:lvl8pPr>
-      <a:lvl9pPr marL="3657600" algn="l" defTabSz="914400" rtl="0" eaLnBrk="1" latinLnBrk="0" hangingPunct="1">
-        <a:defRPr sz="1800" kern="1200">
+      <a:lvl9pPr marL="17999781" algn="l" defTabSz="4499945" rtl="0" eaLnBrk="1" latinLnBrk="0" hangingPunct="1">
+        <a:defRPr sz="8858" kern="1200">
           <a:solidFill>
             <a:schemeClr val="tx1"/>
           </a:solidFill>
@@ -3365,8 +2989,8 @@
         </p:nvGrpSpPr>
         <p:grpSpPr>
           <a:xfrm>
-            <a:off x="111653" y="2278839"/>
-            <a:ext cx="11752124" cy="2509729"/>
+            <a:off x="412100" y="13754761"/>
+            <a:ext cx="43375742" cy="9263121"/>
             <a:chOff x="111653" y="2278839"/>
             <a:chExt cx="11752124" cy="2509729"/>
           </a:xfrm>
@@ -3481,7 +3105,7 @@
             <a:lstStyle/>
             <a:p>
               <a:pPr algn="ctr"/>
-              <a:endParaRPr lang="en-TH"/>
+              <a:endParaRPr lang="en-TH" sz="7814"/>
             </a:p>
           </p:txBody>
         </p:sp>
@@ -3532,7 +3156,7 @@
 <file path=ppt/theme/theme1.xml><?xml version="1.0" encoding="utf-8"?>
 <a:theme xmlns:a="http://schemas.openxmlformats.org/drawingml/2006/main" name="Office Theme">
   <a:themeElements>
-    <a:clrScheme name="Office">
+    <a:clrScheme name="Office Theme">
       <a:dk1>
         <a:sysClr val="windowText" lastClr="000000"/>
       </a:dk1>
@@ -3570,7 +3194,7 @@
         <a:srgbClr val="954F72"/>
       </a:folHlink>
     </a:clrScheme>
-    <a:fontScheme name="Office">
+    <a:fontScheme name="Office Theme">
       <a:majorFont>
         <a:latin typeface="Calibri Light" panose="020F0302020204030204"/>
         <a:ea typeface=""/>
@@ -3605,23 +3229,6 @@
         <a:font script="Viet" typeface="Times New Roman"/>
         <a:font script="Uigh" typeface="Microsoft Uighur"/>
         <a:font script="Geor" typeface="Sylfaen"/>
-        <a:font script="Armn" typeface="Arial"/>
-        <a:font script="Bugi" typeface="Leelawadee UI"/>
-        <a:font script="Bopo" typeface="Microsoft JhengHei"/>
-        <a:font script="Java" typeface="Javanese Text"/>
-        <a:font script="Lisu" typeface="Segoe UI"/>
-        <a:font script="Mymr" typeface="Myanmar Text"/>
-        <a:font script="Nkoo" typeface="Ebrima"/>
-        <a:font script="Olck" typeface="Nirmala UI"/>
-        <a:font script="Osma" typeface="Ebrima"/>
-        <a:font script="Phag" typeface="Phagspa"/>
-        <a:font script="Syrn" typeface="Estrangelo Edessa"/>
-        <a:font script="Syrj" typeface="Estrangelo Edessa"/>
-        <a:font script="Syre" typeface="Estrangelo Edessa"/>
-        <a:font script="Sora" typeface="Nirmala UI"/>
-        <a:font script="Tale" typeface="Microsoft Tai Le"/>
-        <a:font script="Talu" typeface="Microsoft New Tai Lue"/>
-        <a:font script="Tfng" typeface="Ebrima"/>
       </a:majorFont>
       <a:minorFont>
         <a:latin typeface="Calibri" panose="020F0502020204030204"/>
@@ -3657,26 +3264,9 @@
         <a:font script="Viet" typeface="Arial"/>
         <a:font script="Uigh" typeface="Microsoft Uighur"/>
         <a:font script="Geor" typeface="Sylfaen"/>
-        <a:font script="Armn" typeface="Arial"/>
-        <a:font script="Bugi" typeface="Leelawadee UI"/>
-        <a:font script="Bopo" typeface="Microsoft JhengHei"/>
-        <a:font script="Java" typeface="Javanese Text"/>
-        <a:font script="Lisu" typeface="Segoe UI"/>
-        <a:font script="Mymr" typeface="Myanmar Text"/>
-        <a:font script="Nkoo" typeface="Ebrima"/>
-        <a:font script="Olck" typeface="Nirmala UI"/>
-        <a:font script="Osma" typeface="Ebrima"/>
-        <a:font script="Phag" typeface="Phagspa"/>
-        <a:font script="Syrn" typeface="Estrangelo Edessa"/>
-        <a:font script="Syrj" typeface="Estrangelo Edessa"/>
-        <a:font script="Syre" typeface="Estrangelo Edessa"/>
-        <a:font script="Sora" typeface="Nirmala UI"/>
-        <a:font script="Tale" typeface="Microsoft Tai Le"/>
-        <a:font script="Talu" typeface="Microsoft New Tai Lue"/>
-        <a:font script="Tfng" typeface="Ebrima"/>
       </a:minorFont>
     </a:fontScheme>
-    <a:fmtScheme name="Office">
+    <a:fmtScheme name="Office Theme">
       <a:fillStyleLst>
         <a:solidFill>
           <a:schemeClr val="phClr"/>

--- a/design_ppt/about.pptx
+++ b/design_ppt/about.pptx
@@ -3140,6 +3140,1409 @@
           <a:chExt cx="0" cy="0"/>
         </a:xfrm>
       </p:grpSpPr>
+      <p:grpSp>
+        <p:nvGrpSpPr>
+          <p:cNvPr id="31" name="Group 30">
+            <a:extLst>
+              <a:ext uri="{FF2B5EF4-FFF2-40B4-BE49-F238E27FC236}">
+                <a16:creationId xmlns:a16="http://schemas.microsoft.com/office/drawing/2014/main" id="{8B0AD7FB-D12F-6349-9599-323F677C8913}"/>
+              </a:ext>
+            </a:extLst>
+          </p:cNvPr>
+          <p:cNvGrpSpPr/>
+          <p:nvPr/>
+        </p:nvGrpSpPr>
+        <p:grpSpPr>
+          <a:xfrm>
+            <a:off x="857158" y="7199385"/>
+            <a:ext cx="43284957" cy="21600968"/>
+            <a:chOff x="57603" y="6786000"/>
+            <a:chExt cx="44941672" cy="22427737"/>
+          </a:xfrm>
+        </p:grpSpPr>
+        <p:grpSp>
+          <p:nvGrpSpPr>
+            <p:cNvPr id="12" name="Group 11">
+              <a:extLst>
+                <a:ext uri="{FF2B5EF4-FFF2-40B4-BE49-F238E27FC236}">
+                  <a16:creationId xmlns:a16="http://schemas.microsoft.com/office/drawing/2014/main" id="{7E82DEF9-ACE9-1541-89F1-A019DF676B3E}"/>
+                </a:ext>
+              </a:extLst>
+            </p:cNvPr>
+            <p:cNvGrpSpPr/>
+            <p:nvPr/>
+          </p:nvGrpSpPr>
+          <p:grpSpPr>
+            <a:xfrm>
+              <a:off x="57603" y="14893243"/>
+              <a:ext cx="5800298" cy="6135852"/>
+              <a:chOff x="44999275" y="5514038"/>
+              <a:chExt cx="26734941" cy="28281590"/>
+            </a:xfrm>
+          </p:grpSpPr>
+          <p:pic>
+            <p:nvPicPr>
+              <p:cNvPr id="4" name="Picture 3" descr="A close up of a dinosaur&#10;&#10;Description automatically generated">
+                <a:extLst>
+                  <a:ext uri="{FF2B5EF4-FFF2-40B4-BE49-F238E27FC236}">
+                    <a16:creationId xmlns:a16="http://schemas.microsoft.com/office/drawing/2014/main" id="{48D517D6-7BC7-F04E-9830-67F4B3ED8B6D}"/>
+                  </a:ext>
+                </a:extLst>
+              </p:cNvPr>
+              <p:cNvPicPr>
+                <a:picLocks noChangeAspect="1"/>
+              </p:cNvPicPr>
+              <p:nvPr/>
+            </p:nvPicPr>
+            <p:blipFill>
+              <a:blip r:embed="rId2"/>
+              <a:stretch>
+                <a:fillRect/>
+              </a:stretch>
+            </p:blipFill>
+            <p:spPr>
+              <a:xfrm>
+                <a:off x="44999275" y="5514038"/>
+                <a:ext cx="26734941" cy="28281590"/>
+              </a:xfrm>
+              <a:prstGeom prst="rect">
+                <a:avLst/>
+              </a:prstGeom>
+            </p:spPr>
+          </p:pic>
+          <p:sp>
+            <p:nvSpPr>
+              <p:cNvPr id="5" name="Oval 4">
+                <a:extLst>
+                  <a:ext uri="{FF2B5EF4-FFF2-40B4-BE49-F238E27FC236}">
+                    <a16:creationId xmlns:a16="http://schemas.microsoft.com/office/drawing/2014/main" id="{6F674381-3E30-594D-B42D-4F1396BFEADF}"/>
+                  </a:ext>
+                </a:extLst>
+              </p:cNvPr>
+              <p:cNvSpPr/>
+              <p:nvPr/>
+            </p:nvSpPr>
+            <p:spPr>
+              <a:xfrm>
+                <a:off x="54205815" y="23115516"/>
+                <a:ext cx="2888885" cy="2888885"/>
+              </a:xfrm>
+              <a:prstGeom prst="ellipse">
+                <a:avLst/>
+              </a:prstGeom>
+              <a:solidFill>
+                <a:srgbClr val="FF0054"/>
+              </a:solidFill>
+            </p:spPr>
+            <p:style>
+              <a:lnRef idx="2">
+                <a:schemeClr val="accent1">
+                  <a:shade val="50000"/>
+                </a:schemeClr>
+              </a:lnRef>
+              <a:fillRef idx="1">
+                <a:schemeClr val="accent1"/>
+              </a:fillRef>
+              <a:effectRef idx="0">
+                <a:schemeClr val="accent1"/>
+              </a:effectRef>
+              <a:fontRef idx="minor">
+                <a:schemeClr val="lt1"/>
+              </a:fontRef>
+            </p:style>
+            <p:txBody>
+              <a:bodyPr rtlCol="0" anchor="ctr"/>
+              <a:lstStyle/>
+              <a:p>
+                <a:pPr algn="ctr"/>
+                <a:endParaRPr lang="en-TH" sz="3527"/>
+              </a:p>
+            </p:txBody>
+          </p:sp>
+          <p:sp>
+            <p:nvSpPr>
+              <p:cNvPr id="6" name="Oval 5">
+                <a:extLst>
+                  <a:ext uri="{FF2B5EF4-FFF2-40B4-BE49-F238E27FC236}">
+                    <a16:creationId xmlns:a16="http://schemas.microsoft.com/office/drawing/2014/main" id="{CA036A45-C07E-514C-A8D8-7D01559040DC}"/>
+                  </a:ext>
+                </a:extLst>
+              </p:cNvPr>
+              <p:cNvSpPr/>
+              <p:nvPr/>
+            </p:nvSpPr>
+            <p:spPr>
+              <a:xfrm>
+                <a:off x="63869988" y="25932770"/>
+                <a:ext cx="2253704" cy="2253704"/>
+              </a:xfrm>
+              <a:prstGeom prst="ellipse">
+                <a:avLst/>
+              </a:prstGeom>
+              <a:solidFill>
+                <a:srgbClr val="FF0054"/>
+              </a:solidFill>
+            </p:spPr>
+            <p:style>
+              <a:lnRef idx="2">
+                <a:schemeClr val="accent1">
+                  <a:shade val="50000"/>
+                </a:schemeClr>
+              </a:lnRef>
+              <a:fillRef idx="1">
+                <a:schemeClr val="accent1"/>
+              </a:fillRef>
+              <a:effectRef idx="0">
+                <a:schemeClr val="accent1"/>
+              </a:effectRef>
+              <a:fontRef idx="minor">
+                <a:schemeClr val="lt1"/>
+              </a:fontRef>
+            </p:style>
+            <p:txBody>
+              <a:bodyPr rtlCol="0" anchor="ctr"/>
+              <a:lstStyle/>
+              <a:p>
+                <a:pPr algn="ctr"/>
+                <a:endParaRPr lang="en-TH" sz="3527"/>
+              </a:p>
+            </p:txBody>
+          </p:sp>
+          <p:sp>
+            <p:nvSpPr>
+              <p:cNvPr id="7" name="Oval 6">
+                <a:extLst>
+                  <a:ext uri="{FF2B5EF4-FFF2-40B4-BE49-F238E27FC236}">
+                    <a16:creationId xmlns:a16="http://schemas.microsoft.com/office/drawing/2014/main" id="{1313B1BB-F2E4-B949-94E0-47CA06CDB055}"/>
+                  </a:ext>
+                </a:extLst>
+              </p:cNvPr>
+              <p:cNvSpPr/>
+              <p:nvPr/>
+            </p:nvSpPr>
+            <p:spPr>
+              <a:xfrm>
+                <a:off x="63054155" y="14654755"/>
+                <a:ext cx="1631673" cy="1631673"/>
+              </a:xfrm>
+              <a:prstGeom prst="ellipse">
+                <a:avLst/>
+              </a:prstGeom>
+              <a:solidFill>
+                <a:srgbClr val="FF0054"/>
+              </a:solidFill>
+            </p:spPr>
+            <p:style>
+              <a:lnRef idx="2">
+                <a:schemeClr val="accent1">
+                  <a:shade val="50000"/>
+                </a:schemeClr>
+              </a:lnRef>
+              <a:fillRef idx="1">
+                <a:schemeClr val="accent1"/>
+              </a:fillRef>
+              <a:effectRef idx="0">
+                <a:schemeClr val="accent1"/>
+              </a:effectRef>
+              <a:fontRef idx="minor">
+                <a:schemeClr val="lt1"/>
+              </a:fontRef>
+            </p:style>
+            <p:txBody>
+              <a:bodyPr rtlCol="0" anchor="ctr"/>
+              <a:lstStyle/>
+              <a:p>
+                <a:pPr algn="ctr"/>
+                <a:endParaRPr lang="en-TH" sz="3527"/>
+              </a:p>
+            </p:txBody>
+          </p:sp>
+          <p:sp>
+            <p:nvSpPr>
+              <p:cNvPr id="8" name="Oval 7">
+                <a:extLst>
+                  <a:ext uri="{FF2B5EF4-FFF2-40B4-BE49-F238E27FC236}">
+                    <a16:creationId xmlns:a16="http://schemas.microsoft.com/office/drawing/2014/main" id="{79B44939-54BC-034C-A210-B7FFDEF29185}"/>
+                  </a:ext>
+                </a:extLst>
+              </p:cNvPr>
+              <p:cNvSpPr/>
+              <p:nvPr/>
+            </p:nvSpPr>
+            <p:spPr>
+              <a:xfrm>
+                <a:off x="58059466" y="18363998"/>
+                <a:ext cx="2581668" cy="2581668"/>
+              </a:xfrm>
+              <a:prstGeom prst="ellipse">
+                <a:avLst/>
+              </a:prstGeom>
+              <a:solidFill>
+                <a:srgbClr val="FF0054"/>
+              </a:solidFill>
+            </p:spPr>
+            <p:style>
+              <a:lnRef idx="2">
+                <a:schemeClr val="accent1">
+                  <a:shade val="50000"/>
+                </a:schemeClr>
+              </a:lnRef>
+              <a:fillRef idx="1">
+                <a:schemeClr val="accent1"/>
+              </a:fillRef>
+              <a:effectRef idx="0">
+                <a:schemeClr val="accent1"/>
+              </a:effectRef>
+              <a:fontRef idx="minor">
+                <a:schemeClr val="lt1"/>
+              </a:fontRef>
+            </p:style>
+            <p:txBody>
+              <a:bodyPr rtlCol="0" anchor="ctr"/>
+              <a:lstStyle/>
+              <a:p>
+                <a:pPr algn="ctr"/>
+                <a:endParaRPr lang="en-TH" sz="3527"/>
+              </a:p>
+            </p:txBody>
+          </p:sp>
+          <p:sp>
+            <p:nvSpPr>
+              <p:cNvPr id="9" name="Oval 8">
+                <a:extLst>
+                  <a:ext uri="{FF2B5EF4-FFF2-40B4-BE49-F238E27FC236}">
+                    <a16:creationId xmlns:a16="http://schemas.microsoft.com/office/drawing/2014/main" id="{9A67B11E-91ED-E74B-B64D-4B1FF9F33621}"/>
+                  </a:ext>
+                </a:extLst>
+              </p:cNvPr>
+              <p:cNvSpPr/>
+              <p:nvPr/>
+            </p:nvSpPr>
+            <p:spPr>
+              <a:xfrm>
+                <a:off x="58059466" y="28927471"/>
+                <a:ext cx="1102365" cy="1102365"/>
+              </a:xfrm>
+              <a:prstGeom prst="ellipse">
+                <a:avLst/>
+              </a:prstGeom>
+              <a:solidFill>
+                <a:srgbClr val="FF0054"/>
+              </a:solidFill>
+            </p:spPr>
+            <p:style>
+              <a:lnRef idx="2">
+                <a:schemeClr val="accent1">
+                  <a:shade val="50000"/>
+                </a:schemeClr>
+              </a:lnRef>
+              <a:fillRef idx="1">
+                <a:schemeClr val="accent1"/>
+              </a:fillRef>
+              <a:effectRef idx="0">
+                <a:schemeClr val="accent1"/>
+              </a:effectRef>
+              <a:fontRef idx="minor">
+                <a:schemeClr val="lt1"/>
+              </a:fontRef>
+            </p:style>
+            <p:txBody>
+              <a:bodyPr rtlCol="0" anchor="ctr"/>
+              <a:lstStyle/>
+              <a:p>
+                <a:pPr algn="ctr"/>
+                <a:endParaRPr lang="en-TH" sz="3527"/>
+              </a:p>
+            </p:txBody>
+          </p:sp>
+          <p:sp>
+            <p:nvSpPr>
+              <p:cNvPr id="10" name="Oval 9">
+                <a:extLst>
+                  <a:ext uri="{FF2B5EF4-FFF2-40B4-BE49-F238E27FC236}">
+                    <a16:creationId xmlns:a16="http://schemas.microsoft.com/office/drawing/2014/main" id="{69A027DA-59E7-7C46-A450-4BA896CAD93A}"/>
+                  </a:ext>
+                </a:extLst>
+              </p:cNvPr>
+              <p:cNvSpPr/>
+              <p:nvPr/>
+            </p:nvSpPr>
+            <p:spPr>
+              <a:xfrm>
+                <a:off x="64543391" y="20945667"/>
+                <a:ext cx="1631679" cy="1631679"/>
+              </a:xfrm>
+              <a:prstGeom prst="ellipse">
+                <a:avLst/>
+              </a:prstGeom>
+              <a:solidFill>
+                <a:srgbClr val="FF0054"/>
+              </a:solidFill>
+            </p:spPr>
+            <p:style>
+              <a:lnRef idx="2">
+                <a:schemeClr val="accent1">
+                  <a:shade val="50000"/>
+                </a:schemeClr>
+              </a:lnRef>
+              <a:fillRef idx="1">
+                <a:schemeClr val="accent1"/>
+              </a:fillRef>
+              <a:effectRef idx="0">
+                <a:schemeClr val="accent1"/>
+              </a:effectRef>
+              <a:fontRef idx="minor">
+                <a:schemeClr val="lt1"/>
+              </a:fontRef>
+            </p:style>
+            <p:txBody>
+              <a:bodyPr rtlCol="0" anchor="ctr"/>
+              <a:lstStyle/>
+              <a:p>
+                <a:pPr algn="ctr"/>
+                <a:endParaRPr lang="en-TH" sz="3527"/>
+              </a:p>
+            </p:txBody>
+          </p:sp>
+          <p:sp>
+            <p:nvSpPr>
+              <p:cNvPr id="11" name="Oval 10">
+                <a:extLst>
+                  <a:ext uri="{FF2B5EF4-FFF2-40B4-BE49-F238E27FC236}">
+                    <a16:creationId xmlns:a16="http://schemas.microsoft.com/office/drawing/2014/main" id="{7F6DE1C0-68A2-1F43-9E57-3F61EACC9556}"/>
+                  </a:ext>
+                </a:extLst>
+              </p:cNvPr>
+              <p:cNvSpPr/>
+              <p:nvPr/>
+            </p:nvSpPr>
+            <p:spPr>
+              <a:xfrm>
+                <a:off x="60816492" y="24163818"/>
+                <a:ext cx="1631679" cy="1631679"/>
+              </a:xfrm>
+              <a:prstGeom prst="ellipse">
+                <a:avLst/>
+              </a:prstGeom>
+              <a:solidFill>
+                <a:srgbClr val="FF0054"/>
+              </a:solidFill>
+            </p:spPr>
+            <p:style>
+              <a:lnRef idx="2">
+                <a:schemeClr val="accent1">
+                  <a:shade val="50000"/>
+                </a:schemeClr>
+              </a:lnRef>
+              <a:fillRef idx="1">
+                <a:schemeClr val="accent1"/>
+              </a:fillRef>
+              <a:effectRef idx="0">
+                <a:schemeClr val="accent1"/>
+              </a:effectRef>
+              <a:fontRef idx="minor">
+                <a:schemeClr val="lt1"/>
+              </a:fontRef>
+            </p:style>
+            <p:txBody>
+              <a:bodyPr rtlCol="0" anchor="ctr"/>
+              <a:lstStyle/>
+              <a:p>
+                <a:pPr algn="ctr"/>
+                <a:endParaRPr lang="en-TH" sz="3527"/>
+              </a:p>
+            </p:txBody>
+          </p:sp>
+        </p:grpSp>
+        <mc:AlternateContent xmlns:mc="http://schemas.openxmlformats.org/markup-compatibility/2006">
+          <mc:Choice xmlns:a14="http://schemas.microsoft.com/office/drawing/2010/main" Requires="a14">
+            <p:sp>
+              <p:nvSpPr>
+                <p:cNvPr id="13" name="Rounded Rectangle 12">
+                  <a:extLst>
+                    <a:ext uri="{FF2B5EF4-FFF2-40B4-BE49-F238E27FC236}">
+                      <a16:creationId xmlns:a16="http://schemas.microsoft.com/office/drawing/2014/main" id="{80EEFBFA-D81A-A144-8ECF-C6C960303E28}"/>
+                    </a:ext>
+                  </a:extLst>
+                </p:cNvPr>
+                <p:cNvSpPr/>
+                <p:nvPr/>
+              </p:nvSpPr>
+              <p:spPr>
+                <a:xfrm>
+                  <a:off x="23426868" y="14931943"/>
+                  <a:ext cx="8606962" cy="6135851"/>
+                </a:xfrm>
+                <a:prstGeom prst="roundRect">
+                  <a:avLst/>
+                </a:prstGeom>
+                <a:noFill/>
+                <a:ln w="95250">
+                  <a:solidFill>
+                    <a:schemeClr val="bg2">
+                      <a:lumMod val="25000"/>
+                    </a:schemeClr>
+                  </a:solidFill>
+                </a:ln>
+              </p:spPr>
+              <p:style>
+                <a:lnRef idx="2">
+                  <a:schemeClr val="accent1">
+                    <a:shade val="50000"/>
+                  </a:schemeClr>
+                </a:lnRef>
+                <a:fillRef idx="1">
+                  <a:schemeClr val="accent1"/>
+                </a:fillRef>
+                <a:effectRef idx="0">
+                  <a:schemeClr val="accent1"/>
+                </a:effectRef>
+                <a:fontRef idx="minor">
+                  <a:schemeClr val="lt1"/>
+                </a:fontRef>
+              </p:style>
+              <p:txBody>
+                <a:bodyPr rtlCol="0" anchor="ctr"/>
+                <a:lstStyle/>
+                <a:p>
+                  <a:pPr algn="ctr"/>
+                  <a:r>
+                    <a:rPr lang="en-US" sz="7200" dirty="0">
+                      <a:solidFill>
+                        <a:schemeClr val="bg2">
+                          <a:lumMod val="25000"/>
+                        </a:schemeClr>
+                      </a:solidFill>
+                      <a:latin typeface="Quicksand" pitchFamily="2" charset="77"/>
+                    </a:rPr>
+                    <a:t>Arithmetic mean predictions</a:t>
+                  </a:r>
+                </a:p>
+                <a:p>
+                  <a:pPr algn="ctr"/>
+                  <a14:m>
+                    <m:oMathPara xmlns:m="http://schemas.openxmlformats.org/officeDocument/2006/math">
+                      <m:oMathParaPr>
+                        <m:jc m:val="centerGroup"/>
+                      </m:oMathParaPr>
+                      <m:oMath xmlns:m="http://schemas.openxmlformats.org/officeDocument/2006/math">
+                        <m:acc>
+                          <m:accPr>
+                            <m:chr m:val="̅"/>
+                            <m:ctrlPr>
+                              <a:rPr lang="en-US" sz="7200" i="1">
+                                <a:solidFill>
+                                  <a:schemeClr val="bg2">
+                                    <a:lumMod val="25000"/>
+                                  </a:schemeClr>
+                                </a:solidFill>
+                                <a:latin typeface="Cambria Math" panose="02040503050406030204" pitchFamily="18" charset="0"/>
+                              </a:rPr>
+                            </m:ctrlPr>
+                          </m:accPr>
+                          <m:e>
+                            <m:r>
+                              <a:rPr lang="en-US" sz="7200" i="1">
+                                <a:solidFill>
+                                  <a:schemeClr val="bg2">
+                                    <a:lumMod val="25000"/>
+                                  </a:schemeClr>
+                                </a:solidFill>
+                                <a:latin typeface="Cambria Math" panose="02040503050406030204" pitchFamily="18" charset="0"/>
+                              </a:rPr>
+                              <m:t>𝑋</m:t>
+                            </m:r>
+                          </m:e>
+                        </m:acc>
+                        <m:r>
+                          <a:rPr lang="en-US" sz="7200" i="1">
+                            <a:solidFill>
+                              <a:schemeClr val="bg2">
+                                <a:lumMod val="25000"/>
+                              </a:schemeClr>
+                            </a:solidFill>
+                            <a:latin typeface="Cambria Math" panose="02040503050406030204" pitchFamily="18" charset="0"/>
+                          </a:rPr>
+                          <m:t>= </m:t>
+                        </m:r>
+                        <m:f>
+                          <m:fPr>
+                            <m:ctrlPr>
+                              <a:rPr lang="en-US" sz="7200" i="1">
+                                <a:solidFill>
+                                  <a:schemeClr val="bg2">
+                                    <a:lumMod val="25000"/>
+                                  </a:schemeClr>
+                                </a:solidFill>
+                                <a:latin typeface="Cambria Math" panose="02040503050406030204" pitchFamily="18" charset="0"/>
+                              </a:rPr>
+                            </m:ctrlPr>
+                          </m:fPr>
+                          <m:num>
+                            <m:nary>
+                              <m:naryPr>
+                                <m:chr m:val="∑"/>
+                                <m:subHide m:val="on"/>
+                                <m:supHide m:val="on"/>
+                                <m:ctrlPr>
+                                  <a:rPr lang="en-US" sz="7200" i="1">
+                                    <a:solidFill>
+                                      <a:schemeClr val="bg2">
+                                        <a:lumMod val="25000"/>
+                                      </a:schemeClr>
+                                    </a:solidFill>
+                                    <a:latin typeface="Cambria Math" panose="02040503050406030204" pitchFamily="18" charset="0"/>
+                                  </a:rPr>
+                                </m:ctrlPr>
+                              </m:naryPr>
+                              <m:sub/>
+                              <m:sup/>
+                              <m:e>
+                                <m:r>
+                                  <a:rPr lang="en-US" sz="7200" i="1">
+                                    <a:solidFill>
+                                      <a:schemeClr val="bg2">
+                                        <a:lumMod val="25000"/>
+                                      </a:schemeClr>
+                                    </a:solidFill>
+                                    <a:latin typeface="Cambria Math" panose="02040503050406030204" pitchFamily="18" charset="0"/>
+                                  </a:rPr>
+                                  <m:t>𝑋</m:t>
+                                </m:r>
+                              </m:e>
+                            </m:nary>
+                          </m:num>
+                          <m:den>
+                            <m:r>
+                              <a:rPr lang="en-US" sz="7200" i="1">
+                                <a:solidFill>
+                                  <a:schemeClr val="bg2">
+                                    <a:lumMod val="25000"/>
+                                  </a:schemeClr>
+                                </a:solidFill>
+                                <a:latin typeface="Cambria Math" panose="02040503050406030204" pitchFamily="18" charset="0"/>
+                              </a:rPr>
+                              <m:t>𝑛</m:t>
+                            </m:r>
+                          </m:den>
+                        </m:f>
+                      </m:oMath>
+                    </m:oMathPara>
+                  </a14:m>
+                  <a:endParaRPr lang="en-US" sz="7200" dirty="0">
+                    <a:solidFill>
+                      <a:schemeClr val="bg2">
+                        <a:lumMod val="25000"/>
+                      </a:schemeClr>
+                    </a:solidFill>
+                    <a:latin typeface="Quicksand" pitchFamily="2" charset="77"/>
+                  </a:endParaRPr>
+                </a:p>
+              </p:txBody>
+            </p:sp>
+          </mc:Choice>
+          <mc:Fallback>
+            <p:sp>
+              <p:nvSpPr>
+                <p:cNvPr id="13" name="Rounded Rectangle 12">
+                  <a:extLst>
+                    <a:ext uri="{FF2B5EF4-FFF2-40B4-BE49-F238E27FC236}">
+                      <a16:creationId xmlns:a16="http://schemas.microsoft.com/office/drawing/2014/main" id="{80EEFBFA-D81A-A144-8ECF-C6C960303E28}"/>
+                    </a:ext>
+                  </a:extLst>
+                </p:cNvPr>
+                <p:cNvSpPr>
+                  <a:spLocks noRot="1" noChangeAspect="1" noMove="1" noResize="1" noEditPoints="1" noAdjustHandles="1" noChangeArrowheads="1" noChangeShapeType="1" noTextEdit="1"/>
+                </p:cNvSpPr>
+                <p:nvPr/>
+              </p:nvSpPr>
+              <p:spPr>
+                <a:xfrm>
+                  <a:off x="23426868" y="14931943"/>
+                  <a:ext cx="8606962" cy="6135851"/>
+                </a:xfrm>
+                <a:prstGeom prst="roundRect">
+                  <a:avLst/>
+                </a:prstGeom>
+                <a:blipFill>
+                  <a:blip r:embed="rId3"/>
+                  <a:stretch>
+                    <a:fillRect r="-1059" b="-14979"/>
+                  </a:stretch>
+                </a:blipFill>
+                <a:ln w="95250">
+                  <a:solidFill>
+                    <a:schemeClr val="bg2">
+                      <a:lumMod val="25000"/>
+                    </a:schemeClr>
+                  </a:solidFill>
+                </a:ln>
+              </p:spPr>
+              <p:txBody>
+                <a:bodyPr/>
+                <a:lstStyle/>
+                <a:p>
+                  <a:r>
+                    <a:rPr lang="en-TH">
+                      <a:noFill/>
+                    </a:rPr>
+                    <a:t> </a:t>
+                  </a:r>
+                </a:p>
+              </p:txBody>
+            </p:sp>
+          </mc:Fallback>
+        </mc:AlternateContent>
+        <p:sp>
+          <p:nvSpPr>
+            <p:cNvPr id="15" name="Rounded Rectangle 14">
+              <a:extLst>
+                <a:ext uri="{FF2B5EF4-FFF2-40B4-BE49-F238E27FC236}">
+                  <a16:creationId xmlns:a16="http://schemas.microsoft.com/office/drawing/2014/main" id="{E34D71C3-063C-C841-BF27-CDC10F62ED84}"/>
+                </a:ext>
+              </a:extLst>
+            </p:cNvPr>
+            <p:cNvSpPr/>
+            <p:nvPr/>
+          </p:nvSpPr>
+          <p:spPr>
+            <a:xfrm>
+              <a:off x="8475526" y="6786000"/>
+              <a:ext cx="12934594" cy="6135851"/>
+            </a:xfrm>
+            <a:prstGeom prst="roundRect">
+              <a:avLst/>
+            </a:prstGeom>
+            <a:noFill/>
+            <a:ln w="95250">
+              <a:solidFill>
+                <a:schemeClr val="bg2">
+                  <a:lumMod val="25000"/>
+                </a:schemeClr>
+              </a:solidFill>
+            </a:ln>
+          </p:spPr>
+          <p:style>
+            <a:lnRef idx="2">
+              <a:schemeClr val="accent1">
+                <a:shade val="50000"/>
+              </a:schemeClr>
+            </a:lnRef>
+            <a:fillRef idx="1">
+              <a:schemeClr val="accent1"/>
+            </a:fillRef>
+            <a:effectRef idx="0">
+              <a:schemeClr val="accent1"/>
+            </a:effectRef>
+            <a:fontRef idx="minor">
+              <a:schemeClr val="lt1"/>
+            </a:fontRef>
+          </p:style>
+          <p:txBody>
+            <a:bodyPr rtlCol="0" anchor="ctr"/>
+            <a:lstStyle/>
+            <a:p>
+              <a:pPr algn="ctr"/>
+              <a:r>
+                <a:rPr lang="en-TH" sz="8000" dirty="0">
+                  <a:solidFill>
+                    <a:schemeClr val="bg2">
+                      <a:lumMod val="25000"/>
+                    </a:schemeClr>
+                  </a:solidFill>
+                  <a:latin typeface="Quicksand" pitchFamily="2" charset="77"/>
+                </a:rPr>
+                <a:t>DenseNet121 </a:t>
+              </a:r>
+            </a:p>
+            <a:p>
+              <a:pPr algn="ctr"/>
+              <a:r>
+                <a:rPr lang="en-TH" sz="8000" dirty="0">
+                  <a:solidFill>
+                    <a:schemeClr val="bg2">
+                      <a:lumMod val="25000"/>
+                    </a:schemeClr>
+                  </a:solidFill>
+                  <a:latin typeface="Quicksand" pitchFamily="2" charset="77"/>
+                </a:rPr>
+                <a:t>+ </a:t>
+              </a:r>
+            </a:p>
+            <a:p>
+              <a:pPr algn="ctr"/>
+              <a:r>
+                <a:rPr lang="en-TH" sz="8000" dirty="0">
+                  <a:solidFill>
+                    <a:schemeClr val="bg2">
+                      <a:lumMod val="25000"/>
+                    </a:schemeClr>
+                  </a:solidFill>
+                  <a:latin typeface="Quicksand" pitchFamily="2" charset="77"/>
+                </a:rPr>
+                <a:t>HAM10000weights with Oversampling</a:t>
+              </a:r>
+            </a:p>
+          </p:txBody>
+        </p:sp>
+        <p:sp>
+          <p:nvSpPr>
+            <p:cNvPr id="16" name="Rounded Rectangle 15">
+              <a:extLst>
+                <a:ext uri="{FF2B5EF4-FFF2-40B4-BE49-F238E27FC236}">
+                  <a16:creationId xmlns:a16="http://schemas.microsoft.com/office/drawing/2014/main" id="{6A1EFC29-F00A-B741-9A1E-4D73A7286616}"/>
+                </a:ext>
+              </a:extLst>
+            </p:cNvPr>
+            <p:cNvSpPr/>
+            <p:nvPr/>
+          </p:nvSpPr>
+          <p:spPr>
+            <a:xfrm>
+              <a:off x="8475526" y="23077886"/>
+              <a:ext cx="12934594" cy="6135851"/>
+            </a:xfrm>
+            <a:prstGeom prst="roundRect">
+              <a:avLst/>
+            </a:prstGeom>
+            <a:noFill/>
+            <a:ln w="95250">
+              <a:solidFill>
+                <a:schemeClr val="bg2">
+                  <a:lumMod val="25000"/>
+                </a:schemeClr>
+              </a:solidFill>
+            </a:ln>
+          </p:spPr>
+          <p:style>
+            <a:lnRef idx="2">
+              <a:schemeClr val="accent1">
+                <a:shade val="50000"/>
+              </a:schemeClr>
+            </a:lnRef>
+            <a:fillRef idx="1">
+              <a:schemeClr val="accent1"/>
+            </a:fillRef>
+            <a:effectRef idx="0">
+              <a:schemeClr val="accent1"/>
+            </a:effectRef>
+            <a:fontRef idx="minor">
+              <a:schemeClr val="lt1"/>
+            </a:fontRef>
+          </p:style>
+          <p:txBody>
+            <a:bodyPr rtlCol="0" anchor="ctr"/>
+            <a:lstStyle/>
+            <a:p>
+              <a:pPr algn="ctr"/>
+              <a:r>
+                <a:rPr lang="en-TH" sz="8000" dirty="0">
+                  <a:solidFill>
+                    <a:schemeClr val="bg2">
+                      <a:lumMod val="25000"/>
+                    </a:schemeClr>
+                  </a:solidFill>
+                  <a:latin typeface="Quicksand" pitchFamily="2" charset="77"/>
+                </a:rPr>
+                <a:t>DenseNet121 </a:t>
+              </a:r>
+            </a:p>
+            <a:p>
+              <a:pPr algn="ctr"/>
+              <a:r>
+                <a:rPr lang="en-TH" sz="8000" dirty="0">
+                  <a:solidFill>
+                    <a:schemeClr val="bg2">
+                      <a:lumMod val="25000"/>
+                    </a:schemeClr>
+                  </a:solidFill>
+                  <a:latin typeface="Quicksand" pitchFamily="2" charset="77"/>
+                </a:rPr>
+                <a:t>+ </a:t>
+              </a:r>
+            </a:p>
+            <a:p>
+              <a:pPr algn="ctr"/>
+              <a:r>
+                <a:rPr lang="en-TH" sz="8000" dirty="0">
+                  <a:solidFill>
+                    <a:schemeClr val="bg2">
+                      <a:lumMod val="25000"/>
+                    </a:schemeClr>
+                  </a:solidFill>
+                  <a:latin typeface="Quicksand" pitchFamily="2" charset="77"/>
+                </a:rPr>
+                <a:t>HAM10000weights with Focal Loss</a:t>
+              </a:r>
+            </a:p>
+          </p:txBody>
+        </p:sp>
+        <p:sp>
+          <p:nvSpPr>
+            <p:cNvPr id="17" name="Rounded Rectangle 16">
+              <a:extLst>
+                <a:ext uri="{FF2B5EF4-FFF2-40B4-BE49-F238E27FC236}">
+                  <a16:creationId xmlns:a16="http://schemas.microsoft.com/office/drawing/2014/main" id="{6716B6A3-5BD9-F241-B561-BE27D3E1483E}"/>
+                </a:ext>
+              </a:extLst>
+            </p:cNvPr>
+            <p:cNvSpPr/>
+            <p:nvPr/>
+          </p:nvSpPr>
+          <p:spPr>
+            <a:xfrm>
+              <a:off x="8475526" y="14931943"/>
+              <a:ext cx="12934594" cy="6135851"/>
+            </a:xfrm>
+            <a:prstGeom prst="roundRect">
+              <a:avLst/>
+            </a:prstGeom>
+            <a:noFill/>
+            <a:ln w="95250">
+              <a:solidFill>
+                <a:schemeClr val="bg2">
+                  <a:lumMod val="25000"/>
+                </a:schemeClr>
+              </a:solidFill>
+            </a:ln>
+          </p:spPr>
+          <p:style>
+            <a:lnRef idx="2">
+              <a:schemeClr val="accent1">
+                <a:shade val="50000"/>
+              </a:schemeClr>
+            </a:lnRef>
+            <a:fillRef idx="1">
+              <a:schemeClr val="accent1"/>
+            </a:fillRef>
+            <a:effectRef idx="0">
+              <a:schemeClr val="accent1"/>
+            </a:effectRef>
+            <a:fontRef idx="minor">
+              <a:schemeClr val="lt1"/>
+            </a:fontRef>
+          </p:style>
+          <p:txBody>
+            <a:bodyPr rtlCol="0" anchor="ctr"/>
+            <a:lstStyle/>
+            <a:p>
+              <a:pPr algn="ctr"/>
+              <a:r>
+                <a:rPr lang="en-TH" sz="8000" dirty="0">
+                  <a:solidFill>
+                    <a:schemeClr val="bg2">
+                      <a:lumMod val="25000"/>
+                    </a:schemeClr>
+                  </a:solidFill>
+                  <a:latin typeface="Quicksand" pitchFamily="2" charset="77"/>
+                </a:rPr>
+                <a:t>DenseNet121 </a:t>
+              </a:r>
+            </a:p>
+            <a:p>
+              <a:pPr algn="ctr"/>
+              <a:r>
+                <a:rPr lang="en-TH" sz="8000" dirty="0">
+                  <a:solidFill>
+                    <a:schemeClr val="bg2">
+                      <a:lumMod val="25000"/>
+                    </a:schemeClr>
+                  </a:solidFill>
+                  <a:latin typeface="Quicksand" pitchFamily="2" charset="77"/>
+                </a:rPr>
+                <a:t>+ </a:t>
+              </a:r>
+            </a:p>
+            <a:p>
+              <a:pPr algn="ctr"/>
+              <a:r>
+                <a:rPr lang="en-TH" sz="8000" dirty="0">
+                  <a:solidFill>
+                    <a:schemeClr val="bg2">
+                      <a:lumMod val="25000"/>
+                    </a:schemeClr>
+                  </a:solidFill>
+                  <a:latin typeface="Quicksand" pitchFamily="2" charset="77"/>
+                </a:rPr>
+                <a:t>HAM10000weights with Class Weights adjusment</a:t>
+              </a:r>
+            </a:p>
+          </p:txBody>
+        </p:sp>
+        <p:sp>
+          <p:nvSpPr>
+            <p:cNvPr id="19" name="Right Arrow 18">
+              <a:extLst>
+                <a:ext uri="{FF2B5EF4-FFF2-40B4-BE49-F238E27FC236}">
+                  <a16:creationId xmlns:a16="http://schemas.microsoft.com/office/drawing/2014/main" id="{5EFC2676-106B-854A-9BCC-A1953686BE09}"/>
+                </a:ext>
+              </a:extLst>
+            </p:cNvPr>
+            <p:cNvSpPr/>
+            <p:nvPr/>
+          </p:nvSpPr>
+          <p:spPr>
+            <a:xfrm>
+              <a:off x="6533811" y="17335218"/>
+              <a:ext cx="1771766" cy="1329300"/>
+            </a:xfrm>
+            <a:prstGeom prst="rightArrow">
+              <a:avLst/>
+            </a:prstGeom>
+            <a:solidFill>
+              <a:srgbClr val="FF0000"/>
+            </a:solidFill>
+            <a:ln>
+              <a:noFill/>
+            </a:ln>
+          </p:spPr>
+          <p:style>
+            <a:lnRef idx="2">
+              <a:schemeClr val="accent1">
+                <a:shade val="50000"/>
+              </a:schemeClr>
+            </a:lnRef>
+            <a:fillRef idx="1">
+              <a:schemeClr val="accent1"/>
+            </a:fillRef>
+            <a:effectRef idx="0">
+              <a:schemeClr val="accent1"/>
+            </a:effectRef>
+            <a:fontRef idx="minor">
+              <a:schemeClr val="lt1"/>
+            </a:fontRef>
+          </p:style>
+          <p:txBody>
+            <a:bodyPr rtlCol="0" anchor="ctr"/>
+            <a:lstStyle/>
+            <a:p>
+              <a:pPr algn="ctr"/>
+              <a:endParaRPr lang="en-TH"/>
+            </a:p>
+          </p:txBody>
+        </p:sp>
+        <p:sp>
+          <p:nvSpPr>
+            <p:cNvPr id="20" name="Right Arrow 19">
+              <a:extLst>
+                <a:ext uri="{FF2B5EF4-FFF2-40B4-BE49-F238E27FC236}">
+                  <a16:creationId xmlns:a16="http://schemas.microsoft.com/office/drawing/2014/main" id="{21A688AC-E9A9-A343-A5C6-940740F0CABF}"/>
+                </a:ext>
+              </a:extLst>
+            </p:cNvPr>
+            <p:cNvSpPr/>
+            <p:nvPr/>
+          </p:nvSpPr>
+          <p:spPr>
+            <a:xfrm>
+              <a:off x="21580069" y="17335218"/>
+              <a:ext cx="1771766" cy="1329300"/>
+            </a:xfrm>
+            <a:prstGeom prst="rightArrow">
+              <a:avLst/>
+            </a:prstGeom>
+            <a:solidFill>
+              <a:srgbClr val="FF0000"/>
+            </a:solidFill>
+            <a:ln>
+              <a:noFill/>
+            </a:ln>
+          </p:spPr>
+          <p:style>
+            <a:lnRef idx="2">
+              <a:schemeClr val="accent1">
+                <a:shade val="50000"/>
+              </a:schemeClr>
+            </a:lnRef>
+            <a:fillRef idx="1">
+              <a:schemeClr val="accent1"/>
+            </a:fillRef>
+            <a:effectRef idx="0">
+              <a:schemeClr val="accent1"/>
+            </a:effectRef>
+            <a:fontRef idx="minor">
+              <a:schemeClr val="lt1"/>
+            </a:fontRef>
+          </p:style>
+          <p:txBody>
+            <a:bodyPr rtlCol="0" anchor="ctr"/>
+            <a:lstStyle/>
+            <a:p>
+              <a:pPr algn="ctr"/>
+              <a:endParaRPr lang="en-TH"/>
+            </a:p>
+          </p:txBody>
+        </p:sp>
+        <p:sp>
+          <p:nvSpPr>
+            <p:cNvPr id="21" name="Right Arrow 20">
+              <a:extLst>
+                <a:ext uri="{FF2B5EF4-FFF2-40B4-BE49-F238E27FC236}">
+                  <a16:creationId xmlns:a16="http://schemas.microsoft.com/office/drawing/2014/main" id="{0C119E9A-B0AA-B54C-BE39-F3F99376F09D}"/>
+                </a:ext>
+              </a:extLst>
+            </p:cNvPr>
+            <p:cNvSpPr/>
+            <p:nvPr/>
+          </p:nvSpPr>
+          <p:spPr>
+            <a:xfrm rot="18900000">
+              <a:off x="5870496" y="13262105"/>
+              <a:ext cx="1771766" cy="1329300"/>
+            </a:xfrm>
+            <a:prstGeom prst="rightArrow">
+              <a:avLst/>
+            </a:prstGeom>
+            <a:solidFill>
+              <a:srgbClr val="FF0000"/>
+            </a:solidFill>
+            <a:ln>
+              <a:noFill/>
+            </a:ln>
+          </p:spPr>
+          <p:style>
+            <a:lnRef idx="2">
+              <a:schemeClr val="accent1">
+                <a:shade val="50000"/>
+              </a:schemeClr>
+            </a:lnRef>
+            <a:fillRef idx="1">
+              <a:schemeClr val="accent1"/>
+            </a:fillRef>
+            <a:effectRef idx="0">
+              <a:schemeClr val="accent1"/>
+            </a:effectRef>
+            <a:fontRef idx="minor">
+              <a:schemeClr val="lt1"/>
+            </a:fontRef>
+          </p:style>
+          <p:txBody>
+            <a:bodyPr rtlCol="0" anchor="ctr"/>
+            <a:lstStyle/>
+            <a:p>
+              <a:pPr algn="ctr"/>
+              <a:endParaRPr lang="en-TH"/>
+            </a:p>
+          </p:txBody>
+        </p:sp>
+        <p:sp>
+          <p:nvSpPr>
+            <p:cNvPr id="22" name="Right Arrow 21">
+              <a:extLst>
+                <a:ext uri="{FF2B5EF4-FFF2-40B4-BE49-F238E27FC236}">
+                  <a16:creationId xmlns:a16="http://schemas.microsoft.com/office/drawing/2014/main" id="{3BB4EE63-02AF-5245-BECD-DF49B0042E39}"/>
+                </a:ext>
+              </a:extLst>
+            </p:cNvPr>
+            <p:cNvSpPr/>
+            <p:nvPr/>
+          </p:nvSpPr>
+          <p:spPr>
+            <a:xfrm rot="18900000">
+              <a:off x="21798806" y="21506558"/>
+              <a:ext cx="1771766" cy="1329300"/>
+            </a:xfrm>
+            <a:prstGeom prst="rightArrow">
+              <a:avLst/>
+            </a:prstGeom>
+            <a:solidFill>
+              <a:srgbClr val="FF0000"/>
+            </a:solidFill>
+            <a:ln>
+              <a:noFill/>
+            </a:ln>
+          </p:spPr>
+          <p:style>
+            <a:lnRef idx="2">
+              <a:schemeClr val="accent1">
+                <a:shade val="50000"/>
+              </a:schemeClr>
+            </a:lnRef>
+            <a:fillRef idx="1">
+              <a:schemeClr val="accent1"/>
+            </a:fillRef>
+            <a:effectRef idx="0">
+              <a:schemeClr val="accent1"/>
+            </a:effectRef>
+            <a:fontRef idx="minor">
+              <a:schemeClr val="lt1"/>
+            </a:fontRef>
+          </p:style>
+          <p:txBody>
+            <a:bodyPr rtlCol="0" anchor="ctr"/>
+            <a:lstStyle/>
+            <a:p>
+              <a:pPr algn="ctr"/>
+              <a:endParaRPr lang="en-TH"/>
+            </a:p>
+          </p:txBody>
+        </p:sp>
+        <p:sp>
+          <p:nvSpPr>
+            <p:cNvPr id="23" name="Right Arrow 22">
+              <a:extLst>
+                <a:ext uri="{FF2B5EF4-FFF2-40B4-BE49-F238E27FC236}">
+                  <a16:creationId xmlns:a16="http://schemas.microsoft.com/office/drawing/2014/main" id="{D41783CE-D2CA-784D-89C6-9A27DF1D92A8}"/>
+                </a:ext>
+              </a:extLst>
+            </p:cNvPr>
+            <p:cNvSpPr/>
+            <p:nvPr/>
+          </p:nvSpPr>
+          <p:spPr>
+            <a:xfrm rot="2700000">
+              <a:off x="5870496" y="21641513"/>
+              <a:ext cx="1771766" cy="1329300"/>
+            </a:xfrm>
+            <a:prstGeom prst="rightArrow">
+              <a:avLst/>
+            </a:prstGeom>
+            <a:solidFill>
+              <a:srgbClr val="FF0000"/>
+            </a:solidFill>
+            <a:ln>
+              <a:noFill/>
+            </a:ln>
+          </p:spPr>
+          <p:style>
+            <a:lnRef idx="2">
+              <a:schemeClr val="accent1">
+                <a:shade val="50000"/>
+              </a:schemeClr>
+            </a:lnRef>
+            <a:fillRef idx="1">
+              <a:schemeClr val="accent1"/>
+            </a:fillRef>
+            <a:effectRef idx="0">
+              <a:schemeClr val="accent1"/>
+            </a:effectRef>
+            <a:fontRef idx="minor">
+              <a:schemeClr val="lt1"/>
+            </a:fontRef>
+          </p:style>
+          <p:txBody>
+            <a:bodyPr rtlCol="0" anchor="ctr"/>
+            <a:lstStyle/>
+            <a:p>
+              <a:pPr algn="ctr"/>
+              <a:endParaRPr lang="en-TH"/>
+            </a:p>
+          </p:txBody>
+        </p:sp>
+        <p:sp>
+          <p:nvSpPr>
+            <p:cNvPr id="24" name="Right Arrow 23">
+              <a:extLst>
+                <a:ext uri="{FF2B5EF4-FFF2-40B4-BE49-F238E27FC236}">
+                  <a16:creationId xmlns:a16="http://schemas.microsoft.com/office/drawing/2014/main" id="{B24E20DB-5C2F-D040-A079-D590AB90AFE7}"/>
+                </a:ext>
+              </a:extLst>
+            </p:cNvPr>
+            <p:cNvSpPr/>
+            <p:nvPr/>
+          </p:nvSpPr>
+          <p:spPr>
+            <a:xfrm rot="2700000">
+              <a:off x="21798807" y="12257200"/>
+              <a:ext cx="1771766" cy="1329300"/>
+            </a:xfrm>
+            <a:prstGeom prst="rightArrow">
+              <a:avLst/>
+            </a:prstGeom>
+            <a:solidFill>
+              <a:srgbClr val="FF0000"/>
+            </a:solidFill>
+            <a:ln>
+              <a:noFill/>
+            </a:ln>
+          </p:spPr>
+          <p:style>
+            <a:lnRef idx="2">
+              <a:schemeClr val="accent1">
+                <a:shade val="50000"/>
+              </a:schemeClr>
+            </a:lnRef>
+            <a:fillRef idx="1">
+              <a:schemeClr val="accent1"/>
+            </a:fillRef>
+            <a:effectRef idx="0">
+              <a:schemeClr val="accent1"/>
+            </a:effectRef>
+            <a:fontRef idx="minor">
+              <a:schemeClr val="lt1"/>
+            </a:fontRef>
+          </p:style>
+          <p:txBody>
+            <a:bodyPr rtlCol="0" anchor="ctr"/>
+            <a:lstStyle/>
+            <a:p>
+              <a:pPr algn="ctr"/>
+              <a:endParaRPr lang="en-TH"/>
+            </a:p>
+          </p:txBody>
+        </p:sp>
+        <p:sp>
+          <p:nvSpPr>
+            <p:cNvPr id="25" name="Right Arrow 24">
+              <a:extLst>
+                <a:ext uri="{FF2B5EF4-FFF2-40B4-BE49-F238E27FC236}">
+                  <a16:creationId xmlns:a16="http://schemas.microsoft.com/office/drawing/2014/main" id="{DDB3BF17-04CE-8649-A449-17C775EE1F9A}"/>
+                </a:ext>
+              </a:extLst>
+            </p:cNvPr>
+            <p:cNvSpPr/>
+            <p:nvPr/>
+          </p:nvSpPr>
+          <p:spPr>
+            <a:xfrm>
+              <a:off x="32278812" y="17335218"/>
+              <a:ext cx="1771766" cy="1329300"/>
+            </a:xfrm>
+            <a:prstGeom prst="rightArrow">
+              <a:avLst/>
+            </a:prstGeom>
+            <a:solidFill>
+              <a:srgbClr val="FF0000"/>
+            </a:solidFill>
+            <a:ln>
+              <a:noFill/>
+            </a:ln>
+          </p:spPr>
+          <p:style>
+            <a:lnRef idx="2">
+              <a:schemeClr val="accent1">
+                <a:shade val="50000"/>
+              </a:schemeClr>
+            </a:lnRef>
+            <a:fillRef idx="1">
+              <a:schemeClr val="accent1"/>
+            </a:fillRef>
+            <a:effectRef idx="0">
+              <a:schemeClr val="accent1"/>
+            </a:effectRef>
+            <a:fontRef idx="minor">
+              <a:schemeClr val="lt1"/>
+            </a:fontRef>
+          </p:style>
+          <p:txBody>
+            <a:bodyPr rtlCol="0" anchor="ctr"/>
+            <a:lstStyle/>
+            <a:p>
+              <a:pPr algn="ctr"/>
+              <a:endParaRPr lang="en-TH"/>
+            </a:p>
+          </p:txBody>
+        </p:sp>
+        <p:pic>
+          <p:nvPicPr>
+            <p:cNvPr id="27" name="Picture 26" descr="Text, application&#10;&#10;Description automatically generated">
+              <a:extLst>
+                <a:ext uri="{FF2B5EF4-FFF2-40B4-BE49-F238E27FC236}">
+                  <a16:creationId xmlns:a16="http://schemas.microsoft.com/office/drawing/2014/main" id="{BD3F75C1-89F2-2A45-8A9E-E39FD81E5713}"/>
+                </a:ext>
+              </a:extLst>
+            </p:cNvPr>
+            <p:cNvPicPr>
+              <a:picLocks noChangeAspect="1"/>
+            </p:cNvPicPr>
+            <p:nvPr/>
+          </p:nvPicPr>
+          <p:blipFill rotWithShape="1">
+            <a:blip r:embed="rId4"/>
+            <a:srcRect l="8054"/>
+            <a:stretch/>
+          </p:blipFill>
+          <p:spPr>
+            <a:xfrm>
+              <a:off x="34050578" y="9269117"/>
+              <a:ext cx="10175915" cy="17461503"/>
+            </a:xfrm>
+            <a:prstGeom prst="rect">
+              <a:avLst/>
+            </a:prstGeom>
+          </p:spPr>
+        </p:pic>
+        <p:sp>
+          <p:nvSpPr>
+            <p:cNvPr id="29" name="Rectangle 28">
+              <a:extLst>
+                <a:ext uri="{FF2B5EF4-FFF2-40B4-BE49-F238E27FC236}">
+                  <a16:creationId xmlns:a16="http://schemas.microsoft.com/office/drawing/2014/main" id="{D08097D8-8550-8746-8EF2-E6AC9251174B}"/>
+                </a:ext>
+              </a:extLst>
+            </p:cNvPr>
+            <p:cNvSpPr/>
+            <p:nvPr/>
+          </p:nvSpPr>
+          <p:spPr>
+            <a:xfrm>
+              <a:off x="599578" y="21207099"/>
+              <a:ext cx="5482401" cy="4247317"/>
+            </a:xfrm>
+            <a:prstGeom prst="rect">
+              <a:avLst/>
+            </a:prstGeom>
+          </p:spPr>
+          <p:txBody>
+            <a:bodyPr wrap="square">
+              <a:spAutoFit/>
+            </a:bodyPr>
+            <a:lstStyle/>
+            <a:p>
+              <a:r>
+                <a:rPr lang="en-US" sz="5400" dirty="0">
+                  <a:solidFill>
+                    <a:srgbClr val="585772"/>
+                  </a:solidFill>
+                  <a:latin typeface="Quicksand" pitchFamily="2" charset="77"/>
+                </a:rPr>
+                <a:t>Take or select photos of skin diseases you want to categorize.</a:t>
+              </a:r>
+              <a:endParaRPr lang="en-TH" sz="5400" dirty="0"/>
+            </a:p>
+          </p:txBody>
+        </p:sp>
+        <p:sp>
+          <p:nvSpPr>
+            <p:cNvPr id="30" name="Rectangle 29">
+              <a:extLst>
+                <a:ext uri="{FF2B5EF4-FFF2-40B4-BE49-F238E27FC236}">
+                  <a16:creationId xmlns:a16="http://schemas.microsoft.com/office/drawing/2014/main" id="{97B972E7-31B9-C943-A345-FDDB337CA534}"/>
+                </a:ext>
+              </a:extLst>
+            </p:cNvPr>
+            <p:cNvSpPr/>
+            <p:nvPr/>
+          </p:nvSpPr>
+          <p:spPr>
+            <a:xfrm>
+              <a:off x="32389733" y="26268954"/>
+              <a:ext cx="12609542" cy="923330"/>
+            </a:xfrm>
+            <a:prstGeom prst="rect">
+              <a:avLst/>
+            </a:prstGeom>
+          </p:spPr>
+          <p:txBody>
+            <a:bodyPr wrap="none">
+              <a:spAutoFit/>
+            </a:bodyPr>
+            <a:lstStyle/>
+            <a:p>
+              <a:r>
+                <a:rPr lang="en-US" sz="5400" dirty="0">
+                  <a:solidFill>
+                    <a:srgbClr val="585772"/>
+                  </a:solidFill>
+                  <a:latin typeface="Quicksand" pitchFamily="2" charset="77"/>
+                </a:rPr>
+                <a:t>Wait for the analysis result with advice.</a:t>
+              </a:r>
+              <a:endParaRPr lang="en-TH" sz="5400" dirty="0"/>
+            </a:p>
+          </p:txBody>
+        </p:sp>
+      </p:grpSp>
     </p:spTree>
     <p:extLst>
       <p:ext uri="{BB962C8B-B14F-4D97-AF65-F5344CB8AC3E}">

--- a/design_ppt/about.pptx
+++ b/design_ppt/about.pptx
@@ -7,6 +7,8 @@
   <p:sldIdLst>
     <p:sldId id="257" r:id="rId2"/>
     <p:sldId id="258" r:id="rId3"/>
+    <p:sldId id="259" r:id="rId4"/>
+    <p:sldId id="260" r:id="rId5"/>
   </p:sldIdLst>
   <p:sldSz cx="44999275" cy="35999738"/>
   <p:notesSz cx="6858000" cy="9144000"/>
@@ -105,6 +107,11 @@
       </a:defRPr>
     </a:lvl9pPr>
   </p:defaultTextStyle>
+  <p:extLst>
+    <p:ext uri="{EFAFB233-063F-42B5-8137-9DF3F51BA10A}">
+      <p15:sldGuideLst xmlns:p15="http://schemas.microsoft.com/office/powerpoint/2012/main"/>
+    </p:ext>
+  </p:extLst>
 </p:presentation>
 </file>
 
@@ -3554,8 +3561,8 @@
             </p:txBody>
           </p:sp>
         </p:grpSp>
-        <mc:AlternateContent xmlns:mc="http://schemas.openxmlformats.org/markup-compatibility/2006">
-          <mc:Choice xmlns:a14="http://schemas.microsoft.com/office/drawing/2010/main" Requires="a14">
+        <mc:AlternateContent xmlns:mc="http://schemas.openxmlformats.org/markup-compatibility/2006" xmlns:a14="http://schemas.microsoft.com/office/drawing/2010/main">
+          <mc:Choice Requires="a14">
             <p:sp>
               <p:nvSpPr>
                 <p:cNvPr id="13" name="Rounded Rectangle 12">
@@ -3741,7 +3748,7 @@
               </p:txBody>
             </p:sp>
           </mc:Choice>
-          <mc:Fallback>
+          <mc:Fallback xmlns="">
             <p:sp>
               <p:nvSpPr>
                 <p:cNvPr id="13" name="Rounded Rectangle 12">
@@ -4556,6 +4563,181 @@
 </p:sld>
 </file>
 
+<file path=ppt/slides/slide3.xml><?xml version="1.0" encoding="utf-8"?>
+<p:sld xmlns:a="http://schemas.openxmlformats.org/drawingml/2006/main" xmlns:r="http://schemas.openxmlformats.org/officeDocument/2006/relationships" xmlns:p="http://schemas.openxmlformats.org/presentationml/2006/main">
+  <p:cSld>
+    <p:spTree>
+      <p:nvGrpSpPr>
+        <p:cNvPr id="1" name=""/>
+        <p:cNvGrpSpPr/>
+        <p:nvPr/>
+      </p:nvGrpSpPr>
+      <p:grpSpPr>
+        <a:xfrm>
+          <a:off x="0" y="0"/>
+          <a:ext cx="0" cy="0"/>
+          <a:chOff x="0" y="0"/>
+          <a:chExt cx="0" cy="0"/>
+        </a:xfrm>
+      </p:grpSpPr>
+      <p:grpSp>
+        <p:nvGrpSpPr>
+          <p:cNvPr id="2" name="Group 1">
+            <a:extLst>
+              <a:ext uri="{FF2B5EF4-FFF2-40B4-BE49-F238E27FC236}">
+                <a16:creationId xmlns:a16="http://schemas.microsoft.com/office/drawing/2014/main" id="{2F2CB6B1-6D6F-1F43-8058-8284AC3BCC03}"/>
+              </a:ext>
+            </a:extLst>
+          </p:cNvPr>
+          <p:cNvGrpSpPr/>
+          <p:nvPr/>
+        </p:nvGrpSpPr>
+        <p:grpSpPr>
+          <a:xfrm>
+            <a:off x="3383279" y="12328234"/>
+            <a:ext cx="38232715" cy="11343269"/>
+            <a:chOff x="3383280" y="12328234"/>
+            <a:chExt cx="38232715" cy="11343269"/>
+          </a:xfrm>
+        </p:grpSpPr>
+        <p:pic>
+          <p:nvPicPr>
+            <p:cNvPr id="1026" name="Picture 2">
+              <a:extLst>
+                <a:ext uri="{FF2B5EF4-FFF2-40B4-BE49-F238E27FC236}">
+                  <a16:creationId xmlns:a16="http://schemas.microsoft.com/office/drawing/2014/main" id="{95A8EC0F-B9F9-6342-8343-2AD223E8E66F}"/>
+                </a:ext>
+              </a:extLst>
+            </p:cNvPr>
+            <p:cNvPicPr>
+              <a:picLocks noChangeAspect="1" noChangeArrowheads="1"/>
+            </p:cNvPicPr>
+            <p:nvPr/>
+          </p:nvPicPr>
+          <p:blipFill>
+            <a:blip r:embed="rId2">
+              <a:extLst>
+                <a:ext uri="{28A0092B-C50C-407E-A947-70E740481C1C}">
+                  <a14:useLocalDpi xmlns:a14="http://schemas.microsoft.com/office/drawing/2010/main" val="0"/>
+                </a:ext>
+              </a:extLst>
+            </a:blip>
+            <a:srcRect/>
+            <a:stretch>
+              <a:fillRect/>
+            </a:stretch>
+          </p:blipFill>
+          <p:spPr bwMode="auto">
+            <a:xfrm>
+              <a:off x="3383280" y="12328234"/>
+              <a:ext cx="13029430" cy="11343269"/>
+            </a:xfrm>
+            <a:prstGeom prst="rect">
+              <a:avLst/>
+            </a:prstGeom>
+            <a:noFill/>
+            <a:extLst>
+              <a:ext uri="{909E8E84-426E-40DD-AFC4-6F175D3DCCD1}">
+                <a14:hiddenFill xmlns:a14="http://schemas.microsoft.com/office/drawing/2010/main">
+                  <a:solidFill>
+                    <a:srgbClr val="FFFFFF"/>
+                  </a:solidFill>
+                </a14:hiddenFill>
+              </a:ext>
+            </a:extLst>
+          </p:spPr>
+        </p:pic>
+        <p:pic>
+          <p:nvPicPr>
+            <p:cNvPr id="1028" name="Picture 4">
+              <a:extLst>
+                <a:ext uri="{FF2B5EF4-FFF2-40B4-BE49-F238E27FC236}">
+                  <a16:creationId xmlns:a16="http://schemas.microsoft.com/office/drawing/2014/main" id="{DB657B4B-38E1-B749-A712-49D0EDAEA5FB}"/>
+                </a:ext>
+              </a:extLst>
+            </p:cNvPr>
+            <p:cNvPicPr>
+              <a:picLocks noChangeAspect="1" noChangeArrowheads="1"/>
+            </p:cNvPicPr>
+            <p:nvPr/>
+          </p:nvPicPr>
+          <p:blipFill>
+            <a:blip r:embed="rId3">
+              <a:extLst>
+                <a:ext uri="{28A0092B-C50C-407E-A947-70E740481C1C}">
+                  <a14:useLocalDpi xmlns:a14="http://schemas.microsoft.com/office/drawing/2010/main" val="0"/>
+                </a:ext>
+              </a:extLst>
+            </a:blip>
+            <a:srcRect/>
+            <a:stretch>
+              <a:fillRect/>
+            </a:stretch>
+          </p:blipFill>
+          <p:spPr bwMode="auto">
+            <a:xfrm>
+              <a:off x="17819664" y="12978623"/>
+              <a:ext cx="23796331" cy="10042489"/>
+            </a:xfrm>
+            <a:prstGeom prst="rect">
+              <a:avLst/>
+            </a:prstGeom>
+            <a:noFill/>
+            <a:extLst>
+              <a:ext uri="{909E8E84-426E-40DD-AFC4-6F175D3DCCD1}">
+                <a14:hiddenFill xmlns:a14="http://schemas.microsoft.com/office/drawing/2010/main">
+                  <a:solidFill>
+                    <a:srgbClr val="FFFFFF"/>
+                  </a:solidFill>
+                </a14:hiddenFill>
+              </a:ext>
+            </a:extLst>
+          </p:spPr>
+        </p:pic>
+      </p:grpSp>
+    </p:spTree>
+    <p:extLst>
+      <p:ext uri="{BB962C8B-B14F-4D97-AF65-F5344CB8AC3E}">
+        <p14:creationId xmlns:p14="http://schemas.microsoft.com/office/powerpoint/2010/main" val="3535508444"/>
+      </p:ext>
+    </p:extLst>
+  </p:cSld>
+  <p:clrMapOvr>
+    <a:masterClrMapping/>
+  </p:clrMapOvr>
+</p:sld>
+</file>
+
+<file path=ppt/slides/slide4.xml><?xml version="1.0" encoding="utf-8"?>
+<p:sld xmlns:a="http://schemas.openxmlformats.org/drawingml/2006/main" xmlns:r="http://schemas.openxmlformats.org/officeDocument/2006/relationships" xmlns:p="http://schemas.openxmlformats.org/presentationml/2006/main">
+  <p:cSld>
+    <p:spTree>
+      <p:nvGrpSpPr>
+        <p:cNvPr id="1" name=""/>
+        <p:cNvGrpSpPr/>
+        <p:nvPr/>
+      </p:nvGrpSpPr>
+      <p:grpSpPr>
+        <a:xfrm>
+          <a:off x="0" y="0"/>
+          <a:ext cx="0" cy="0"/>
+          <a:chOff x="0" y="0"/>
+          <a:chExt cx="0" cy="0"/>
+        </a:xfrm>
+      </p:grpSpPr>
+    </p:spTree>
+    <p:extLst>
+      <p:ext uri="{BB962C8B-B14F-4D97-AF65-F5344CB8AC3E}">
+        <p14:creationId xmlns:p14="http://schemas.microsoft.com/office/powerpoint/2010/main" val="2877168354"/>
+      </p:ext>
+    </p:extLst>
+  </p:cSld>
+  <p:clrMapOvr>
+    <a:masterClrMapping/>
+  </p:clrMapOvr>
+</p:sld>
+</file>
+
 <file path=ppt/theme/theme1.xml><?xml version="1.0" encoding="utf-8"?>
 <a:theme xmlns:a="http://schemas.openxmlformats.org/drawingml/2006/main" name="Office Theme">
   <a:themeElements>

--- a/design_ppt/about.pptx
+++ b/design_ppt/about.pptx
@@ -4725,6 +4725,420 @@
           <a:chExt cx="0" cy="0"/>
         </a:xfrm>
       </p:grpSpPr>
+      <p:grpSp>
+        <p:nvGrpSpPr>
+          <p:cNvPr id="6" name="Group 5">
+            <a:extLst>
+              <a:ext uri="{FF2B5EF4-FFF2-40B4-BE49-F238E27FC236}">
+                <a16:creationId xmlns:a16="http://schemas.microsoft.com/office/drawing/2014/main" id="{ED2B0B38-1CE3-2B4E-88A0-1222C65846B4}"/>
+              </a:ext>
+            </a:extLst>
+          </p:cNvPr>
+          <p:cNvGrpSpPr/>
+          <p:nvPr/>
+        </p:nvGrpSpPr>
+        <p:grpSpPr>
+          <a:xfrm>
+            <a:off x="428785" y="13327856"/>
+            <a:ext cx="44141703" cy="11467683"/>
+            <a:chOff x="428785" y="13327856"/>
+            <a:chExt cx="44141703" cy="11467683"/>
+          </a:xfrm>
+        </p:grpSpPr>
+        <p:grpSp>
+          <p:nvGrpSpPr>
+            <p:cNvPr id="2" name="Group 1" descr="CCC">
+              <a:extLst>
+                <a:ext uri="{FF2B5EF4-FFF2-40B4-BE49-F238E27FC236}">
+                  <a16:creationId xmlns:a16="http://schemas.microsoft.com/office/drawing/2014/main" id="{9B8DAA8C-D486-BF43-AD9B-8B78FA5CBBC2}"/>
+                </a:ext>
+              </a:extLst>
+            </p:cNvPr>
+            <p:cNvGrpSpPr/>
+            <p:nvPr/>
+          </p:nvGrpSpPr>
+          <p:grpSpPr>
+            <a:xfrm>
+              <a:off x="428785" y="13327856"/>
+              <a:ext cx="44141703" cy="9344025"/>
+              <a:chOff x="526098" y="15344775"/>
+              <a:chExt cx="25438100" cy="5384800"/>
+            </a:xfrm>
+          </p:grpSpPr>
+          <p:pic>
+            <p:nvPicPr>
+              <p:cNvPr id="2050" name="Picture 2">
+                <a:extLst>
+                  <a:ext uri="{FF2B5EF4-FFF2-40B4-BE49-F238E27FC236}">
+                    <a16:creationId xmlns:a16="http://schemas.microsoft.com/office/drawing/2014/main" id="{7AF12462-EDF4-5A42-91A0-6D7C5F4C06F1}"/>
+                  </a:ext>
+                </a:extLst>
+              </p:cNvPr>
+              <p:cNvPicPr>
+                <a:picLocks noChangeAspect="1" noChangeArrowheads="1"/>
+              </p:cNvPicPr>
+              <p:nvPr/>
+            </p:nvPicPr>
+            <p:blipFill>
+              <a:blip r:embed="rId2">
+                <a:extLst>
+                  <a:ext uri="{28A0092B-C50C-407E-A947-70E740481C1C}">
+                    <a14:useLocalDpi xmlns:a14="http://schemas.microsoft.com/office/drawing/2010/main" val="0"/>
+                  </a:ext>
+                </a:extLst>
+              </a:blip>
+              <a:srcRect/>
+              <a:stretch>
+                <a:fillRect/>
+              </a:stretch>
+            </p:blipFill>
+            <p:spPr bwMode="auto">
+              <a:xfrm>
+                <a:off x="526098" y="15344775"/>
+                <a:ext cx="5359400" cy="5308600"/>
+              </a:xfrm>
+              <a:prstGeom prst="rect">
+                <a:avLst/>
+              </a:prstGeom>
+              <a:noFill/>
+              <a:extLst>
+                <a:ext uri="{909E8E84-426E-40DD-AFC4-6F175D3DCCD1}">
+                  <a14:hiddenFill xmlns:a14="http://schemas.microsoft.com/office/drawing/2010/main">
+                    <a:solidFill>
+                      <a:srgbClr val="FFFFFF"/>
+                    </a:solidFill>
+                  </a14:hiddenFill>
+                </a:ext>
+              </a:extLst>
+            </p:spPr>
+          </p:pic>
+          <p:pic>
+            <p:nvPicPr>
+              <p:cNvPr id="2052" name="Picture 4">
+                <a:extLst>
+                  <a:ext uri="{FF2B5EF4-FFF2-40B4-BE49-F238E27FC236}">
+                    <a16:creationId xmlns:a16="http://schemas.microsoft.com/office/drawing/2014/main" id="{47DF3CD7-F919-D445-8C14-053ED3A78232}"/>
+                  </a:ext>
+                </a:extLst>
+              </p:cNvPr>
+              <p:cNvPicPr>
+                <a:picLocks noChangeAspect="1" noChangeArrowheads="1"/>
+              </p:cNvPicPr>
+              <p:nvPr/>
+            </p:nvPicPr>
+            <p:blipFill>
+              <a:blip r:embed="rId3">
+                <a:extLst>
+                  <a:ext uri="{28A0092B-C50C-407E-A947-70E740481C1C}">
+                    <a14:useLocalDpi xmlns:a14="http://schemas.microsoft.com/office/drawing/2010/main" val="0"/>
+                  </a:ext>
+                </a:extLst>
+              </a:blip>
+              <a:srcRect/>
+              <a:stretch>
+                <a:fillRect/>
+              </a:stretch>
+            </p:blipFill>
+            <p:spPr bwMode="auto">
+              <a:xfrm>
+                <a:off x="20604798" y="15344775"/>
+                <a:ext cx="5359400" cy="5308600"/>
+              </a:xfrm>
+              <a:prstGeom prst="rect">
+                <a:avLst/>
+              </a:prstGeom>
+              <a:noFill/>
+              <a:extLst>
+                <a:ext uri="{909E8E84-426E-40DD-AFC4-6F175D3DCCD1}">
+                  <a14:hiddenFill xmlns:a14="http://schemas.microsoft.com/office/drawing/2010/main">
+                    <a:solidFill>
+                      <a:srgbClr val="FFFFFF"/>
+                    </a:solidFill>
+                  </a14:hiddenFill>
+                </a:ext>
+              </a:extLst>
+            </p:spPr>
+          </p:pic>
+          <p:pic>
+            <p:nvPicPr>
+              <p:cNvPr id="2054" name="Picture 6">
+                <a:extLst>
+                  <a:ext uri="{FF2B5EF4-FFF2-40B4-BE49-F238E27FC236}">
+                    <a16:creationId xmlns:a16="http://schemas.microsoft.com/office/drawing/2014/main" id="{F6FE31DA-207A-6549-957D-3458D754D4E4}"/>
+                  </a:ext>
+                </a:extLst>
+              </p:cNvPr>
+              <p:cNvPicPr>
+                <a:picLocks noChangeAspect="1" noChangeArrowheads="1"/>
+              </p:cNvPicPr>
+              <p:nvPr/>
+            </p:nvPicPr>
+            <p:blipFill>
+              <a:blip r:embed="rId4">
+                <a:extLst>
+                  <a:ext uri="{28A0092B-C50C-407E-A947-70E740481C1C}">
+                    <a14:useLocalDpi xmlns:a14="http://schemas.microsoft.com/office/drawing/2010/main" val="0"/>
+                  </a:ext>
+                </a:extLst>
+              </a:blip>
+              <a:srcRect/>
+              <a:stretch>
+                <a:fillRect/>
+              </a:stretch>
+            </p:blipFill>
+            <p:spPr bwMode="auto">
+              <a:xfrm>
+                <a:off x="7218998" y="15344775"/>
+                <a:ext cx="5232400" cy="5308600"/>
+              </a:xfrm>
+              <a:prstGeom prst="rect">
+                <a:avLst/>
+              </a:prstGeom>
+              <a:noFill/>
+              <a:extLst>
+                <a:ext uri="{909E8E84-426E-40DD-AFC4-6F175D3DCCD1}">
+                  <a14:hiddenFill xmlns:a14="http://schemas.microsoft.com/office/drawing/2010/main">
+                    <a:solidFill>
+                      <a:srgbClr val="FFFFFF"/>
+                    </a:solidFill>
+                  </a14:hiddenFill>
+                </a:ext>
+              </a:extLst>
+            </p:spPr>
+          </p:pic>
+          <p:pic>
+            <p:nvPicPr>
+              <p:cNvPr id="2060" name="Picture 12">
+                <a:extLst>
+                  <a:ext uri="{FF2B5EF4-FFF2-40B4-BE49-F238E27FC236}">
+                    <a16:creationId xmlns:a16="http://schemas.microsoft.com/office/drawing/2014/main" id="{A82187FC-8674-EF4D-A765-595771FADA3C}"/>
+                  </a:ext>
+                </a:extLst>
+              </p:cNvPr>
+              <p:cNvPicPr>
+                <a:picLocks noChangeAspect="1" noChangeArrowheads="1"/>
+              </p:cNvPicPr>
+              <p:nvPr/>
+            </p:nvPicPr>
+            <p:blipFill>
+              <a:blip r:embed="rId5">
+                <a:extLst>
+                  <a:ext uri="{28A0092B-C50C-407E-A947-70E740481C1C}">
+                    <a14:useLocalDpi xmlns:a14="http://schemas.microsoft.com/office/drawing/2010/main" val="0"/>
+                  </a:ext>
+                </a:extLst>
+              </a:blip>
+              <a:srcRect/>
+              <a:stretch>
+                <a:fillRect/>
+              </a:stretch>
+            </p:blipFill>
+            <p:spPr bwMode="auto">
+              <a:xfrm>
+                <a:off x="13784898" y="15344775"/>
+                <a:ext cx="5486400" cy="5384800"/>
+              </a:xfrm>
+              <a:prstGeom prst="rect">
+                <a:avLst/>
+              </a:prstGeom>
+              <a:noFill/>
+              <a:extLst>
+                <a:ext uri="{909E8E84-426E-40DD-AFC4-6F175D3DCCD1}">
+                  <a14:hiddenFill xmlns:a14="http://schemas.microsoft.com/office/drawing/2010/main">
+                    <a:solidFill>
+                      <a:srgbClr val="FFFFFF"/>
+                    </a:solidFill>
+                  </a14:hiddenFill>
+                </a:ext>
+              </a:extLst>
+            </p:spPr>
+          </p:pic>
+        </p:grpSp>
+        <p:sp>
+          <p:nvSpPr>
+            <p:cNvPr id="3" name="TextBox 2">
+              <a:extLst>
+                <a:ext uri="{FF2B5EF4-FFF2-40B4-BE49-F238E27FC236}">
+                  <a16:creationId xmlns:a16="http://schemas.microsoft.com/office/drawing/2014/main" id="{C5CBC06E-EB06-3D4B-AD30-C0330A2D4DBE}"/>
+                </a:ext>
+              </a:extLst>
+            </p:cNvPr>
+            <p:cNvSpPr txBox="1"/>
+            <p:nvPr/>
+          </p:nvSpPr>
+          <p:spPr>
+            <a:xfrm>
+              <a:off x="1620120" y="22671881"/>
+              <a:ext cx="6917278" cy="2123658"/>
+            </a:xfrm>
+            <a:prstGeom prst="rect">
+              <a:avLst/>
+            </a:prstGeom>
+            <a:noFill/>
+          </p:spPr>
+          <p:txBody>
+            <a:bodyPr wrap="none" rtlCol="0">
+              <a:spAutoFit/>
+            </a:bodyPr>
+            <a:lstStyle/>
+            <a:p>
+              <a:pPr algn="ctr"/>
+              <a:r>
+                <a:rPr lang="en-TH" sz="6600" dirty="0">
+                  <a:latin typeface="Quicksand" pitchFamily="2" charset="77"/>
+                </a:rPr>
+                <a:t>Atopic Dermatitis</a:t>
+              </a:r>
+            </a:p>
+            <a:p>
+              <a:pPr algn="ctr"/>
+              <a:r>
+                <a:rPr lang="en-TH" sz="6600" dirty="0">
+                  <a:latin typeface="Quicksand" pitchFamily="2" charset="77"/>
+                </a:rPr>
+                <a:t>(AD)</a:t>
+              </a:r>
+            </a:p>
+          </p:txBody>
+        </p:sp>
+        <p:sp>
+          <p:nvSpPr>
+            <p:cNvPr id="5" name="Rectangle 4">
+              <a:extLst>
+                <a:ext uri="{FF2B5EF4-FFF2-40B4-BE49-F238E27FC236}">
+                  <a16:creationId xmlns:a16="http://schemas.microsoft.com/office/drawing/2014/main" id="{DB53AB50-4D38-784F-AF18-3729AD20627D}"/>
+                </a:ext>
+              </a:extLst>
+            </p:cNvPr>
+            <p:cNvSpPr/>
+            <p:nvPr/>
+          </p:nvSpPr>
+          <p:spPr>
+            <a:xfrm>
+              <a:off x="24439571" y="22671881"/>
+              <a:ext cx="8516999" cy="2123658"/>
+            </a:xfrm>
+            <a:prstGeom prst="rect">
+              <a:avLst/>
+            </a:prstGeom>
+          </p:spPr>
+          <p:txBody>
+            <a:bodyPr wrap="square">
+              <a:spAutoFit/>
+            </a:bodyPr>
+            <a:lstStyle/>
+            <a:p>
+              <a:pPr lvl="0" algn="ctr"/>
+              <a:r>
+                <a:rPr lang="en-US" sz="6600" dirty="0">
+                  <a:solidFill>
+                    <a:prstClr val="black"/>
+                  </a:solidFill>
+                  <a:latin typeface="Quicksand" pitchFamily="2" charset="77"/>
+                </a:rPr>
+                <a:t>Seborrheic Keratosis (SK)</a:t>
+              </a:r>
+            </a:p>
+          </p:txBody>
+        </p:sp>
+        <p:sp>
+          <p:nvSpPr>
+            <p:cNvPr id="12" name="TextBox 11">
+              <a:extLst>
+                <a:ext uri="{FF2B5EF4-FFF2-40B4-BE49-F238E27FC236}">
+                  <a16:creationId xmlns:a16="http://schemas.microsoft.com/office/drawing/2014/main" id="{BDD63665-AF4E-B541-81C5-D672F8DDBD49}"/>
+                </a:ext>
+              </a:extLst>
+            </p:cNvPr>
+            <p:cNvSpPr txBox="1"/>
+            <p:nvPr/>
+          </p:nvSpPr>
+          <p:spPr>
+            <a:xfrm>
+              <a:off x="37446923" y="22671881"/>
+              <a:ext cx="4947188" cy="2123658"/>
+            </a:xfrm>
+            <a:prstGeom prst="rect">
+              <a:avLst/>
+            </a:prstGeom>
+            <a:noFill/>
+          </p:spPr>
+          <p:txBody>
+            <a:bodyPr wrap="none" rtlCol="0">
+              <a:spAutoFit/>
+            </a:bodyPr>
+            <a:lstStyle/>
+            <a:p>
+              <a:pPr algn="ctr"/>
+              <a:r>
+                <a:rPr lang="en-TH" sz="6600" dirty="0">
+                  <a:latin typeface="Quicksand" pitchFamily="2" charset="77"/>
+                </a:rPr>
+                <a:t>Normal Skin</a:t>
+              </a:r>
+            </a:p>
+            <a:p>
+              <a:pPr algn="ctr"/>
+              <a:r>
+                <a:rPr lang="en-TH" sz="6600" dirty="0">
+                  <a:latin typeface="Quicksand" pitchFamily="2" charset="77"/>
+                </a:rPr>
+                <a:t>(NM)</a:t>
+              </a:r>
+            </a:p>
+          </p:txBody>
+        </p:sp>
+        <p:sp>
+          <p:nvSpPr>
+            <p:cNvPr id="13" name="TextBox 12">
+              <a:extLst>
+                <a:ext uri="{FF2B5EF4-FFF2-40B4-BE49-F238E27FC236}">
+                  <a16:creationId xmlns:a16="http://schemas.microsoft.com/office/drawing/2014/main" id="{46CC7C09-FD7D-064A-B9F7-2B4564111659}"/>
+                </a:ext>
+              </a:extLst>
+            </p:cNvPr>
+            <p:cNvSpPr txBox="1"/>
+            <p:nvPr/>
+          </p:nvSpPr>
+          <p:spPr>
+            <a:xfrm>
+              <a:off x="14671550" y="22671881"/>
+              <a:ext cx="3821879" cy="2123658"/>
+            </a:xfrm>
+            <a:prstGeom prst="rect">
+              <a:avLst/>
+            </a:prstGeom>
+            <a:noFill/>
+          </p:spPr>
+          <p:txBody>
+            <a:bodyPr wrap="none" rtlCol="0">
+              <a:spAutoFit/>
+            </a:bodyPr>
+            <a:lstStyle/>
+            <a:p>
+              <a:pPr algn="ctr"/>
+              <a:r>
+                <a:rPr lang="en-US" sz="6600" dirty="0">
+                  <a:latin typeface="Quicksand" pitchFamily="2" charset="77"/>
+                </a:rPr>
+                <a:t>Psoriasis </a:t>
+              </a:r>
+            </a:p>
+            <a:p>
+              <a:pPr algn="ctr"/>
+              <a:r>
+                <a:rPr lang="en-US" sz="6600" dirty="0">
+                  <a:latin typeface="Quicksand" pitchFamily="2" charset="77"/>
+                </a:rPr>
+                <a:t>[PS]</a:t>
+              </a:r>
+              <a:endParaRPr lang="en-TH" sz="6600" dirty="0">
+                <a:latin typeface="Quicksand" pitchFamily="2" charset="77"/>
+              </a:endParaRPr>
+            </a:p>
+          </p:txBody>
+        </p:sp>
+      </p:grpSp>
     </p:spTree>
     <p:extLst>
       <p:ext uri="{BB962C8B-B14F-4D97-AF65-F5344CB8AC3E}">

--- a/design_ppt/about.pptx
+++ b/design_ppt/about.pptx
@@ -4035,7 +4035,7 @@
             <a:p>
               <a:pPr algn="ctr"/>
               <a:r>
-                <a:rPr lang="en-TH" sz="8000" dirty="0">
+                <a:rPr lang="en-TH" sz="7200" dirty="0">
                   <a:solidFill>
                     <a:schemeClr val="bg2">
                       <a:lumMod val="25000"/>
@@ -4049,7 +4049,7 @@
             <a:p>
               <a:pPr algn="ctr"/>
               <a:r>
-                <a:rPr lang="en-TH" sz="8000" dirty="0">
+                <a:rPr lang="en-TH" sz="7200" dirty="0">
                   <a:solidFill>
                     <a:schemeClr val="bg2">
                       <a:lumMod val="25000"/>
@@ -4063,7 +4063,7 @@
             <a:p>
               <a:pPr algn="ctr"/>
               <a:r>
-                <a:rPr lang="en-TH" sz="8000" dirty="0">
+                <a:rPr lang="en-TH" sz="7200" dirty="0">
                   <a:solidFill>
                     <a:schemeClr val="bg2">
                       <a:lumMod val="25000"/>

--- a/design_ppt/about.pptx
+++ b/design_ppt/about.pptx
@@ -246,7 +246,7 @@
           <a:p>
             <a:fld id="{C933B1C8-C2C6-D747-81FE-3958459B1B96}" type="datetimeFigureOut">
               <a:rPr lang="en-TH" smtClean="0"/>
-              <a:t>11/11/2020 R</a:t>
+              <a:t>26/2/2021 R</a:t>
             </a:fld>
             <a:endParaRPr lang="en-TH"/>
           </a:p>
@@ -416,7 +416,7 @@
           <a:p>
             <a:fld id="{C933B1C8-C2C6-D747-81FE-3958459B1B96}" type="datetimeFigureOut">
               <a:rPr lang="en-TH" smtClean="0"/>
-              <a:t>11/11/2020 R</a:t>
+              <a:t>26/2/2021 R</a:t>
             </a:fld>
             <a:endParaRPr lang="en-TH"/>
           </a:p>
@@ -596,7 +596,7 @@
           <a:p>
             <a:fld id="{C933B1C8-C2C6-D747-81FE-3958459B1B96}" type="datetimeFigureOut">
               <a:rPr lang="en-TH" smtClean="0"/>
-              <a:t>11/11/2020 R</a:t>
+              <a:t>26/2/2021 R</a:t>
             </a:fld>
             <a:endParaRPr lang="en-TH"/>
           </a:p>
@@ -766,7 +766,7 @@
           <a:p>
             <a:fld id="{C933B1C8-C2C6-D747-81FE-3958459B1B96}" type="datetimeFigureOut">
               <a:rPr lang="en-TH" smtClean="0"/>
-              <a:t>11/11/2020 R</a:t>
+              <a:t>26/2/2021 R</a:t>
             </a:fld>
             <a:endParaRPr lang="en-TH"/>
           </a:p>
@@ -1010,7 +1010,7 @@
           <a:p>
             <a:fld id="{C933B1C8-C2C6-D747-81FE-3958459B1B96}" type="datetimeFigureOut">
               <a:rPr lang="en-TH" smtClean="0"/>
-              <a:t>11/11/2020 R</a:t>
+              <a:t>26/2/2021 R</a:t>
             </a:fld>
             <a:endParaRPr lang="en-TH"/>
           </a:p>
@@ -1242,7 +1242,7 @@
           <a:p>
             <a:fld id="{C933B1C8-C2C6-D747-81FE-3958459B1B96}" type="datetimeFigureOut">
               <a:rPr lang="en-TH" smtClean="0"/>
-              <a:t>11/11/2020 R</a:t>
+              <a:t>26/2/2021 R</a:t>
             </a:fld>
             <a:endParaRPr lang="en-TH"/>
           </a:p>
@@ -1609,7 +1609,7 @@
           <a:p>
             <a:fld id="{C933B1C8-C2C6-D747-81FE-3958459B1B96}" type="datetimeFigureOut">
               <a:rPr lang="en-TH" smtClean="0"/>
-              <a:t>11/11/2020 R</a:t>
+              <a:t>26/2/2021 R</a:t>
             </a:fld>
             <a:endParaRPr lang="en-TH"/>
           </a:p>
@@ -1727,7 +1727,7 @@
           <a:p>
             <a:fld id="{C933B1C8-C2C6-D747-81FE-3958459B1B96}" type="datetimeFigureOut">
               <a:rPr lang="en-TH" smtClean="0"/>
-              <a:t>11/11/2020 R</a:t>
+              <a:t>26/2/2021 R</a:t>
             </a:fld>
             <a:endParaRPr lang="en-TH"/>
           </a:p>
@@ -1822,7 +1822,7 @@
           <a:p>
             <a:fld id="{C933B1C8-C2C6-D747-81FE-3958459B1B96}" type="datetimeFigureOut">
               <a:rPr lang="en-TH" smtClean="0"/>
-              <a:t>11/11/2020 R</a:t>
+              <a:t>26/2/2021 R</a:t>
             </a:fld>
             <a:endParaRPr lang="en-TH"/>
           </a:p>
@@ -2099,7 +2099,7 @@
           <a:p>
             <a:fld id="{C933B1C8-C2C6-D747-81FE-3958459B1B96}" type="datetimeFigureOut">
               <a:rPr lang="en-TH" smtClean="0"/>
-              <a:t>11/11/2020 R</a:t>
+              <a:t>26/2/2021 R</a:t>
             </a:fld>
             <a:endParaRPr lang="en-TH"/>
           </a:p>
@@ -2356,7 +2356,7 @@
           <a:p>
             <a:fld id="{C933B1C8-C2C6-D747-81FE-3958459B1B96}" type="datetimeFigureOut">
               <a:rPr lang="en-TH" smtClean="0"/>
-              <a:t>11/11/2020 R</a:t>
+              <a:t>26/2/2021 R</a:t>
             </a:fld>
             <a:endParaRPr lang="en-TH"/>
           </a:p>
@@ -2569,7 +2569,7 @@
           <a:p>
             <a:fld id="{C933B1C8-C2C6-D747-81FE-3958459B1B96}" type="datetimeFigureOut">
               <a:rPr lang="en-TH" smtClean="0"/>
-              <a:t>11/11/2020 R</a:t>
+              <a:t>26/2/2021 R</a:t>
             </a:fld>
             <a:endParaRPr lang="en-TH"/>
           </a:p>
@@ -4580,121 +4580,128 @@
           <a:chExt cx="0" cy="0"/>
         </a:xfrm>
       </p:grpSpPr>
-      <p:grpSp>
-        <p:nvGrpSpPr>
-          <p:cNvPr id="2" name="Group 1">
+      <p:pic>
+        <p:nvPicPr>
+          <p:cNvPr id="1028" name="Picture 4">
             <a:extLst>
               <a:ext uri="{FF2B5EF4-FFF2-40B4-BE49-F238E27FC236}">
-                <a16:creationId xmlns:a16="http://schemas.microsoft.com/office/drawing/2014/main" id="{2F2CB6B1-6D6F-1F43-8058-8284AC3BCC03}"/>
+                <a16:creationId xmlns:a16="http://schemas.microsoft.com/office/drawing/2014/main" id="{DB657B4B-38E1-B749-A712-49D0EDAEA5FB}"/>
               </a:ext>
             </a:extLst>
           </p:cNvPr>
-          <p:cNvGrpSpPr/>
+          <p:cNvPicPr>
+            <a:picLocks noChangeAspect="1" noChangeArrowheads="1"/>
+          </p:cNvPicPr>
           <p:nvPr/>
-        </p:nvGrpSpPr>
-        <p:grpSpPr>
-          <a:xfrm>
-            <a:off x="3383279" y="12328234"/>
-            <a:ext cx="38232715" cy="11343269"/>
-            <a:chOff x="3383280" y="12328234"/>
-            <a:chExt cx="38232715" cy="11343269"/>
-          </a:xfrm>
-        </p:grpSpPr>
-        <p:pic>
-          <p:nvPicPr>
-            <p:cNvPr id="1026" name="Picture 2">
-              <a:extLst>
-                <a:ext uri="{FF2B5EF4-FFF2-40B4-BE49-F238E27FC236}">
-                  <a16:creationId xmlns:a16="http://schemas.microsoft.com/office/drawing/2014/main" id="{95A8EC0F-B9F9-6342-8343-2AD223E8E66F}"/>
-                </a:ext>
-              </a:extLst>
-            </p:cNvPr>
-            <p:cNvPicPr>
-              <a:picLocks noChangeAspect="1" noChangeArrowheads="1"/>
-            </p:cNvPicPr>
-            <p:nvPr/>
-          </p:nvPicPr>
-          <p:blipFill>
-            <a:blip r:embed="rId2">
-              <a:extLst>
-                <a:ext uri="{28A0092B-C50C-407E-A947-70E740481C1C}">
-                  <a14:useLocalDpi xmlns:a14="http://schemas.microsoft.com/office/drawing/2010/main" val="0"/>
-                </a:ext>
-              </a:extLst>
-            </a:blip>
-            <a:srcRect/>
-            <a:stretch>
-              <a:fillRect/>
-            </a:stretch>
-          </p:blipFill>
-          <p:spPr bwMode="auto">
-            <a:xfrm>
-              <a:off x="3383280" y="12328234"/>
-              <a:ext cx="13029430" cy="11343269"/>
-            </a:xfrm>
-            <a:prstGeom prst="rect">
-              <a:avLst/>
-            </a:prstGeom>
-            <a:noFill/>
+        </p:nvPicPr>
+        <p:blipFill>
+          <a:blip r:embed="rId2">
             <a:extLst>
-              <a:ext uri="{909E8E84-426E-40DD-AFC4-6F175D3DCCD1}">
-                <a14:hiddenFill xmlns:a14="http://schemas.microsoft.com/office/drawing/2010/main">
-                  <a:solidFill>
-                    <a:srgbClr val="FFFFFF"/>
-                  </a:solidFill>
-                </a14:hiddenFill>
+              <a:ext uri="{28A0092B-C50C-407E-A947-70E740481C1C}">
+                <a14:useLocalDpi xmlns:a14="http://schemas.microsoft.com/office/drawing/2010/main" val="0"/>
               </a:ext>
             </a:extLst>
-          </p:spPr>
-        </p:pic>
-        <p:pic>
-          <p:nvPicPr>
-            <p:cNvPr id="1028" name="Picture 4">
-              <a:extLst>
-                <a:ext uri="{FF2B5EF4-FFF2-40B4-BE49-F238E27FC236}">
-                  <a16:creationId xmlns:a16="http://schemas.microsoft.com/office/drawing/2014/main" id="{DB657B4B-38E1-B749-A712-49D0EDAEA5FB}"/>
-                </a:ext>
-              </a:extLst>
-            </p:cNvPr>
-            <p:cNvPicPr>
-              <a:picLocks noChangeAspect="1" noChangeArrowheads="1"/>
-            </p:cNvPicPr>
-            <p:nvPr/>
-          </p:nvPicPr>
-          <p:blipFill>
-            <a:blip r:embed="rId3">
-              <a:extLst>
-                <a:ext uri="{28A0092B-C50C-407E-A947-70E740481C1C}">
-                  <a14:useLocalDpi xmlns:a14="http://schemas.microsoft.com/office/drawing/2010/main" val="0"/>
-                </a:ext>
-              </a:extLst>
-            </a:blip>
-            <a:srcRect/>
-            <a:stretch>
-              <a:fillRect/>
-            </a:stretch>
-          </p:blipFill>
-          <p:spPr bwMode="auto">
-            <a:xfrm>
-              <a:off x="17819664" y="12978623"/>
-              <a:ext cx="23796331" cy="10042489"/>
-            </a:xfrm>
-            <a:prstGeom prst="rect">
-              <a:avLst/>
-            </a:prstGeom>
-            <a:noFill/>
+          </a:blip>
+          <a:srcRect/>
+          <a:stretch>
+            <a:fillRect/>
+          </a:stretch>
+        </p:blipFill>
+        <p:spPr bwMode="auto">
+          <a:xfrm>
+            <a:off x="17819663" y="12978623"/>
+            <a:ext cx="23796331" cy="10042489"/>
+          </a:xfrm>
+          <a:prstGeom prst="rect">
+            <a:avLst/>
+          </a:prstGeom>
+          <a:noFill/>
+          <a:extLst>
+            <a:ext uri="{909E8E84-426E-40DD-AFC4-6F175D3DCCD1}">
+              <a14:hiddenFill xmlns:a14="http://schemas.microsoft.com/office/drawing/2010/main">
+                <a:solidFill>
+                  <a:srgbClr val="FFFFFF"/>
+                </a:solidFill>
+              </a14:hiddenFill>
+            </a:ext>
+          </a:extLst>
+        </p:spPr>
+      </p:pic>
+      <p:pic>
+        <p:nvPicPr>
+          <p:cNvPr id="6" name="Picture 5" descr="Table&#10;&#10;Description automatically generated">
             <a:extLst>
-              <a:ext uri="{909E8E84-426E-40DD-AFC4-6F175D3DCCD1}">
-                <a14:hiddenFill xmlns:a14="http://schemas.microsoft.com/office/drawing/2010/main">
-                  <a:solidFill>
-                    <a:srgbClr val="FFFFFF"/>
-                  </a:solidFill>
-                </a14:hiddenFill>
+              <a:ext uri="{FF2B5EF4-FFF2-40B4-BE49-F238E27FC236}">
+                <a16:creationId xmlns:a16="http://schemas.microsoft.com/office/drawing/2014/main" id="{19A5EC6A-6456-3B4A-895F-8DD20C967022}"/>
               </a:ext>
             </a:extLst>
-          </p:spPr>
-        </p:pic>
-      </p:grpSp>
+          </p:cNvPr>
+          <p:cNvPicPr/>
+          <p:nvPr/>
+        </p:nvPicPr>
+        <p:blipFill>
+          <a:blip r:embed="rId3"/>
+          <a:stretch>
+            <a:fillRect/>
+          </a:stretch>
+        </p:blipFill>
+        <p:spPr>
+          <a:xfrm>
+            <a:off x="17428683" y="12328234"/>
+            <a:ext cx="26666373" cy="11343269"/>
+          </a:xfrm>
+          <a:prstGeom prst="rect">
+            <a:avLst/>
+          </a:prstGeom>
+        </p:spPr>
+      </p:pic>
+      <p:pic>
+        <p:nvPicPr>
+          <p:cNvPr id="3" name="Picture 2">
+            <a:extLst>
+              <a:ext uri="{FF2B5EF4-FFF2-40B4-BE49-F238E27FC236}">
+                <a16:creationId xmlns:a16="http://schemas.microsoft.com/office/drawing/2014/main" id="{AA6E3D08-689B-0D40-BDC4-AFD1FBA6B844}"/>
+              </a:ext>
+            </a:extLst>
+          </p:cNvPr>
+          <p:cNvPicPr>
+            <a:picLocks noChangeAspect="1" noChangeArrowheads="1"/>
+          </p:cNvPicPr>
+          <p:nvPr/>
+        </p:nvPicPr>
+        <p:blipFill>
+          <a:blip r:embed="rId4">
+            <a:extLst>
+              <a:ext uri="{28A0092B-C50C-407E-A947-70E740481C1C}">
+                <a14:useLocalDpi xmlns:a14="http://schemas.microsoft.com/office/drawing/2010/main" val="0"/>
+              </a:ext>
+            </a:extLst>
+          </a:blip>
+          <a:srcRect/>
+          <a:stretch>
+            <a:fillRect/>
+          </a:stretch>
+        </p:blipFill>
+        <p:spPr bwMode="auto">
+          <a:xfrm>
+            <a:off x="904219" y="11472468"/>
+            <a:ext cx="15212081" cy="13479059"/>
+          </a:xfrm>
+          <a:prstGeom prst="rect">
+            <a:avLst/>
+          </a:prstGeom>
+          <a:noFill/>
+          <a:extLst>
+            <a:ext uri="{909E8E84-426E-40DD-AFC4-6F175D3DCCD1}">
+              <a14:hiddenFill xmlns:a14="http://schemas.microsoft.com/office/drawing/2010/main">
+                <a:solidFill>
+                  <a:srgbClr val="FFFFFF"/>
+                </a:solidFill>
+              </a14:hiddenFill>
+            </a:ext>
+          </a:extLst>
+        </p:spPr>
+      </p:pic>
     </p:spTree>
     <p:extLst>
       <p:ext uri="{BB962C8B-B14F-4D97-AF65-F5344CB8AC3E}">
@@ -4727,10 +4734,10 @@
       </p:grpSpPr>
       <p:grpSp>
         <p:nvGrpSpPr>
-          <p:cNvPr id="6" name="Group 5">
+          <p:cNvPr id="4" name="Group 3">
             <a:extLst>
               <a:ext uri="{FF2B5EF4-FFF2-40B4-BE49-F238E27FC236}">
-                <a16:creationId xmlns:a16="http://schemas.microsoft.com/office/drawing/2014/main" id="{ED2B0B38-1CE3-2B4E-88A0-1222C65846B4}"/>
+                <a16:creationId xmlns:a16="http://schemas.microsoft.com/office/drawing/2014/main" id="{42C7DDDC-DCEF-F746-B0C1-ECEA750FD575}"/>
               </a:ext>
             </a:extLst>
           </p:cNvPr>
@@ -4739,18 +4746,18 @@
         </p:nvGrpSpPr>
         <p:grpSpPr>
           <a:xfrm>
-            <a:off x="428785" y="13327856"/>
-            <a:ext cx="44141703" cy="11467683"/>
-            <a:chOff x="428785" y="13327856"/>
-            <a:chExt cx="44141703" cy="11467683"/>
+            <a:off x="428789" y="13117960"/>
+            <a:ext cx="44141697" cy="11677579"/>
+            <a:chOff x="428789" y="13117960"/>
+            <a:chExt cx="44141697" cy="11677579"/>
           </a:xfrm>
         </p:grpSpPr>
         <p:grpSp>
           <p:nvGrpSpPr>
-            <p:cNvPr id="2" name="Group 1" descr="CCC">
+            <p:cNvPr id="6" name="Group 5">
               <a:extLst>
                 <a:ext uri="{FF2B5EF4-FFF2-40B4-BE49-F238E27FC236}">
-                  <a16:creationId xmlns:a16="http://schemas.microsoft.com/office/drawing/2014/main" id="{9B8DAA8C-D486-BF43-AD9B-8B78FA5CBBC2}"/>
+                  <a16:creationId xmlns:a16="http://schemas.microsoft.com/office/drawing/2014/main" id="{ED2B0B38-1CE3-2B4E-88A0-1222C65846B4}"/>
                 </a:ext>
               </a:extLst>
             </p:cNvPr>
@@ -4759,18 +4766,18 @@
           </p:nvGrpSpPr>
           <p:grpSpPr>
             <a:xfrm>
-              <a:off x="428785" y="13327856"/>
-              <a:ext cx="44141703" cy="9344025"/>
-              <a:chOff x="526098" y="15344775"/>
-              <a:chExt cx="25438100" cy="5384800"/>
+              <a:off x="1620120" y="13327855"/>
+              <a:ext cx="42950366" cy="11467684"/>
+              <a:chOff x="1620120" y="13327855"/>
+              <a:chExt cx="42950366" cy="11467684"/>
             </a:xfrm>
           </p:grpSpPr>
           <p:pic>
             <p:nvPicPr>
-              <p:cNvPr id="2050" name="Picture 2">
+              <p:cNvPr id="2052" name="Picture 4">
                 <a:extLst>
                   <a:ext uri="{FF2B5EF4-FFF2-40B4-BE49-F238E27FC236}">
-                    <a16:creationId xmlns:a16="http://schemas.microsoft.com/office/drawing/2014/main" id="{7AF12462-EDF4-5A42-91A0-6D7C5F4C06F1}"/>
+                    <a16:creationId xmlns:a16="http://schemas.microsoft.com/office/drawing/2014/main" id="{47DF3CD7-F919-D445-8C14-053ED3A78232}"/>
                   </a:ext>
                 </a:extLst>
               </p:cNvPr>
@@ -4794,8 +4801,8 @@
             </p:blipFill>
             <p:spPr bwMode="auto">
               <a:xfrm>
-                <a:off x="526098" y="15344775"/>
-                <a:ext cx="5359400" cy="5308600"/>
+                <a:off x="35270537" y="13327855"/>
+                <a:ext cx="9299949" cy="9211798"/>
               </a:xfrm>
               <a:prstGeom prst="rect">
                 <a:avLst/>
@@ -4812,332 +4819,283 @@
               </a:extLst>
             </p:spPr>
           </p:pic>
-          <p:pic>
-            <p:nvPicPr>
-              <p:cNvPr id="2052" name="Picture 4">
+          <p:sp>
+            <p:nvSpPr>
+              <p:cNvPr id="3" name="TextBox 2">
                 <a:extLst>
                   <a:ext uri="{FF2B5EF4-FFF2-40B4-BE49-F238E27FC236}">
-                    <a16:creationId xmlns:a16="http://schemas.microsoft.com/office/drawing/2014/main" id="{47DF3CD7-F919-D445-8C14-053ED3A78232}"/>
+                    <a16:creationId xmlns:a16="http://schemas.microsoft.com/office/drawing/2014/main" id="{C5CBC06E-EB06-3D4B-AD30-C0330A2D4DBE}"/>
                   </a:ext>
                 </a:extLst>
               </p:cNvPr>
-              <p:cNvPicPr>
-                <a:picLocks noChangeAspect="1" noChangeArrowheads="1"/>
-              </p:cNvPicPr>
+              <p:cNvSpPr txBox="1"/>
               <p:nvPr/>
-            </p:nvPicPr>
-            <p:blipFill>
-              <a:blip r:embed="rId3">
-                <a:extLst>
-                  <a:ext uri="{28A0092B-C50C-407E-A947-70E740481C1C}">
-                    <a14:useLocalDpi xmlns:a14="http://schemas.microsoft.com/office/drawing/2010/main" val="0"/>
-                  </a:ext>
-                </a:extLst>
-              </a:blip>
-              <a:srcRect/>
-              <a:stretch>
-                <a:fillRect/>
-              </a:stretch>
-            </p:blipFill>
-            <p:spPr bwMode="auto">
+            </p:nvSpPr>
+            <p:spPr>
               <a:xfrm>
-                <a:off x="20604798" y="15344775"/>
-                <a:ext cx="5359400" cy="5308600"/>
+                <a:off x="1620120" y="22671881"/>
+                <a:ext cx="6917278" cy="2123658"/>
               </a:xfrm>
               <a:prstGeom prst="rect">
                 <a:avLst/>
               </a:prstGeom>
               <a:noFill/>
-              <a:extLst>
-                <a:ext uri="{909E8E84-426E-40DD-AFC4-6F175D3DCCD1}">
-                  <a14:hiddenFill xmlns:a14="http://schemas.microsoft.com/office/drawing/2010/main">
-                    <a:solidFill>
-                      <a:srgbClr val="FFFFFF"/>
-                    </a:solidFill>
-                  </a14:hiddenFill>
-                </a:ext>
-              </a:extLst>
             </p:spPr>
-          </p:pic>
-          <p:pic>
-            <p:nvPicPr>
-              <p:cNvPr id="2054" name="Picture 6">
+            <p:txBody>
+              <a:bodyPr wrap="none" rtlCol="0">
+                <a:spAutoFit/>
+              </a:bodyPr>
+              <a:lstStyle/>
+              <a:p>
+                <a:pPr algn="ctr"/>
+                <a:r>
+                  <a:rPr lang="en-TH" sz="6600" dirty="0">
+                    <a:latin typeface="Quicksand" pitchFamily="2" charset="77"/>
+                  </a:rPr>
+                  <a:t>Atopic Dermatitis</a:t>
+                </a:r>
+              </a:p>
+              <a:p>
+                <a:pPr algn="ctr"/>
+                <a:r>
+                  <a:rPr lang="en-TH" sz="6600" dirty="0">
+                    <a:latin typeface="Quicksand" pitchFamily="2" charset="77"/>
+                  </a:rPr>
+                  <a:t>(AD)</a:t>
+                </a:r>
+              </a:p>
+            </p:txBody>
+          </p:sp>
+          <p:sp>
+            <p:nvSpPr>
+              <p:cNvPr id="5" name="Rectangle 4">
                 <a:extLst>
                   <a:ext uri="{FF2B5EF4-FFF2-40B4-BE49-F238E27FC236}">
-                    <a16:creationId xmlns:a16="http://schemas.microsoft.com/office/drawing/2014/main" id="{F6FE31DA-207A-6549-957D-3458D754D4E4}"/>
+                    <a16:creationId xmlns:a16="http://schemas.microsoft.com/office/drawing/2014/main" id="{DB53AB50-4D38-784F-AF18-3729AD20627D}"/>
                   </a:ext>
                 </a:extLst>
               </p:cNvPr>
-              <p:cNvPicPr>
-                <a:picLocks noChangeAspect="1" noChangeArrowheads="1"/>
-              </p:cNvPicPr>
+              <p:cNvSpPr/>
               <p:nvPr/>
-            </p:nvPicPr>
-            <p:blipFill>
-              <a:blip r:embed="rId4">
+            </p:nvSpPr>
+            <p:spPr>
+              <a:xfrm>
+                <a:off x="24439571" y="22671881"/>
+                <a:ext cx="8516999" cy="2123658"/>
+              </a:xfrm>
+              <a:prstGeom prst="rect">
+                <a:avLst/>
+              </a:prstGeom>
+            </p:spPr>
+            <p:txBody>
+              <a:bodyPr wrap="square">
+                <a:spAutoFit/>
+              </a:bodyPr>
+              <a:lstStyle/>
+              <a:p>
+                <a:pPr lvl="0" algn="ctr"/>
+                <a:r>
+                  <a:rPr lang="en-US" sz="6600" dirty="0">
+                    <a:solidFill>
+                      <a:prstClr val="black"/>
+                    </a:solidFill>
+                    <a:latin typeface="Quicksand" pitchFamily="2" charset="77"/>
+                  </a:rPr>
+                  <a:t>Seborrheic Keratosis (SK)</a:t>
+                </a:r>
+              </a:p>
+            </p:txBody>
+          </p:sp>
+          <p:sp>
+            <p:nvSpPr>
+              <p:cNvPr id="12" name="TextBox 11">
                 <a:extLst>
-                  <a:ext uri="{28A0092B-C50C-407E-A947-70E740481C1C}">
-                    <a14:useLocalDpi xmlns:a14="http://schemas.microsoft.com/office/drawing/2010/main" val="0"/>
+                  <a:ext uri="{FF2B5EF4-FFF2-40B4-BE49-F238E27FC236}">
+                    <a16:creationId xmlns:a16="http://schemas.microsoft.com/office/drawing/2014/main" id="{BDD63665-AF4E-B541-81C5-D672F8DDBD49}"/>
                   </a:ext>
                 </a:extLst>
-              </a:blip>
-              <a:srcRect/>
-              <a:stretch>
-                <a:fillRect/>
-              </a:stretch>
-            </p:blipFill>
-            <p:spPr bwMode="auto">
+              </p:cNvPr>
+              <p:cNvSpPr txBox="1"/>
+              <p:nvPr/>
+            </p:nvSpPr>
+            <p:spPr>
               <a:xfrm>
-                <a:off x="7218998" y="15344775"/>
-                <a:ext cx="5232400" cy="5308600"/>
+                <a:off x="37446923" y="22671881"/>
+                <a:ext cx="4947188" cy="2123658"/>
               </a:xfrm>
               <a:prstGeom prst="rect">
                 <a:avLst/>
               </a:prstGeom>
               <a:noFill/>
-              <a:extLst>
-                <a:ext uri="{909E8E84-426E-40DD-AFC4-6F175D3DCCD1}">
-                  <a14:hiddenFill xmlns:a14="http://schemas.microsoft.com/office/drawing/2010/main">
-                    <a:solidFill>
-                      <a:srgbClr val="FFFFFF"/>
-                    </a:solidFill>
-                  </a14:hiddenFill>
-                </a:ext>
-              </a:extLst>
             </p:spPr>
-          </p:pic>
-          <p:pic>
-            <p:nvPicPr>
-              <p:cNvPr id="2060" name="Picture 12">
+            <p:txBody>
+              <a:bodyPr wrap="none" rtlCol="0">
+                <a:spAutoFit/>
+              </a:bodyPr>
+              <a:lstStyle/>
+              <a:p>
+                <a:pPr algn="ctr"/>
+                <a:r>
+                  <a:rPr lang="en-TH" sz="6600" dirty="0">
+                    <a:latin typeface="Quicksand" pitchFamily="2" charset="77"/>
+                  </a:rPr>
+                  <a:t>Normal Skin</a:t>
+                </a:r>
+              </a:p>
+              <a:p>
+                <a:pPr algn="ctr"/>
+                <a:r>
+                  <a:rPr lang="en-TH" sz="6600" dirty="0">
+                    <a:latin typeface="Quicksand" pitchFamily="2" charset="77"/>
+                  </a:rPr>
+                  <a:t>(NM)</a:t>
+                </a:r>
+              </a:p>
+            </p:txBody>
+          </p:sp>
+          <p:sp>
+            <p:nvSpPr>
+              <p:cNvPr id="13" name="TextBox 12">
                 <a:extLst>
                   <a:ext uri="{FF2B5EF4-FFF2-40B4-BE49-F238E27FC236}">
-                    <a16:creationId xmlns:a16="http://schemas.microsoft.com/office/drawing/2014/main" id="{A82187FC-8674-EF4D-A765-595771FADA3C}"/>
+                    <a16:creationId xmlns:a16="http://schemas.microsoft.com/office/drawing/2014/main" id="{46CC7C09-FD7D-064A-B9F7-2B4564111659}"/>
                   </a:ext>
                 </a:extLst>
               </p:cNvPr>
-              <p:cNvPicPr>
-                <a:picLocks noChangeAspect="1" noChangeArrowheads="1"/>
-              </p:cNvPicPr>
+              <p:cNvSpPr txBox="1"/>
               <p:nvPr/>
-            </p:nvPicPr>
-            <p:blipFill>
-              <a:blip r:embed="rId5">
-                <a:extLst>
-                  <a:ext uri="{28A0092B-C50C-407E-A947-70E740481C1C}">
-                    <a14:useLocalDpi xmlns:a14="http://schemas.microsoft.com/office/drawing/2010/main" val="0"/>
-                  </a:ext>
-                </a:extLst>
-              </a:blip>
-              <a:srcRect/>
-              <a:stretch>
-                <a:fillRect/>
-              </a:stretch>
-            </p:blipFill>
-            <p:spPr bwMode="auto">
+            </p:nvSpPr>
+            <p:spPr>
               <a:xfrm>
-                <a:off x="13784898" y="15344775"/>
-                <a:ext cx="5486400" cy="5384800"/>
+                <a:off x="14917803" y="22671881"/>
+                <a:ext cx="3329373" cy="2123658"/>
               </a:xfrm>
               <a:prstGeom prst="rect">
                 <a:avLst/>
               </a:prstGeom>
               <a:noFill/>
-              <a:extLst>
-                <a:ext uri="{909E8E84-426E-40DD-AFC4-6F175D3DCCD1}">
-                  <a14:hiddenFill xmlns:a14="http://schemas.microsoft.com/office/drawing/2010/main">
-                    <a:solidFill>
-                      <a:srgbClr val="FFFFFF"/>
-                    </a:solidFill>
-                  </a14:hiddenFill>
-                </a:ext>
-              </a:extLst>
             </p:spPr>
-          </p:pic>
+            <p:txBody>
+              <a:bodyPr wrap="none" rtlCol="0">
+                <a:spAutoFit/>
+              </a:bodyPr>
+              <a:lstStyle/>
+              <a:p>
+                <a:pPr algn="ctr"/>
+                <a:r>
+                  <a:rPr lang="en-US" sz="6600" dirty="0">
+                    <a:latin typeface="Quicksand" pitchFamily="2" charset="77"/>
+                  </a:rPr>
+                  <a:t>Psoriasis </a:t>
+                </a:r>
+              </a:p>
+              <a:p>
+                <a:pPr algn="ctr"/>
+                <a:r>
+                  <a:rPr lang="en-US" sz="6600">
+                    <a:latin typeface="Quicksand" pitchFamily="2" charset="77"/>
+                  </a:rPr>
+                  <a:t>(PS</a:t>
+                </a:r>
+                <a:r>
+                  <a:rPr lang="en-US" sz="6600" dirty="0">
+                    <a:latin typeface="Quicksand" pitchFamily="2" charset="77"/>
+                  </a:rPr>
+                  <a:t>)</a:t>
+                </a:r>
+                <a:endParaRPr lang="en-TH" sz="6600" dirty="0">
+                  <a:latin typeface="Quicksand" pitchFamily="2" charset="77"/>
+                </a:endParaRPr>
+              </a:p>
+            </p:txBody>
+          </p:sp>
         </p:grpSp>
-        <p:sp>
-          <p:nvSpPr>
-            <p:cNvPr id="3" name="TextBox 2">
+        <p:pic>
+          <p:nvPicPr>
+            <p:cNvPr id="14" name="Content Placeholder 29" descr="A picture containing text, star, outdoor object&#10;&#10;Description automatically generated">
               <a:extLst>
                 <a:ext uri="{FF2B5EF4-FFF2-40B4-BE49-F238E27FC236}">
-                  <a16:creationId xmlns:a16="http://schemas.microsoft.com/office/drawing/2014/main" id="{C5CBC06E-EB06-3D4B-AD30-C0330A2D4DBE}"/>
+                  <a16:creationId xmlns:a16="http://schemas.microsoft.com/office/drawing/2014/main" id="{D27E70DC-C5DE-6448-829C-FCE350ACD09D}"/>
                 </a:ext>
               </a:extLst>
             </p:cNvPr>
-            <p:cNvSpPr txBox="1"/>
+            <p:cNvPicPr>
+              <a:picLocks/>
+            </p:cNvPicPr>
             <p:nvPr/>
-          </p:nvSpPr>
+          </p:nvPicPr>
+          <p:blipFill>
+            <a:blip r:embed="rId3"/>
+            <a:stretch>
+              <a:fillRect/>
+            </a:stretch>
+          </p:blipFill>
           <p:spPr>
             <a:xfrm>
-              <a:off x="1620120" y="22671881"/>
-              <a:ext cx="6917278" cy="2123658"/>
-            </a:xfrm>
-            <a:prstGeom prst="rect">
-              <a:avLst/>
-            </a:prstGeom>
-            <a:noFill/>
-          </p:spPr>
-          <p:txBody>
-            <a:bodyPr wrap="none" rtlCol="0">
-              <a:spAutoFit/>
-            </a:bodyPr>
-            <a:lstStyle/>
-            <a:p>
-              <a:pPr algn="ctr"/>
-              <a:r>
-                <a:rPr lang="en-TH" sz="6600" dirty="0">
-                  <a:latin typeface="Quicksand" pitchFamily="2" charset="77"/>
-                </a:rPr>
-                <a:t>Atopic Dermatitis</a:t>
-              </a:r>
-            </a:p>
-            <a:p>
-              <a:pPr algn="ctr"/>
-              <a:r>
-                <a:rPr lang="en-TH" sz="6600" dirty="0">
-                  <a:latin typeface="Quicksand" pitchFamily="2" charset="77"/>
-                </a:rPr>
-                <a:t>(AD)</a:t>
-              </a:r>
-            </a:p>
-          </p:txBody>
-        </p:sp>
-        <p:sp>
-          <p:nvSpPr>
-            <p:cNvPr id="5" name="Rectangle 4">
-              <a:extLst>
-                <a:ext uri="{FF2B5EF4-FFF2-40B4-BE49-F238E27FC236}">
-                  <a16:creationId xmlns:a16="http://schemas.microsoft.com/office/drawing/2014/main" id="{DB53AB50-4D38-784F-AF18-3729AD20627D}"/>
-                </a:ext>
-              </a:extLst>
-            </p:cNvPr>
-            <p:cNvSpPr/>
-            <p:nvPr/>
-          </p:nvSpPr>
-          <p:spPr>
-            <a:xfrm>
-              <a:off x="24439571" y="22671881"/>
-              <a:ext cx="8516999" cy="2123658"/>
+              <a:off x="428789" y="13117960"/>
+              <a:ext cx="9467697" cy="9763818"/>
             </a:xfrm>
             <a:prstGeom prst="rect">
               <a:avLst/>
             </a:prstGeom>
           </p:spPr>
-          <p:txBody>
-            <a:bodyPr wrap="square">
-              <a:spAutoFit/>
-            </a:bodyPr>
-            <a:lstStyle/>
-            <a:p>
-              <a:pPr lvl="0" algn="ctr"/>
-              <a:r>
-                <a:rPr lang="en-US" sz="6600" dirty="0">
-                  <a:solidFill>
-                    <a:prstClr val="black"/>
-                  </a:solidFill>
-                  <a:latin typeface="Quicksand" pitchFamily="2" charset="77"/>
-                </a:rPr>
-                <a:t>Seborrheic Keratosis (SK)</a:t>
-              </a:r>
-            </a:p>
-          </p:txBody>
-        </p:sp>
-        <p:sp>
-          <p:nvSpPr>
-            <p:cNvPr id="12" name="TextBox 11">
+        </p:pic>
+        <p:pic>
+          <p:nvPicPr>
+            <p:cNvPr id="16" name="Picture 15" descr="A picture containing text, star, monitor, outdoor object&#10;&#10;Description automatically generated">
               <a:extLst>
                 <a:ext uri="{FF2B5EF4-FFF2-40B4-BE49-F238E27FC236}">
-                  <a16:creationId xmlns:a16="http://schemas.microsoft.com/office/drawing/2014/main" id="{BDD63665-AF4E-B541-81C5-D672F8DDBD49}"/>
+                  <a16:creationId xmlns:a16="http://schemas.microsoft.com/office/drawing/2014/main" id="{B5141F38-D6D3-7F4A-AA75-D24798A97D5B}"/>
                 </a:ext>
               </a:extLst>
             </p:cNvPr>
-            <p:cNvSpPr txBox="1"/>
+            <p:cNvPicPr/>
             <p:nvPr/>
-          </p:nvSpPr>
+          </p:nvPicPr>
+          <p:blipFill>
+            <a:blip r:embed="rId4"/>
+            <a:stretch>
+              <a:fillRect/>
+            </a:stretch>
+          </p:blipFill>
           <p:spPr>
             <a:xfrm>
-              <a:off x="37446923" y="22671881"/>
-              <a:ext cx="4947188" cy="2123658"/>
+              <a:off x="11789935" y="13327856"/>
+              <a:ext cx="9422545" cy="9344024"/>
             </a:xfrm>
             <a:prstGeom prst="rect">
               <a:avLst/>
             </a:prstGeom>
-            <a:noFill/>
           </p:spPr>
-          <p:txBody>
-            <a:bodyPr wrap="none" rtlCol="0">
-              <a:spAutoFit/>
-            </a:bodyPr>
-            <a:lstStyle/>
-            <a:p>
-              <a:pPr algn="ctr"/>
-              <a:r>
-                <a:rPr lang="en-TH" sz="6600" dirty="0">
-                  <a:latin typeface="Quicksand" pitchFamily="2" charset="77"/>
-                </a:rPr>
-                <a:t>Normal Skin</a:t>
-              </a:r>
-            </a:p>
-            <a:p>
-              <a:pPr algn="ctr"/>
-              <a:r>
-                <a:rPr lang="en-TH" sz="6600" dirty="0">
-                  <a:latin typeface="Quicksand" pitchFamily="2" charset="77"/>
-                </a:rPr>
-                <a:t>(NM)</a:t>
-              </a:r>
-            </a:p>
-          </p:txBody>
-        </p:sp>
-        <p:sp>
-          <p:nvSpPr>
-            <p:cNvPr id="13" name="TextBox 12">
+        </p:pic>
+        <p:pic>
+          <p:nvPicPr>
+            <p:cNvPr id="17" name="Picture 16" descr="A picture containing star, outdoor object&#10;&#10;Description automatically generated">
               <a:extLst>
                 <a:ext uri="{FF2B5EF4-FFF2-40B4-BE49-F238E27FC236}">
-                  <a16:creationId xmlns:a16="http://schemas.microsoft.com/office/drawing/2014/main" id="{46CC7C09-FD7D-064A-B9F7-2B4564111659}"/>
+                  <a16:creationId xmlns:a16="http://schemas.microsoft.com/office/drawing/2014/main" id="{7F09E3DE-1C80-764D-A85C-1DD210FFBBF0}"/>
                 </a:ext>
               </a:extLst>
             </p:cNvPr>
-            <p:cNvSpPr txBox="1"/>
+            <p:cNvPicPr/>
             <p:nvPr/>
-          </p:nvSpPr>
+          </p:nvPicPr>
+          <p:blipFill>
+            <a:blip r:embed="rId5"/>
+            <a:stretch>
+              <a:fillRect/>
+            </a:stretch>
+          </p:blipFill>
           <p:spPr>
             <a:xfrm>
-              <a:off x="14671550" y="22671881"/>
-              <a:ext cx="3821879" cy="2123658"/>
+              <a:off x="23792771" y="13327855"/>
+              <a:ext cx="9467697" cy="9277911"/>
             </a:xfrm>
             <a:prstGeom prst="rect">
               <a:avLst/>
             </a:prstGeom>
-            <a:noFill/>
           </p:spPr>
-          <p:txBody>
-            <a:bodyPr wrap="none" rtlCol="0">
-              <a:spAutoFit/>
-            </a:bodyPr>
-            <a:lstStyle/>
-            <a:p>
-              <a:pPr algn="ctr"/>
-              <a:r>
-                <a:rPr lang="en-US" sz="6600" dirty="0">
-                  <a:latin typeface="Quicksand" pitchFamily="2" charset="77"/>
-                </a:rPr>
-                <a:t>Psoriasis </a:t>
-              </a:r>
-            </a:p>
-            <a:p>
-              <a:pPr algn="ctr"/>
-              <a:r>
-                <a:rPr lang="en-US" sz="6600" dirty="0">
-                  <a:latin typeface="Quicksand" pitchFamily="2" charset="77"/>
-                </a:rPr>
-                <a:t>[PS]</a:t>
-              </a:r>
-              <a:endParaRPr lang="en-TH" sz="6600" dirty="0">
-                <a:latin typeface="Quicksand" pitchFamily="2" charset="77"/>
-              </a:endParaRPr>
-            </a:p>
-          </p:txBody>
-        </p:sp>
+        </p:pic>
       </p:grpSp>
     </p:spTree>
     <p:extLst>
